--- a/CO2Storage.pptx
+++ b/CO2Storage.pptx
@@ -1,6 +1,6 @@
 
 <file path=ppt/presentation.xml><?xml version="1.0" encoding="utf-8"?>
-<p:presentation xmlns:a="http://schemas.openxmlformats.org/drawingml/2006/main" xmlns:r="http://schemas.openxmlformats.org/officeDocument/2006/relationships" xmlns:p="http://schemas.openxmlformats.org/presentationml/2006/main" showSpecialPlsOnTitleSld="0" saveSubsetFonts="1">
+<p:presentation xmlns:a="http://schemas.openxmlformats.org/drawingml/2006/main" xmlns:r="http://schemas.openxmlformats.org/officeDocument/2006/relationships" xmlns:p="http://schemas.openxmlformats.org/presentationml/2006/main" showSpecialPlsOnTitleSld="0">
   <p:sldMasterIdLst>
     <p:sldMasterId id="2147483648" r:id="rId1"/>
   </p:sldMasterIdLst>
@@ -129,20 +129,8 @@
 
 <file path=ppt/commentAuthors.xml><?xml version="1.0" encoding="utf-8"?>
 <p:cmAuthorLst xmlns:a="http://schemas.openxmlformats.org/drawingml/2006/main" xmlns:r="http://schemas.openxmlformats.org/officeDocument/2006/relationships" xmlns:p="http://schemas.openxmlformats.org/presentationml/2006/main">
-  <p:cmAuthor id="1" name="wenrui zhou" initials="wz" lastIdx="1" clrIdx="0">
-    <p:extLst>
-      <p:ext uri="{19B8F6BF-5375-455C-9EA6-DF929625EA0E}">
-        <p15:presenceInfo xmlns:p15="http://schemas.microsoft.com/office/powerpoint/2012/main" userId="S::wenrui.zhou@bwedu.de::36ba0da9-b1d1-4c9c-8f0d-4ab4c35cf509" providerId="AD"/>
-      </p:ext>
-    </p:extLst>
-  </p:cmAuthor>
-  <p:cmAuthor id="2" name="Zhou, Wenrui" initials="ZW" lastIdx="1" clrIdx="1">
-    <p:extLst>
-      <p:ext uri="{19B8F6BF-5375-455C-9EA6-DF929625EA0E}">
-        <p15:presenceInfo xmlns:p15="http://schemas.microsoft.com/office/powerpoint/2012/main" userId="S::unvri@student.kit.edu::ee3b51cd-b808-418e-9790-11611e2f8b61" providerId="AD"/>
-      </p:ext>
-    </p:extLst>
-  </p:cmAuthor>
+  <p:cmAuthor id="1" name="wenrui zhou" initials="wz" lastIdx="1" clrIdx="0"/>
+  <p:cmAuthor id="2" name="Zhou, Wenrui" initials="ZW" lastIdx="1" clrIdx="1"/>
 </p:cmAuthorLst>
 </file>
 
@@ -393,11 +381,6 @@
         </p:txBody>
       </p:sp>
     </p:spTree>
-    <p:extLst>
-      <p:ext uri="{BB962C8B-B14F-4D97-AF65-F5344CB8AC3E}">
-        <p14:creationId xmlns:p14="http://schemas.microsoft.com/office/powerpoint/2010/main" val="2810794510"/>
-      </p:ext>
-    </p:extLst>
   </p:cSld>
   <p:clrMap bg1="lt1" tx1="dk1" bg2="lt2" tx2="dk2" accent1="accent1" accent2="accent2" accent3="accent3" accent4="accent4" accent5="accent5" accent6="accent6" hlink="hlink" folHlink="folHlink"/>
   <p:notesStyle>
@@ -567,11 +550,6 @@
         </p:txBody>
       </p:sp>
     </p:spTree>
-    <p:extLst>
-      <p:ext uri="{BB962C8B-B14F-4D97-AF65-F5344CB8AC3E}">
-        <p14:creationId xmlns:p14="http://schemas.microsoft.com/office/powerpoint/2010/main" val="753287507"/>
-      </p:ext>
-    </p:extLst>
   </p:cSld>
   <p:clrMapOvr>
     <a:masterClrMapping/>
@@ -598,13 +576,7 @@
       </p:grpSpPr>
       <p:pic>
         <p:nvPicPr>
-          <p:cNvPr id="7" name="Picture 2">
-            <a:extLst>
-              <a:ext uri="{FF2B5EF4-FFF2-40B4-BE49-F238E27FC236}">
-                <a16:creationId xmlns:a16="http://schemas.microsoft.com/office/drawing/2014/main" id="{13806AD6-F1FF-43F6-8B93-68100F2DB2DB}"/>
-              </a:ext>
-            </a:extLst>
-          </p:cNvPr>
+          <p:cNvPr id="7" name="Picture 2"/>
           <p:cNvPicPr>
             <a:picLocks noChangeAspect="1" noChangeArrowheads="1"/>
           </p:cNvPicPr>
@@ -612,8 +584,8 @@
         </p:nvPicPr>
         <p:blipFill>
           <a:blip r:embed="rId2" cstate="print">
+            <a:grayscl/>
             <a:lum bright="14000" contrast="-4000"/>
-            <a:grayscl/>
           </a:blip>
           <a:srcRect t="20958" b="21313"/>
           <a:stretch>
@@ -639,13 +611,7 @@
       </p:pic>
       <p:pic>
         <p:nvPicPr>
-          <p:cNvPr id="17" name="Grafik 16">
-            <a:extLst>
-              <a:ext uri="{FF2B5EF4-FFF2-40B4-BE49-F238E27FC236}">
-                <a16:creationId xmlns:a16="http://schemas.microsoft.com/office/drawing/2014/main" id="{34A4FA1F-572C-4F3C-AB2C-552C89D6A712}"/>
-              </a:ext>
-            </a:extLst>
-          </p:cNvPr>
+          <p:cNvPr id="17" name="Grafik 16"/>
           <p:cNvPicPr>
             <a:picLocks noChangeAspect="1"/>
           </p:cNvPicPr>
@@ -675,100 +641,7 @@
       </p:pic>
       <p:sp>
         <p:nvSpPr>
-          <p:cNvPr id="24" name="Text Box 21">
-            <a:extLst>
-              <a:ext uri="{FF2B5EF4-FFF2-40B4-BE49-F238E27FC236}">
-                <a16:creationId xmlns:a16="http://schemas.microsoft.com/office/drawing/2014/main" id="{06FC442B-9238-4D7D-AE83-C3F29F1B7AA6}"/>
-              </a:ext>
-            </a:extLst>
-          </p:cNvPr>
-          <p:cNvSpPr txBox="1">
-            <a:spLocks noChangeArrowheads="1"/>
-          </p:cNvSpPr>
-          <p:nvPr userDrawn="1"/>
-        </p:nvSpPr>
-        <p:spPr bwMode="auto">
-          <a:xfrm>
-            <a:off x="515582" y="3241102"/>
-            <a:ext cx="9555517" cy="412421"/>
-          </a:xfrm>
-          <a:prstGeom prst="rect">
-            <a:avLst/>
-          </a:prstGeom>
-          <a:noFill/>
-          <a:ln w="9525">
-            <a:noFill/>
-            <a:miter lim="800000"/>
-            <a:headEnd/>
-            <a:tailEnd/>
-          </a:ln>
-          <a:effectLst/>
-        </p:spPr>
-        <p:txBody>
-          <a:bodyPr wrap="square" lIns="0" tIns="0" rIns="0" bIns="0" anchor="ctr">
-            <a:spAutoFit/>
-          </a:bodyPr>
-          <a:lstStyle/>
-          <a:p>
-            <a:pPr>
-              <a:defRPr/>
-            </a:pPr>
-            <a:r>
-              <a:rPr lang="en-US" sz="1340" noProof="0" dirty="0" err="1">
-                <a:solidFill>
-                  <a:schemeClr val="bg1"/>
-                </a:solidFill>
-              </a:rPr>
-              <a:t>Wenrui</a:t>
-            </a:r>
-            <a:r>
-              <a:rPr lang="en-US" sz="1340" noProof="0" dirty="0">
-                <a:solidFill>
-                  <a:schemeClr val="bg1"/>
-                </a:solidFill>
-              </a:rPr>
-              <a:t> Zhou</a:t>
-            </a:r>
-            <a:br>
-              <a:rPr lang="en-US" sz="1340" noProof="0" dirty="0">
-                <a:solidFill>
-                  <a:schemeClr val="bg1"/>
-                </a:solidFill>
-              </a:rPr>
-            </a:br>
-            <a:r>
-              <a:rPr lang="en-US" sz="1340" noProof="0" dirty="0">
-                <a:solidFill>
-                  <a:schemeClr val="bg1"/>
-                </a:solidFill>
-              </a:rPr>
-              <a:t>Supervisors: Edouard </a:t>
-            </a:r>
-            <a:r>
-              <a:rPr lang="en-US" sz="1340" noProof="0" dirty="0" err="1">
-                <a:solidFill>
-                  <a:schemeClr val="bg1"/>
-                </a:solidFill>
-              </a:rPr>
-              <a:t>Fouché</a:t>
-            </a:r>
-            <a:endParaRPr lang="en-US" sz="1340" noProof="0" dirty="0">
-              <a:solidFill>
-                <a:schemeClr val="bg1"/>
-              </a:solidFill>
-            </a:endParaRPr>
-          </a:p>
-        </p:txBody>
-      </p:sp>
-      <p:sp>
-        <p:nvSpPr>
-          <p:cNvPr id="28" name="Text Box 14">
-            <a:extLst>
-              <a:ext uri="{FF2B5EF4-FFF2-40B4-BE49-F238E27FC236}">
-                <a16:creationId xmlns:a16="http://schemas.microsoft.com/office/drawing/2014/main" id="{8B90B0AC-C3A4-45BF-ABCA-1F7E06B01971}"/>
-              </a:ext>
-            </a:extLst>
-          </p:cNvPr>
+          <p:cNvPr id="28" name="Text Box 14"/>
           <p:cNvSpPr txBox="1">
             <a:spLocks noChangeArrowheads="1"/>
           </p:cNvSpPr>
@@ -786,8 +659,6 @@
           <a:ln w="9525">
             <a:noFill/>
             <a:miter lim="800000"/>
-            <a:headEnd/>
-            <a:tailEnd/>
           </a:ln>
           <a:effectLst/>
         </p:spPr>
@@ -806,13 +677,7 @@
       </p:sp>
       <p:sp>
         <p:nvSpPr>
-          <p:cNvPr id="29" name="Text Box 14">
-            <a:extLst>
-              <a:ext uri="{FF2B5EF4-FFF2-40B4-BE49-F238E27FC236}">
-                <a16:creationId xmlns:a16="http://schemas.microsoft.com/office/drawing/2014/main" id="{F16E5C71-17DC-4E14-A36D-AE67CD44D7AA}"/>
-              </a:ext>
-            </a:extLst>
-          </p:cNvPr>
+          <p:cNvPr id="29" name="Text Box 14"/>
           <p:cNvSpPr txBox="1">
             <a:spLocks noChangeArrowheads="1"/>
           </p:cNvSpPr>
@@ -830,8 +695,6 @@
           <a:ln w="9525">
             <a:noFill/>
             <a:miter lim="800000"/>
-            <a:headEnd/>
-            <a:tailEnd/>
           </a:ln>
           <a:effectLst/>
         </p:spPr>
@@ -857,13 +720,7 @@
       </p:sp>
       <p:pic>
         <p:nvPicPr>
-          <p:cNvPr id="33" name="Grafik 32">
-            <a:extLst>
-              <a:ext uri="{FF2B5EF4-FFF2-40B4-BE49-F238E27FC236}">
-                <a16:creationId xmlns:a16="http://schemas.microsoft.com/office/drawing/2014/main" id="{E7FAE6E8-CB82-46A3-9770-79BEAA8CB88C}"/>
-              </a:ext>
-            </a:extLst>
-          </p:cNvPr>
+          <p:cNvPr id="33" name="Grafik 32"/>
           <p:cNvPicPr>
             <a:picLocks noChangeAspect="1"/>
           </p:cNvPicPr>
@@ -892,11 +749,6 @@
         </p:spPr>
       </p:pic>
     </p:spTree>
-    <p:extLst>
-      <p:ext uri="{BB962C8B-B14F-4D97-AF65-F5344CB8AC3E}">
-        <p14:creationId xmlns:p14="http://schemas.microsoft.com/office/powerpoint/2010/main" val="2873724145"/>
-      </p:ext>
-    </p:extLst>
   </p:cSld>
   <p:clrMapOvr>
     <a:masterClrMapping/>
@@ -923,13 +775,7 @@
       </p:grpSpPr>
       <p:sp>
         <p:nvSpPr>
-          <p:cNvPr id="2" name="Titel 1">
-            <a:extLst>
-              <a:ext uri="{FF2B5EF4-FFF2-40B4-BE49-F238E27FC236}">
-                <a16:creationId xmlns:a16="http://schemas.microsoft.com/office/drawing/2014/main" id="{F9EEED28-0813-48F9-AD7B-C3F4746178D5}"/>
-              </a:ext>
-            </a:extLst>
-          </p:cNvPr>
+          <p:cNvPr id="2" name="Titel 1"/>
           <p:cNvSpPr>
             <a:spLocks noGrp="1"/>
           </p:cNvSpPr>
@@ -956,13 +802,7 @@
       </p:sp>
       <p:sp>
         <p:nvSpPr>
-          <p:cNvPr id="3" name="Vertikaler Textplatzhalter 2">
-            <a:extLst>
-              <a:ext uri="{FF2B5EF4-FFF2-40B4-BE49-F238E27FC236}">
-                <a16:creationId xmlns:a16="http://schemas.microsoft.com/office/drawing/2014/main" id="{0266842F-36EC-49E9-AC66-9EB007252349}"/>
-              </a:ext>
-            </a:extLst>
-          </p:cNvPr>
+          <p:cNvPr id="3" name="Vertikaler Textplatzhalter 2"/>
           <p:cNvSpPr>
             <a:spLocks noGrp="1"/>
           </p:cNvSpPr>
@@ -1078,13 +918,7 @@
       </p:sp>
       <p:sp>
         <p:nvSpPr>
-          <p:cNvPr id="4" name="Datumsplatzhalter 3">
-            <a:extLst>
-              <a:ext uri="{FF2B5EF4-FFF2-40B4-BE49-F238E27FC236}">
-                <a16:creationId xmlns:a16="http://schemas.microsoft.com/office/drawing/2014/main" id="{0452B680-CC44-46FC-A93F-4E9655E7290E}"/>
-              </a:ext>
-            </a:extLst>
-          </p:cNvPr>
+          <p:cNvPr id="4" name="Datumsplatzhalter 3"/>
           <p:cNvSpPr>
             <a:spLocks noGrp="1"/>
           </p:cNvSpPr>
@@ -1107,13 +941,7 @@
       </p:sp>
       <p:sp>
         <p:nvSpPr>
-          <p:cNvPr id="6" name="Foliennummernplatzhalter 5">
-            <a:extLst>
-              <a:ext uri="{FF2B5EF4-FFF2-40B4-BE49-F238E27FC236}">
-                <a16:creationId xmlns:a16="http://schemas.microsoft.com/office/drawing/2014/main" id="{A4520D94-8011-4067-9EDC-3FAEFF220859}"/>
-              </a:ext>
-            </a:extLst>
-          </p:cNvPr>
+          <p:cNvPr id="6" name="Foliennummernplatzhalter 5"/>
           <p:cNvSpPr>
             <a:spLocks noGrp="1"/>
           </p:cNvSpPr>
@@ -1135,11 +963,6 @@
         </p:txBody>
       </p:sp>
     </p:spTree>
-    <p:extLst>
-      <p:ext uri="{BB962C8B-B14F-4D97-AF65-F5344CB8AC3E}">
-        <p14:creationId xmlns:p14="http://schemas.microsoft.com/office/powerpoint/2010/main" val="590149333"/>
-      </p:ext>
-    </p:extLst>
   </p:cSld>
   <p:clrMapOvr>
     <a:masterClrMapping/>
@@ -1166,13 +989,7 @@
       </p:grpSpPr>
       <p:sp>
         <p:nvSpPr>
-          <p:cNvPr id="2" name="Vertikaler Titel 1">
-            <a:extLst>
-              <a:ext uri="{FF2B5EF4-FFF2-40B4-BE49-F238E27FC236}">
-                <a16:creationId xmlns:a16="http://schemas.microsoft.com/office/drawing/2014/main" id="{5B59FA6F-E1AA-4777-A938-29505698E50D}"/>
-              </a:ext>
-            </a:extLst>
-          </p:cNvPr>
+          <p:cNvPr id="2" name="Vertikaler Titel 1"/>
           <p:cNvSpPr>
             <a:spLocks noGrp="1"/>
           </p:cNvSpPr>
@@ -1204,13 +1021,7 @@
       </p:sp>
       <p:sp>
         <p:nvSpPr>
-          <p:cNvPr id="3" name="Vertikaler Textplatzhalter 2">
-            <a:extLst>
-              <a:ext uri="{FF2B5EF4-FFF2-40B4-BE49-F238E27FC236}">
-                <a16:creationId xmlns:a16="http://schemas.microsoft.com/office/drawing/2014/main" id="{189F0E4A-734C-478B-A5C1-DC36FE4AD363}"/>
-              </a:ext>
-            </a:extLst>
-          </p:cNvPr>
+          <p:cNvPr id="3" name="Vertikaler Textplatzhalter 2"/>
           <p:cNvSpPr>
             <a:spLocks noGrp="1"/>
           </p:cNvSpPr>
@@ -1331,13 +1142,7 @@
       </p:sp>
       <p:sp>
         <p:nvSpPr>
-          <p:cNvPr id="4" name="Datumsplatzhalter 3">
-            <a:extLst>
-              <a:ext uri="{FF2B5EF4-FFF2-40B4-BE49-F238E27FC236}">
-                <a16:creationId xmlns:a16="http://schemas.microsoft.com/office/drawing/2014/main" id="{3DEC746F-EE53-4616-80E6-53E7FAE04EEE}"/>
-              </a:ext>
-            </a:extLst>
-          </p:cNvPr>
+          <p:cNvPr id="4" name="Datumsplatzhalter 3"/>
           <p:cNvSpPr>
             <a:spLocks noGrp="1"/>
           </p:cNvSpPr>
@@ -1360,13 +1165,7 @@
       </p:sp>
       <p:sp>
         <p:nvSpPr>
-          <p:cNvPr id="6" name="Foliennummernplatzhalter 5">
-            <a:extLst>
-              <a:ext uri="{FF2B5EF4-FFF2-40B4-BE49-F238E27FC236}">
-                <a16:creationId xmlns:a16="http://schemas.microsoft.com/office/drawing/2014/main" id="{907B5C8F-8341-4F40-8C12-2C5925ADC81F}"/>
-              </a:ext>
-            </a:extLst>
-          </p:cNvPr>
+          <p:cNvPr id="6" name="Foliennummernplatzhalter 5"/>
           <p:cNvSpPr>
             <a:spLocks noGrp="1"/>
           </p:cNvSpPr>
@@ -1388,11 +1187,6 @@
         </p:txBody>
       </p:sp>
     </p:spTree>
-    <p:extLst>
-      <p:ext uri="{BB962C8B-B14F-4D97-AF65-F5344CB8AC3E}">
-        <p14:creationId xmlns:p14="http://schemas.microsoft.com/office/powerpoint/2010/main" val="548013730"/>
-      </p:ext>
-    </p:extLst>
   </p:cSld>
   <p:clrMapOvr>
     <a:masterClrMapping/>
@@ -1419,13 +1213,7 @@
       </p:grpSpPr>
       <p:sp>
         <p:nvSpPr>
-          <p:cNvPr id="2" name="Titel 1">
-            <a:extLst>
-              <a:ext uri="{FF2B5EF4-FFF2-40B4-BE49-F238E27FC236}">
-                <a16:creationId xmlns:a16="http://schemas.microsoft.com/office/drawing/2014/main" id="{829FAF4A-98FA-4066-8B9E-CA0D85F230A1}"/>
-              </a:ext>
-            </a:extLst>
-          </p:cNvPr>
+          <p:cNvPr id="2" name="Titel 1"/>
           <p:cNvSpPr>
             <a:spLocks noGrp="1"/>
           </p:cNvSpPr>
@@ -1452,13 +1240,7 @@
       </p:sp>
       <p:sp>
         <p:nvSpPr>
-          <p:cNvPr id="3" name="Inhaltsplatzhalter 2">
-            <a:extLst>
-              <a:ext uri="{FF2B5EF4-FFF2-40B4-BE49-F238E27FC236}">
-                <a16:creationId xmlns:a16="http://schemas.microsoft.com/office/drawing/2014/main" id="{C2C87942-EC3B-41F9-B423-824D3C3745B6}"/>
-              </a:ext>
-            </a:extLst>
-          </p:cNvPr>
+          <p:cNvPr id="3" name="Inhaltsplatzhalter 2"/>
           <p:cNvSpPr>
             <a:spLocks noGrp="1"/>
           </p:cNvSpPr>
@@ -1525,13 +1307,7 @@
       </p:sp>
       <p:sp>
         <p:nvSpPr>
-          <p:cNvPr id="4" name="Datumsplatzhalter 3">
-            <a:extLst>
-              <a:ext uri="{FF2B5EF4-FFF2-40B4-BE49-F238E27FC236}">
-                <a16:creationId xmlns:a16="http://schemas.microsoft.com/office/drawing/2014/main" id="{67244E0D-14A7-4B30-915C-2337D7AAF2BF}"/>
-              </a:ext>
-            </a:extLst>
-          </p:cNvPr>
+          <p:cNvPr id="4" name="Datumsplatzhalter 3"/>
           <p:cNvSpPr>
             <a:spLocks noGrp="1"/>
           </p:cNvSpPr>
@@ -1554,13 +1330,7 @@
       </p:sp>
       <p:sp>
         <p:nvSpPr>
-          <p:cNvPr id="6" name="Foliennummernplatzhalter 5">
-            <a:extLst>
-              <a:ext uri="{FF2B5EF4-FFF2-40B4-BE49-F238E27FC236}">
-                <a16:creationId xmlns:a16="http://schemas.microsoft.com/office/drawing/2014/main" id="{C33DED0A-B994-4DFB-A110-A8E07CC6455A}"/>
-              </a:ext>
-            </a:extLst>
-          </p:cNvPr>
+          <p:cNvPr id="6" name="Foliennummernplatzhalter 5"/>
           <p:cNvSpPr>
             <a:spLocks noGrp="1"/>
           </p:cNvSpPr>
@@ -1582,11 +1352,6 @@
         </p:txBody>
       </p:sp>
     </p:spTree>
-    <p:extLst>
-      <p:ext uri="{BB962C8B-B14F-4D97-AF65-F5344CB8AC3E}">
-        <p14:creationId xmlns:p14="http://schemas.microsoft.com/office/powerpoint/2010/main" val="3134773252"/>
-      </p:ext>
-    </p:extLst>
   </p:cSld>
   <p:clrMapOvr>
     <a:masterClrMapping/>
@@ -1613,13 +1378,7 @@
       </p:grpSpPr>
       <p:sp>
         <p:nvSpPr>
-          <p:cNvPr id="2" name="Titel 1">
-            <a:extLst>
-              <a:ext uri="{FF2B5EF4-FFF2-40B4-BE49-F238E27FC236}">
-                <a16:creationId xmlns:a16="http://schemas.microsoft.com/office/drawing/2014/main" id="{0BE38482-A4C7-42DF-9634-E3B98975DA59}"/>
-              </a:ext>
-            </a:extLst>
-          </p:cNvPr>
+          <p:cNvPr id="2" name="Titel 1"/>
           <p:cNvSpPr>
             <a:spLocks noGrp="1"/>
           </p:cNvSpPr>
@@ -1651,13 +1410,7 @@
       </p:sp>
       <p:sp>
         <p:nvSpPr>
-          <p:cNvPr id="3" name="Textplatzhalter 2">
-            <a:extLst>
-              <a:ext uri="{FF2B5EF4-FFF2-40B4-BE49-F238E27FC236}">
-                <a16:creationId xmlns:a16="http://schemas.microsoft.com/office/drawing/2014/main" id="{DECEB0C6-0D9E-4ADD-B029-512526865D12}"/>
-              </a:ext>
-            </a:extLst>
-          </p:cNvPr>
+          <p:cNvPr id="3" name="Textplatzhalter 2"/>
           <p:cNvSpPr>
             <a:spLocks noGrp="1"/>
           </p:cNvSpPr>
@@ -1776,13 +1529,7 @@
       </p:sp>
       <p:sp>
         <p:nvSpPr>
-          <p:cNvPr id="4" name="Datumsplatzhalter 3">
-            <a:extLst>
-              <a:ext uri="{FF2B5EF4-FFF2-40B4-BE49-F238E27FC236}">
-                <a16:creationId xmlns:a16="http://schemas.microsoft.com/office/drawing/2014/main" id="{E325BB92-0C01-42FC-B768-1D40829A7E88}"/>
-              </a:ext>
-            </a:extLst>
-          </p:cNvPr>
+          <p:cNvPr id="4" name="Datumsplatzhalter 3"/>
           <p:cNvSpPr>
             <a:spLocks noGrp="1"/>
           </p:cNvSpPr>
@@ -1805,13 +1552,7 @@
       </p:sp>
       <p:sp>
         <p:nvSpPr>
-          <p:cNvPr id="6" name="Foliennummernplatzhalter 5">
-            <a:extLst>
-              <a:ext uri="{FF2B5EF4-FFF2-40B4-BE49-F238E27FC236}">
-                <a16:creationId xmlns:a16="http://schemas.microsoft.com/office/drawing/2014/main" id="{253AEFB2-DB19-4BB5-8BB0-51D8053E35F3}"/>
-              </a:ext>
-            </a:extLst>
-          </p:cNvPr>
+          <p:cNvPr id="6" name="Foliennummernplatzhalter 5"/>
           <p:cNvSpPr>
             <a:spLocks noGrp="1"/>
           </p:cNvSpPr>
@@ -1833,11 +1574,6 @@
         </p:txBody>
       </p:sp>
     </p:spTree>
-    <p:extLst>
-      <p:ext uri="{BB962C8B-B14F-4D97-AF65-F5344CB8AC3E}">
-        <p14:creationId xmlns:p14="http://schemas.microsoft.com/office/powerpoint/2010/main" val="616149434"/>
-      </p:ext>
-    </p:extLst>
   </p:cSld>
   <p:clrMapOvr>
     <a:masterClrMapping/>
@@ -1864,13 +1600,7 @@
       </p:grpSpPr>
       <p:sp>
         <p:nvSpPr>
-          <p:cNvPr id="2" name="Titel 1">
-            <a:extLst>
-              <a:ext uri="{FF2B5EF4-FFF2-40B4-BE49-F238E27FC236}">
-                <a16:creationId xmlns:a16="http://schemas.microsoft.com/office/drawing/2014/main" id="{35014A50-2840-4153-8ACA-21DDA74173BF}"/>
-              </a:ext>
-            </a:extLst>
-          </p:cNvPr>
+          <p:cNvPr id="2" name="Titel 1"/>
           <p:cNvSpPr>
             <a:spLocks noGrp="1"/>
           </p:cNvSpPr>
@@ -1897,13 +1627,7 @@
       </p:sp>
       <p:sp>
         <p:nvSpPr>
-          <p:cNvPr id="3" name="Inhaltsplatzhalter 2">
-            <a:extLst>
-              <a:ext uri="{FF2B5EF4-FFF2-40B4-BE49-F238E27FC236}">
-                <a16:creationId xmlns:a16="http://schemas.microsoft.com/office/drawing/2014/main" id="{39C76C89-8E8C-4A66-8B31-797AD514354F}"/>
-              </a:ext>
-            </a:extLst>
-          </p:cNvPr>
+          <p:cNvPr id="3" name="Inhaltsplatzhalter 2"/>
           <p:cNvSpPr>
             <a:spLocks noGrp="1"/>
           </p:cNvSpPr>
@@ -2024,13 +1748,7 @@
       </p:sp>
       <p:sp>
         <p:nvSpPr>
-          <p:cNvPr id="4" name="Inhaltsplatzhalter 3">
-            <a:extLst>
-              <a:ext uri="{FF2B5EF4-FFF2-40B4-BE49-F238E27FC236}">
-                <a16:creationId xmlns:a16="http://schemas.microsoft.com/office/drawing/2014/main" id="{9A0CBC72-16DA-4743-A938-06A0A3121EB7}"/>
-              </a:ext>
-            </a:extLst>
-          </p:cNvPr>
+          <p:cNvPr id="4" name="Inhaltsplatzhalter 3"/>
           <p:cNvSpPr>
             <a:spLocks noGrp="1"/>
           </p:cNvSpPr>
@@ -2151,13 +1869,7 @@
       </p:sp>
       <p:sp>
         <p:nvSpPr>
-          <p:cNvPr id="5" name="Datumsplatzhalter 4">
-            <a:extLst>
-              <a:ext uri="{FF2B5EF4-FFF2-40B4-BE49-F238E27FC236}">
-                <a16:creationId xmlns:a16="http://schemas.microsoft.com/office/drawing/2014/main" id="{94113EAF-40FF-498E-B96E-B770070E3B30}"/>
-              </a:ext>
-            </a:extLst>
-          </p:cNvPr>
+          <p:cNvPr id="5" name="Datumsplatzhalter 4"/>
           <p:cNvSpPr>
             <a:spLocks noGrp="1"/>
           </p:cNvSpPr>
@@ -2180,13 +1892,7 @@
       </p:sp>
       <p:sp>
         <p:nvSpPr>
-          <p:cNvPr id="7" name="Foliennummernplatzhalter 6">
-            <a:extLst>
-              <a:ext uri="{FF2B5EF4-FFF2-40B4-BE49-F238E27FC236}">
-                <a16:creationId xmlns:a16="http://schemas.microsoft.com/office/drawing/2014/main" id="{E4CD4877-D48C-495B-8B04-F622FC2261D1}"/>
-              </a:ext>
-            </a:extLst>
-          </p:cNvPr>
+          <p:cNvPr id="7" name="Foliennummernplatzhalter 6"/>
           <p:cNvSpPr>
             <a:spLocks noGrp="1"/>
           </p:cNvSpPr>
@@ -2208,11 +1914,6 @@
         </p:txBody>
       </p:sp>
     </p:spTree>
-    <p:extLst>
-      <p:ext uri="{BB962C8B-B14F-4D97-AF65-F5344CB8AC3E}">
-        <p14:creationId xmlns:p14="http://schemas.microsoft.com/office/powerpoint/2010/main" val="3697572803"/>
-      </p:ext>
-    </p:extLst>
   </p:cSld>
   <p:clrMapOvr>
     <a:masterClrMapping/>
@@ -2239,13 +1940,7 @@
       </p:grpSpPr>
       <p:sp>
         <p:nvSpPr>
-          <p:cNvPr id="3" name="Textplatzhalter 2">
-            <a:extLst>
-              <a:ext uri="{FF2B5EF4-FFF2-40B4-BE49-F238E27FC236}">
-                <a16:creationId xmlns:a16="http://schemas.microsoft.com/office/drawing/2014/main" id="{906C1A6E-EDD8-422C-9528-06F9CBF8D517}"/>
-              </a:ext>
-            </a:extLst>
-          </p:cNvPr>
+          <p:cNvPr id="3" name="Textplatzhalter 2"/>
           <p:cNvSpPr>
             <a:spLocks noGrp="1"/>
           </p:cNvSpPr>
@@ -2312,13 +2007,7 @@
       </p:sp>
       <p:sp>
         <p:nvSpPr>
-          <p:cNvPr id="4" name="Inhaltsplatzhalter 3">
-            <a:extLst>
-              <a:ext uri="{FF2B5EF4-FFF2-40B4-BE49-F238E27FC236}">
-                <a16:creationId xmlns:a16="http://schemas.microsoft.com/office/drawing/2014/main" id="{907BC53E-907B-434C-B849-6EB9897B4BA9}"/>
-              </a:ext>
-            </a:extLst>
-          </p:cNvPr>
+          <p:cNvPr id="4" name="Inhaltsplatzhalter 3"/>
           <p:cNvSpPr>
             <a:spLocks noGrp="1"/>
           </p:cNvSpPr>
@@ -2439,13 +2128,7 @@
       </p:sp>
       <p:sp>
         <p:nvSpPr>
-          <p:cNvPr id="5" name="Textplatzhalter 4">
-            <a:extLst>
-              <a:ext uri="{FF2B5EF4-FFF2-40B4-BE49-F238E27FC236}">
-                <a16:creationId xmlns:a16="http://schemas.microsoft.com/office/drawing/2014/main" id="{6D479D9E-3156-4950-B7AC-7F88AF33311C}"/>
-              </a:ext>
-            </a:extLst>
-          </p:cNvPr>
+          <p:cNvPr id="5" name="Textplatzhalter 4"/>
           <p:cNvSpPr>
             <a:spLocks noGrp="1"/>
           </p:cNvSpPr>
@@ -2512,13 +2195,7 @@
       </p:sp>
       <p:sp>
         <p:nvSpPr>
-          <p:cNvPr id="6" name="Inhaltsplatzhalter 5">
-            <a:extLst>
-              <a:ext uri="{FF2B5EF4-FFF2-40B4-BE49-F238E27FC236}">
-                <a16:creationId xmlns:a16="http://schemas.microsoft.com/office/drawing/2014/main" id="{A0FEC748-198E-476C-A61F-8533DBE171B3}"/>
-              </a:ext>
-            </a:extLst>
-          </p:cNvPr>
+          <p:cNvPr id="6" name="Inhaltsplatzhalter 5"/>
           <p:cNvSpPr>
             <a:spLocks noGrp="1"/>
           </p:cNvSpPr>
@@ -2639,13 +2316,7 @@
       </p:sp>
       <p:sp>
         <p:nvSpPr>
-          <p:cNvPr id="7" name="Datumsplatzhalter 6">
-            <a:extLst>
-              <a:ext uri="{FF2B5EF4-FFF2-40B4-BE49-F238E27FC236}">
-                <a16:creationId xmlns:a16="http://schemas.microsoft.com/office/drawing/2014/main" id="{F40AC501-5695-4386-935B-DB83960E7933}"/>
-              </a:ext>
-            </a:extLst>
-          </p:cNvPr>
+          <p:cNvPr id="7" name="Datumsplatzhalter 6"/>
           <p:cNvSpPr>
             <a:spLocks noGrp="1"/>
           </p:cNvSpPr>
@@ -2668,13 +2339,7 @@
       </p:sp>
       <p:sp>
         <p:nvSpPr>
-          <p:cNvPr id="9" name="Foliennummernplatzhalter 8">
-            <a:extLst>
-              <a:ext uri="{FF2B5EF4-FFF2-40B4-BE49-F238E27FC236}">
-                <a16:creationId xmlns:a16="http://schemas.microsoft.com/office/drawing/2014/main" id="{6D3C1AA5-42FD-4D92-B65E-F992356AC2A8}"/>
-              </a:ext>
-            </a:extLst>
-          </p:cNvPr>
+          <p:cNvPr id="9" name="Foliennummernplatzhalter 8"/>
           <p:cNvSpPr>
             <a:spLocks noGrp="1"/>
           </p:cNvSpPr>
@@ -2697,13 +2362,7 @@
       </p:sp>
       <p:sp>
         <p:nvSpPr>
-          <p:cNvPr id="10" name="Titel 1">
-            <a:extLst>
-              <a:ext uri="{FF2B5EF4-FFF2-40B4-BE49-F238E27FC236}">
-                <a16:creationId xmlns:a16="http://schemas.microsoft.com/office/drawing/2014/main" id="{F04BAF94-C42F-462E-82C0-763E495FCFD3}"/>
-              </a:ext>
-            </a:extLst>
-          </p:cNvPr>
+          <p:cNvPr id="10" name="Titel 1"/>
           <p:cNvSpPr>
             <a:spLocks noGrp="1"/>
           </p:cNvSpPr>
@@ -2734,11 +2393,6 @@
         </p:txBody>
       </p:sp>
     </p:spTree>
-    <p:extLst>
-      <p:ext uri="{BB962C8B-B14F-4D97-AF65-F5344CB8AC3E}">
-        <p14:creationId xmlns:p14="http://schemas.microsoft.com/office/powerpoint/2010/main" val="4268047061"/>
-      </p:ext>
-    </p:extLst>
   </p:cSld>
   <p:clrMapOvr>
     <a:masterClrMapping/>
@@ -2765,13 +2419,7 @@
       </p:grpSpPr>
       <p:sp>
         <p:nvSpPr>
-          <p:cNvPr id="2" name="Titel 1">
-            <a:extLst>
-              <a:ext uri="{FF2B5EF4-FFF2-40B4-BE49-F238E27FC236}">
-                <a16:creationId xmlns:a16="http://schemas.microsoft.com/office/drawing/2014/main" id="{FD56C626-8132-477C-94F0-A8B5D6D3A48A}"/>
-              </a:ext>
-            </a:extLst>
-          </p:cNvPr>
+          <p:cNvPr id="2" name="Titel 1"/>
           <p:cNvSpPr>
             <a:spLocks noGrp="1"/>
           </p:cNvSpPr>
@@ -2826,13 +2474,7 @@
       </p:sp>
       <p:sp>
         <p:nvSpPr>
-          <p:cNvPr id="3" name="Datumsplatzhalter 2">
-            <a:extLst>
-              <a:ext uri="{FF2B5EF4-FFF2-40B4-BE49-F238E27FC236}">
-                <a16:creationId xmlns:a16="http://schemas.microsoft.com/office/drawing/2014/main" id="{BA9F8FE1-C692-4F56-934A-4141099A00FF}"/>
-              </a:ext>
-            </a:extLst>
-          </p:cNvPr>
+          <p:cNvPr id="3" name="Datumsplatzhalter 2"/>
           <p:cNvSpPr>
             <a:spLocks noGrp="1"/>
           </p:cNvSpPr>
@@ -2855,13 +2497,7 @@
       </p:sp>
       <p:sp>
         <p:nvSpPr>
-          <p:cNvPr id="5" name="Foliennummernplatzhalter 4">
-            <a:extLst>
-              <a:ext uri="{FF2B5EF4-FFF2-40B4-BE49-F238E27FC236}">
-                <a16:creationId xmlns:a16="http://schemas.microsoft.com/office/drawing/2014/main" id="{DE3A87BF-61DB-4C5B-BDC1-0B1DEC742F83}"/>
-              </a:ext>
-            </a:extLst>
-          </p:cNvPr>
+          <p:cNvPr id="5" name="Foliennummernplatzhalter 4"/>
           <p:cNvSpPr>
             <a:spLocks noGrp="1"/>
           </p:cNvSpPr>
@@ -2883,11 +2519,6 @@
         </p:txBody>
       </p:sp>
     </p:spTree>
-    <p:extLst>
-      <p:ext uri="{BB962C8B-B14F-4D97-AF65-F5344CB8AC3E}">
-        <p14:creationId xmlns:p14="http://schemas.microsoft.com/office/powerpoint/2010/main" val="2778636784"/>
-      </p:ext>
-    </p:extLst>
   </p:cSld>
   <p:clrMapOvr>
     <a:masterClrMapping/>
@@ -2914,13 +2545,7 @@
       </p:grpSpPr>
       <p:sp>
         <p:nvSpPr>
-          <p:cNvPr id="2" name="Datumsplatzhalter 1">
-            <a:extLst>
-              <a:ext uri="{FF2B5EF4-FFF2-40B4-BE49-F238E27FC236}">
-                <a16:creationId xmlns:a16="http://schemas.microsoft.com/office/drawing/2014/main" id="{DDE91BA8-F339-42A0-BF2B-D7754B12C385}"/>
-              </a:ext>
-            </a:extLst>
-          </p:cNvPr>
+          <p:cNvPr id="2" name="Datumsplatzhalter 1"/>
           <p:cNvSpPr>
             <a:spLocks noGrp="1"/>
           </p:cNvSpPr>
@@ -2943,13 +2568,7 @@
       </p:sp>
       <p:sp>
         <p:nvSpPr>
-          <p:cNvPr id="4" name="Foliennummernplatzhalter 3">
-            <a:extLst>
-              <a:ext uri="{FF2B5EF4-FFF2-40B4-BE49-F238E27FC236}">
-                <a16:creationId xmlns:a16="http://schemas.microsoft.com/office/drawing/2014/main" id="{71F3F036-A58A-460E-A412-F0755713520C}"/>
-              </a:ext>
-            </a:extLst>
-          </p:cNvPr>
+          <p:cNvPr id="4" name="Foliennummernplatzhalter 3"/>
           <p:cNvSpPr>
             <a:spLocks noGrp="1"/>
           </p:cNvSpPr>
@@ -2971,11 +2590,6 @@
         </p:txBody>
       </p:sp>
     </p:spTree>
-    <p:extLst>
-      <p:ext uri="{BB962C8B-B14F-4D97-AF65-F5344CB8AC3E}">
-        <p14:creationId xmlns:p14="http://schemas.microsoft.com/office/powerpoint/2010/main" val="741787937"/>
-      </p:ext>
-    </p:extLst>
   </p:cSld>
   <p:clrMapOvr>
     <a:masterClrMapping/>
@@ -3002,13 +2616,7 @@
       </p:grpSpPr>
       <p:sp>
         <p:nvSpPr>
-          <p:cNvPr id="3" name="Inhaltsplatzhalter 2">
-            <a:extLst>
-              <a:ext uri="{FF2B5EF4-FFF2-40B4-BE49-F238E27FC236}">
-                <a16:creationId xmlns:a16="http://schemas.microsoft.com/office/drawing/2014/main" id="{FE224A74-2B50-4671-B7C8-F6B84532D143}"/>
-              </a:ext>
-            </a:extLst>
-          </p:cNvPr>
+          <p:cNvPr id="3" name="Inhaltsplatzhalter 2"/>
           <p:cNvSpPr>
             <a:spLocks noGrp="1"/>
           </p:cNvSpPr>
@@ -3141,13 +2749,7 @@
       </p:sp>
       <p:sp>
         <p:nvSpPr>
-          <p:cNvPr id="4" name="Textplatzhalter 3">
-            <a:extLst>
-              <a:ext uri="{FF2B5EF4-FFF2-40B4-BE49-F238E27FC236}">
-                <a16:creationId xmlns:a16="http://schemas.microsoft.com/office/drawing/2014/main" id="{07ABDF8E-853E-40DA-9E40-4DF3ECF08030}"/>
-              </a:ext>
-            </a:extLst>
-          </p:cNvPr>
+          <p:cNvPr id="4" name="Textplatzhalter 3"/>
           <p:cNvSpPr>
             <a:spLocks noGrp="1"/>
           </p:cNvSpPr>
@@ -3212,13 +2814,7 @@
       </p:sp>
       <p:sp>
         <p:nvSpPr>
-          <p:cNvPr id="5" name="Datumsplatzhalter 4">
-            <a:extLst>
-              <a:ext uri="{FF2B5EF4-FFF2-40B4-BE49-F238E27FC236}">
-                <a16:creationId xmlns:a16="http://schemas.microsoft.com/office/drawing/2014/main" id="{7E42AD4C-CB86-40D0-A87F-685806730154}"/>
-              </a:ext>
-            </a:extLst>
-          </p:cNvPr>
+          <p:cNvPr id="5" name="Datumsplatzhalter 4"/>
           <p:cNvSpPr>
             <a:spLocks noGrp="1"/>
           </p:cNvSpPr>
@@ -3241,13 +2837,7 @@
       </p:sp>
       <p:sp>
         <p:nvSpPr>
-          <p:cNvPr id="7" name="Foliennummernplatzhalter 6">
-            <a:extLst>
-              <a:ext uri="{FF2B5EF4-FFF2-40B4-BE49-F238E27FC236}">
-                <a16:creationId xmlns:a16="http://schemas.microsoft.com/office/drawing/2014/main" id="{F00E594F-F0BE-4E57-97AE-D237D0231567}"/>
-              </a:ext>
-            </a:extLst>
-          </p:cNvPr>
+          <p:cNvPr id="7" name="Foliennummernplatzhalter 6"/>
           <p:cNvSpPr>
             <a:spLocks noGrp="1"/>
           </p:cNvSpPr>
@@ -3270,13 +2860,7 @@
       </p:sp>
       <p:sp>
         <p:nvSpPr>
-          <p:cNvPr id="8" name="Titel 1">
-            <a:extLst>
-              <a:ext uri="{FF2B5EF4-FFF2-40B4-BE49-F238E27FC236}">
-                <a16:creationId xmlns:a16="http://schemas.microsoft.com/office/drawing/2014/main" id="{43977C42-FB14-40A6-80E5-05347C2E8D21}"/>
-              </a:ext>
-            </a:extLst>
-          </p:cNvPr>
+          <p:cNvPr id="8" name="Titel 1"/>
           <p:cNvSpPr>
             <a:spLocks noGrp="1"/>
           </p:cNvSpPr>
@@ -3307,11 +2891,6 @@
         </p:txBody>
       </p:sp>
     </p:spTree>
-    <p:extLst>
-      <p:ext uri="{BB962C8B-B14F-4D97-AF65-F5344CB8AC3E}">
-        <p14:creationId xmlns:p14="http://schemas.microsoft.com/office/powerpoint/2010/main" val="284118187"/>
-      </p:ext>
-    </p:extLst>
   </p:cSld>
   <p:clrMapOvr>
     <a:masterClrMapping/>
@@ -3338,13 +2917,7 @@
       </p:grpSpPr>
       <p:sp>
         <p:nvSpPr>
-          <p:cNvPr id="2" name="Titel 1">
-            <a:extLst>
-              <a:ext uri="{FF2B5EF4-FFF2-40B4-BE49-F238E27FC236}">
-                <a16:creationId xmlns:a16="http://schemas.microsoft.com/office/drawing/2014/main" id="{E5E6374B-9795-430B-A495-F423F92A54B0}"/>
-              </a:ext>
-            </a:extLst>
-          </p:cNvPr>
+          <p:cNvPr id="2" name="Titel 1"/>
           <p:cNvSpPr>
             <a:spLocks noGrp="1"/>
           </p:cNvSpPr>
@@ -3376,13 +2949,7 @@
       </p:sp>
       <p:sp>
         <p:nvSpPr>
-          <p:cNvPr id="3" name="Bildplatzhalter 2">
-            <a:extLst>
-              <a:ext uri="{FF2B5EF4-FFF2-40B4-BE49-F238E27FC236}">
-                <a16:creationId xmlns:a16="http://schemas.microsoft.com/office/drawing/2014/main" id="{036DF784-93EB-4084-94D8-502B41B59022}"/>
-              </a:ext>
-            </a:extLst>
-          </p:cNvPr>
+          <p:cNvPr id="3" name="Bildplatzhalter 2"/>
           <p:cNvSpPr>
             <a:spLocks noGrp="1"/>
           </p:cNvSpPr>
@@ -3451,13 +3018,7 @@
       </p:sp>
       <p:sp>
         <p:nvSpPr>
-          <p:cNvPr id="4" name="Textplatzhalter 3">
-            <a:extLst>
-              <a:ext uri="{FF2B5EF4-FFF2-40B4-BE49-F238E27FC236}">
-                <a16:creationId xmlns:a16="http://schemas.microsoft.com/office/drawing/2014/main" id="{8F41D6B1-CAC9-43B5-8288-F21476CE26C5}"/>
-              </a:ext>
-            </a:extLst>
-          </p:cNvPr>
+          <p:cNvPr id="4" name="Textplatzhalter 3"/>
           <p:cNvSpPr>
             <a:spLocks noGrp="1"/>
           </p:cNvSpPr>
@@ -3522,13 +3083,7 @@
       </p:sp>
       <p:sp>
         <p:nvSpPr>
-          <p:cNvPr id="5" name="Datumsplatzhalter 4">
-            <a:extLst>
-              <a:ext uri="{FF2B5EF4-FFF2-40B4-BE49-F238E27FC236}">
-                <a16:creationId xmlns:a16="http://schemas.microsoft.com/office/drawing/2014/main" id="{D24A9041-3C06-495E-AF4A-4221DC9CA91E}"/>
-              </a:ext>
-            </a:extLst>
-          </p:cNvPr>
+          <p:cNvPr id="5" name="Datumsplatzhalter 4"/>
           <p:cNvSpPr>
             <a:spLocks noGrp="1"/>
           </p:cNvSpPr>
@@ -3551,13 +3106,7 @@
       </p:sp>
       <p:sp>
         <p:nvSpPr>
-          <p:cNvPr id="7" name="Foliennummernplatzhalter 6">
-            <a:extLst>
-              <a:ext uri="{FF2B5EF4-FFF2-40B4-BE49-F238E27FC236}">
-                <a16:creationId xmlns:a16="http://schemas.microsoft.com/office/drawing/2014/main" id="{3A3ED597-52C7-4BAE-989E-C3C6448F5B32}"/>
-              </a:ext>
-            </a:extLst>
-          </p:cNvPr>
+          <p:cNvPr id="7" name="Foliennummernplatzhalter 6"/>
           <p:cNvSpPr>
             <a:spLocks noGrp="1"/>
           </p:cNvSpPr>
@@ -3579,11 +3128,6 @@
         </p:txBody>
       </p:sp>
     </p:spTree>
-    <p:extLst>
-      <p:ext uri="{BB962C8B-B14F-4D97-AF65-F5344CB8AC3E}">
-        <p14:creationId xmlns:p14="http://schemas.microsoft.com/office/powerpoint/2010/main" val="1772031593"/>
-      </p:ext>
-    </p:extLst>
   </p:cSld>
   <p:clrMapOvr>
     <a:masterClrMapping/>
@@ -3615,13 +3159,7 @@
       </p:grpSpPr>
       <p:pic>
         <p:nvPicPr>
-          <p:cNvPr id="9" name="Grafik 8">
-            <a:extLst>
-              <a:ext uri="{FF2B5EF4-FFF2-40B4-BE49-F238E27FC236}">
-                <a16:creationId xmlns:a16="http://schemas.microsoft.com/office/drawing/2014/main" id="{7A379F1C-2660-4789-9972-53B64D55CC3E}"/>
-              </a:ext>
-            </a:extLst>
-          </p:cNvPr>
+          <p:cNvPr id="9" name="Grafik 8"/>
           <p:cNvPicPr>
             <a:picLocks noChangeAspect="1"/>
           </p:cNvPicPr>
@@ -3651,13 +3189,7 @@
       </p:pic>
       <p:sp>
         <p:nvSpPr>
-          <p:cNvPr id="2" name="Titelplatzhalter 1">
-            <a:extLst>
-              <a:ext uri="{FF2B5EF4-FFF2-40B4-BE49-F238E27FC236}">
-                <a16:creationId xmlns:a16="http://schemas.microsoft.com/office/drawing/2014/main" id="{DEB8BAE8-97B4-4801-B1D8-A8524D747358}"/>
-              </a:ext>
-            </a:extLst>
-          </p:cNvPr>
+          <p:cNvPr id="2" name="Titelplatzhalter 1"/>
           <p:cNvSpPr>
             <a:spLocks noGrp="1"/>
           </p:cNvSpPr>
@@ -3690,13 +3222,7 @@
       </p:sp>
       <p:sp>
         <p:nvSpPr>
-          <p:cNvPr id="3" name="Textplatzhalter 2">
-            <a:extLst>
-              <a:ext uri="{FF2B5EF4-FFF2-40B4-BE49-F238E27FC236}">
-                <a16:creationId xmlns:a16="http://schemas.microsoft.com/office/drawing/2014/main" id="{63E77A8F-6878-4E61-BC0E-2E4E240C9347}"/>
-              </a:ext>
-            </a:extLst>
-          </p:cNvPr>
+          <p:cNvPr id="3" name="Textplatzhalter 2"/>
           <p:cNvSpPr>
             <a:spLocks noGrp="1"/>
           </p:cNvSpPr>
@@ -3757,13 +3283,7 @@
       </p:sp>
       <p:sp>
         <p:nvSpPr>
-          <p:cNvPr id="4" name="Datumsplatzhalter 3">
-            <a:extLst>
-              <a:ext uri="{FF2B5EF4-FFF2-40B4-BE49-F238E27FC236}">
-                <a16:creationId xmlns:a16="http://schemas.microsoft.com/office/drawing/2014/main" id="{9ACCE978-AE43-463A-92DA-4CC1B167373D}"/>
-              </a:ext>
-            </a:extLst>
-          </p:cNvPr>
+          <p:cNvPr id="4" name="Datumsplatzhalter 3"/>
           <p:cNvSpPr>
             <a:spLocks noGrp="1"/>
           </p:cNvSpPr>
@@ -3804,13 +3324,7 @@
       </p:sp>
       <p:sp>
         <p:nvSpPr>
-          <p:cNvPr id="6" name="Foliennummernplatzhalter 5">
-            <a:extLst>
-              <a:ext uri="{FF2B5EF4-FFF2-40B4-BE49-F238E27FC236}">
-                <a16:creationId xmlns:a16="http://schemas.microsoft.com/office/drawing/2014/main" id="{593F00E4-276F-4732-91E8-B5F61756DE42}"/>
-              </a:ext>
-            </a:extLst>
-          </p:cNvPr>
+          <p:cNvPr id="6" name="Foliennummernplatzhalter 5"/>
           <p:cNvSpPr>
             <a:spLocks noGrp="1"/>
           </p:cNvSpPr>
@@ -3841,7 +3355,6 @@
           <a:p>
             <a:fld id="{61696EC4-B4CF-4701-AD06-A8439D6D8E12}" type="slidenum">
               <a:rPr lang="en-US" noProof="0" smtClean="0"/>
-              <a:pPr/>
               <a:t>‹Nr.›</a:t>
             </a:fld>
             <a:endParaRPr lang="en-US" noProof="0"/>
@@ -3850,16 +3363,8 @@
       </p:sp>
       <p:sp>
         <p:nvSpPr>
-          <p:cNvPr id="16" name="Fußzeilenplatzhalter 4">
-            <a:extLst>
-              <a:ext uri="{FF2B5EF4-FFF2-40B4-BE49-F238E27FC236}">
-                <a16:creationId xmlns:a16="http://schemas.microsoft.com/office/drawing/2014/main" id="{93D1C25E-2C0F-4541-AA98-2C41C9CFAF34}"/>
-              </a:ext>
-            </a:extLst>
-          </p:cNvPr>
-          <p:cNvSpPr txBox="1">
-            <a:spLocks/>
-          </p:cNvSpPr>
+          <p:cNvPr id="16" name="Fußzeilenplatzhalter 4"/>
+          <p:cNvSpPr txBox="1"/>
           <p:nvPr userDrawn="1"/>
         </p:nvSpPr>
         <p:spPr>
@@ -3987,13 +3492,7 @@
       </p:sp>
       <p:pic>
         <p:nvPicPr>
-          <p:cNvPr id="11" name="Grafik 10">
-            <a:extLst>
-              <a:ext uri="{FF2B5EF4-FFF2-40B4-BE49-F238E27FC236}">
-                <a16:creationId xmlns:a16="http://schemas.microsoft.com/office/drawing/2014/main" id="{278C3E26-950C-419E-9861-927999F4FC2C}"/>
-              </a:ext>
-            </a:extLst>
-          </p:cNvPr>
+          <p:cNvPr id="11" name="Grafik 10"/>
           <p:cNvPicPr>
             <a:picLocks noChangeAspect="1"/>
           </p:cNvPicPr>
@@ -4022,11 +3521,6 @@
         </p:spPr>
       </p:pic>
     </p:spTree>
-    <p:extLst>
-      <p:ext uri="{BB962C8B-B14F-4D97-AF65-F5344CB8AC3E}">
-        <p14:creationId xmlns:p14="http://schemas.microsoft.com/office/powerpoint/2010/main" val="2746060704"/>
-      </p:ext>
-    </p:extLst>
   </p:cSld>
   <p:clrMap bg1="lt1" tx1="dk1" bg2="lt2" tx2="dk2" accent1="accent1" accent2="accent2" accent3="accent3" accent4="accent4" accent5="accent5" accent6="accent6" hlink="hlink" folHlink="folHlink"/>
   <p:sldLayoutIdLst>
@@ -4176,7 +3670,7 @@
         <a:spcBef>
           <a:spcPts val="500"/>
         </a:spcBef>
-        <a:buFont typeface="Arial" panose="020B0604020202020204" pitchFamily="34" charset="0"/>
+        <a:buFont typeface="Arial" panose="020B0604020202090204" pitchFamily="34" charset="0"/>
         <a:buChar char="•"/>
         <a:defRPr sz="1800" kern="1200">
           <a:solidFill>
@@ -4194,7 +3688,7 @@
         <a:spcBef>
           <a:spcPts val="500"/>
         </a:spcBef>
-        <a:buFont typeface="Arial" panose="020B0604020202020204" pitchFamily="34" charset="0"/>
+        <a:buFont typeface="Arial" panose="020B0604020202090204" pitchFamily="34" charset="0"/>
         <a:buChar char="•"/>
         <a:defRPr sz="1800" kern="1200">
           <a:solidFill>
@@ -4212,7 +3706,7 @@
         <a:spcBef>
           <a:spcPts val="500"/>
         </a:spcBef>
-        <a:buFont typeface="Arial" panose="020B0604020202020204" pitchFamily="34" charset="0"/>
+        <a:buFont typeface="Arial" panose="020B0604020202090204" pitchFamily="34" charset="0"/>
         <a:buChar char="•"/>
         <a:defRPr sz="1800" kern="1200">
           <a:solidFill>
@@ -4230,7 +3724,7 @@
         <a:spcBef>
           <a:spcPts val="500"/>
         </a:spcBef>
-        <a:buFont typeface="Arial" panose="020B0604020202020204" pitchFamily="34" charset="0"/>
+        <a:buFont typeface="Arial" panose="020B0604020202090204" pitchFamily="34" charset="0"/>
         <a:buChar char="•"/>
         <a:defRPr sz="1800" kern="1200">
           <a:solidFill>
@@ -4338,22 +3832,6 @@
       </a:lvl9pPr>
     </p:otherStyle>
   </p:txStyles>
-  <p:extLst>
-    <p:ext uri="{27BBF7A9-308A-43DC-89C8-2F10F3537804}">
-      <p15:sldGuideLst xmlns:p15="http://schemas.microsoft.com/office/powerpoint/2012/main">
-        <p15:guide id="1" orient="horz" pos="618" userDrawn="1">
-          <p15:clr>
-            <a:srgbClr val="F26B43"/>
-          </p15:clr>
-        </p15:guide>
-        <p15:guide id="2" pos="3840" userDrawn="1">
-          <p15:clr>
-            <a:srgbClr val="F26B43"/>
-          </p15:clr>
-        </p15:guide>
-      </p15:sldGuideLst>
-    </p:ext>
-  </p:extLst>
 </p:sldMaster>
 </file>
 
@@ -4376,13 +3854,7 @@
       </p:grpSpPr>
       <p:sp>
         <p:nvSpPr>
-          <p:cNvPr id="7" name="Rectangle 2">
-            <a:extLst>
-              <a:ext uri="{FF2B5EF4-FFF2-40B4-BE49-F238E27FC236}">
-                <a16:creationId xmlns:a16="http://schemas.microsoft.com/office/drawing/2014/main" id="{92B401D3-9C9F-457C-B31F-B21C8B9F33C4}"/>
-              </a:ext>
-            </a:extLst>
-          </p:cNvPr>
+          <p:cNvPr id="7" name="Rectangle 2"/>
           <p:cNvSpPr>
             <a:spLocks noChangeArrowheads="1"/>
           </p:cNvSpPr>
@@ -4400,8 +3872,6 @@
           <a:ln w="9525">
             <a:noFill/>
             <a:miter lim="800000"/>
-            <a:headEnd/>
-            <a:tailEnd/>
           </a:ln>
         </p:spPr>
         <p:txBody>
@@ -4415,17 +3885,12 @@
             </a:pPr>
             <a:r>
               <a:rPr lang="en-US" altLang="de-DE" sz="3000" b="1" dirty="0"/>
-              <a:t>Outlier Analysis in Live Systems from Application Logs</a:t>
+              <a:t>CO2Stoage</a:t>
             </a:r>
           </a:p>
         </p:txBody>
       </p:sp>
     </p:spTree>
-    <p:extLst>
-      <p:ext uri="{BB962C8B-B14F-4D97-AF65-F5344CB8AC3E}">
-        <p14:creationId xmlns:p14="http://schemas.microsoft.com/office/powerpoint/2010/main" val="1247117295"/>
-      </p:ext>
-    </p:extLst>
   </p:cSld>
   <p:clrMapOvr>
     <a:masterClrMapping/>
@@ -4452,13 +3917,7 @@
       </p:grpSpPr>
       <p:sp>
         <p:nvSpPr>
-          <p:cNvPr id="2" name="Titel 1">
-            <a:extLst>
-              <a:ext uri="{FF2B5EF4-FFF2-40B4-BE49-F238E27FC236}">
-                <a16:creationId xmlns:a16="http://schemas.microsoft.com/office/drawing/2014/main" id="{BC73545C-B7EC-D346-BFBB-2DCF2858F5E8}"/>
-              </a:ext>
-            </a:extLst>
-          </p:cNvPr>
+          <p:cNvPr id="2" name="Titel 1"/>
           <p:cNvSpPr>
             <a:spLocks noGrp="1"/>
           </p:cNvSpPr>
@@ -4480,13 +3939,7 @@
       </p:sp>
       <p:sp>
         <p:nvSpPr>
-          <p:cNvPr id="3" name="Inhaltsplatzhalter 2">
-            <a:extLst>
-              <a:ext uri="{FF2B5EF4-FFF2-40B4-BE49-F238E27FC236}">
-                <a16:creationId xmlns:a16="http://schemas.microsoft.com/office/drawing/2014/main" id="{4EC74807-3829-334A-8775-E452C2D9A2CB}"/>
-              </a:ext>
-            </a:extLst>
-          </p:cNvPr>
+          <p:cNvPr id="3" name="Inhaltsplatzhalter 2"/>
           <p:cNvSpPr>
             <a:spLocks noGrp="1"/>
           </p:cNvSpPr>
@@ -4520,13 +3973,7 @@
       </p:sp>
       <p:sp>
         <p:nvSpPr>
-          <p:cNvPr id="4" name="Datumsplatzhalter 3">
-            <a:extLst>
-              <a:ext uri="{FF2B5EF4-FFF2-40B4-BE49-F238E27FC236}">
-                <a16:creationId xmlns:a16="http://schemas.microsoft.com/office/drawing/2014/main" id="{C3454238-43BC-2943-B339-2C87BA79A21F}"/>
-              </a:ext>
-            </a:extLst>
-          </p:cNvPr>
+          <p:cNvPr id="4" name="Datumsplatzhalter 3"/>
           <p:cNvSpPr>
             <a:spLocks noGrp="1"/>
           </p:cNvSpPr>
@@ -4549,13 +3996,7 @@
       </p:sp>
       <p:sp>
         <p:nvSpPr>
-          <p:cNvPr id="5" name="Foliennummernplatzhalter 4">
-            <a:extLst>
-              <a:ext uri="{FF2B5EF4-FFF2-40B4-BE49-F238E27FC236}">
-                <a16:creationId xmlns:a16="http://schemas.microsoft.com/office/drawing/2014/main" id="{18012461-8F2F-684C-8FEA-102885DD010A}"/>
-              </a:ext>
-            </a:extLst>
-          </p:cNvPr>
+          <p:cNvPr id="5" name="Foliennummernplatzhalter 4"/>
           <p:cNvSpPr>
             <a:spLocks noGrp="1"/>
           </p:cNvSpPr>
@@ -4577,11 +4018,6 @@
         </p:txBody>
       </p:sp>
     </p:spTree>
-    <p:extLst>
-      <p:ext uri="{BB962C8B-B14F-4D97-AF65-F5344CB8AC3E}">
-        <p14:creationId xmlns:p14="http://schemas.microsoft.com/office/powerpoint/2010/main" val="1768736139"/>
-      </p:ext>
-    </p:extLst>
   </p:cSld>
   <p:clrMapOvr>
     <a:masterClrMapping/>
@@ -4608,13 +4044,7 @@
       </p:grpSpPr>
       <p:sp>
         <p:nvSpPr>
-          <p:cNvPr id="2" name="Titel 1">
-            <a:extLst>
-              <a:ext uri="{FF2B5EF4-FFF2-40B4-BE49-F238E27FC236}">
-                <a16:creationId xmlns:a16="http://schemas.microsoft.com/office/drawing/2014/main" id="{8EAEDC5A-20DC-6442-9FCF-663D89CBA621}"/>
-              </a:ext>
-            </a:extLst>
-          </p:cNvPr>
+          <p:cNvPr id="2" name="Titel 1"/>
           <p:cNvSpPr>
             <a:spLocks noGrp="1"/>
           </p:cNvSpPr>
@@ -4636,13 +4066,7 @@
       </p:sp>
       <p:sp>
         <p:nvSpPr>
-          <p:cNvPr id="3" name="Inhaltsplatzhalter 2">
-            <a:extLst>
-              <a:ext uri="{FF2B5EF4-FFF2-40B4-BE49-F238E27FC236}">
-                <a16:creationId xmlns:a16="http://schemas.microsoft.com/office/drawing/2014/main" id="{E63EF424-D10C-314C-932B-4238485159E8}"/>
-              </a:ext>
-            </a:extLst>
-          </p:cNvPr>
+          <p:cNvPr id="3" name="Inhaltsplatzhalter 2"/>
           <p:cNvSpPr>
             <a:spLocks noGrp="1"/>
           </p:cNvSpPr>
@@ -4777,13 +4201,7 @@
       </p:sp>
       <p:sp>
         <p:nvSpPr>
-          <p:cNvPr id="4" name="Datumsplatzhalter 3">
-            <a:extLst>
-              <a:ext uri="{FF2B5EF4-FFF2-40B4-BE49-F238E27FC236}">
-                <a16:creationId xmlns:a16="http://schemas.microsoft.com/office/drawing/2014/main" id="{1D2F3805-004E-8D46-BA56-5EA294775E0D}"/>
-              </a:ext>
-            </a:extLst>
-          </p:cNvPr>
+          <p:cNvPr id="4" name="Datumsplatzhalter 3"/>
           <p:cNvSpPr>
             <a:spLocks noGrp="1"/>
           </p:cNvSpPr>
@@ -4806,13 +4224,7 @@
       </p:sp>
       <p:sp>
         <p:nvSpPr>
-          <p:cNvPr id="5" name="Foliennummernplatzhalter 4">
-            <a:extLst>
-              <a:ext uri="{FF2B5EF4-FFF2-40B4-BE49-F238E27FC236}">
-                <a16:creationId xmlns:a16="http://schemas.microsoft.com/office/drawing/2014/main" id="{C9BF465A-2E16-9D45-A28C-0DDBBA12EA52}"/>
-              </a:ext>
-            </a:extLst>
-          </p:cNvPr>
+          <p:cNvPr id="5" name="Foliennummernplatzhalter 4"/>
           <p:cNvSpPr>
             <a:spLocks noGrp="1"/>
           </p:cNvSpPr>
@@ -4835,13 +4247,7 @@
       </p:sp>
       <p:sp>
         <p:nvSpPr>
-          <p:cNvPr id="6" name="Rechteck 5">
-            <a:extLst>
-              <a:ext uri="{FF2B5EF4-FFF2-40B4-BE49-F238E27FC236}">
-                <a16:creationId xmlns:a16="http://schemas.microsoft.com/office/drawing/2014/main" id="{B2880B51-CBB5-0545-8DEA-D9CBFEF0630E}"/>
-              </a:ext>
-            </a:extLst>
-          </p:cNvPr>
+          <p:cNvPr id="6" name="Rechteck 5"/>
           <p:cNvSpPr/>
           <p:nvPr/>
         </p:nvSpPr>
@@ -4887,13 +4293,7 @@
       </p:sp>
       <p:sp>
         <p:nvSpPr>
-          <p:cNvPr id="7" name="Rechteck 6">
-            <a:extLst>
-              <a:ext uri="{FF2B5EF4-FFF2-40B4-BE49-F238E27FC236}">
-                <a16:creationId xmlns:a16="http://schemas.microsoft.com/office/drawing/2014/main" id="{70E92A83-0B34-E342-A9BF-BB671AB16410}"/>
-              </a:ext>
-            </a:extLst>
-          </p:cNvPr>
+          <p:cNvPr id="7" name="Rechteck 6"/>
           <p:cNvSpPr/>
           <p:nvPr/>
         </p:nvSpPr>
@@ -4939,13 +4339,7 @@
       </p:sp>
       <p:sp>
         <p:nvSpPr>
-          <p:cNvPr id="8" name="Rechteck 7">
-            <a:extLst>
-              <a:ext uri="{FF2B5EF4-FFF2-40B4-BE49-F238E27FC236}">
-                <a16:creationId xmlns:a16="http://schemas.microsoft.com/office/drawing/2014/main" id="{91960D94-F0C6-DB4B-AF79-C81D2D72066E}"/>
-              </a:ext>
-            </a:extLst>
-          </p:cNvPr>
+          <p:cNvPr id="8" name="Rechteck 7"/>
           <p:cNvSpPr/>
           <p:nvPr/>
         </p:nvSpPr>
@@ -4991,13 +4385,7 @@
       </p:sp>
       <p:sp>
         <p:nvSpPr>
-          <p:cNvPr id="9" name="Rechteck 8">
-            <a:extLst>
-              <a:ext uri="{FF2B5EF4-FFF2-40B4-BE49-F238E27FC236}">
-                <a16:creationId xmlns:a16="http://schemas.microsoft.com/office/drawing/2014/main" id="{D58F04CF-E0AA-1F42-812E-BB19035B2F98}"/>
-              </a:ext>
-            </a:extLst>
-          </p:cNvPr>
+          <p:cNvPr id="9" name="Rechteck 8"/>
           <p:cNvSpPr/>
           <p:nvPr/>
         </p:nvSpPr>
@@ -5043,13 +4431,7 @@
       </p:sp>
       <p:sp>
         <p:nvSpPr>
-          <p:cNvPr id="12" name="Textfeld 11">
-            <a:extLst>
-              <a:ext uri="{FF2B5EF4-FFF2-40B4-BE49-F238E27FC236}">
-                <a16:creationId xmlns:a16="http://schemas.microsoft.com/office/drawing/2014/main" id="{79FE75B1-947B-8E44-AE97-5E763F3492B7}"/>
-              </a:ext>
-            </a:extLst>
-          </p:cNvPr>
+          <p:cNvPr id="12" name="Textfeld 11"/>
           <p:cNvSpPr txBox="1"/>
           <p:nvPr/>
         </p:nvSpPr>
@@ -5078,13 +4460,7 @@
       </p:sp>
       <p:sp>
         <p:nvSpPr>
-          <p:cNvPr id="13" name="Textfeld 12">
-            <a:extLst>
-              <a:ext uri="{FF2B5EF4-FFF2-40B4-BE49-F238E27FC236}">
-                <a16:creationId xmlns:a16="http://schemas.microsoft.com/office/drawing/2014/main" id="{F93056C3-FC5D-4C4A-886E-EB78BD3527D7}"/>
-              </a:ext>
-            </a:extLst>
-          </p:cNvPr>
+          <p:cNvPr id="13" name="Textfeld 12"/>
           <p:cNvSpPr txBox="1"/>
           <p:nvPr/>
         </p:nvSpPr>
@@ -5113,13 +4489,7 @@
       </p:sp>
       <p:sp>
         <p:nvSpPr>
-          <p:cNvPr id="14" name="Textfeld 13">
-            <a:extLst>
-              <a:ext uri="{FF2B5EF4-FFF2-40B4-BE49-F238E27FC236}">
-                <a16:creationId xmlns:a16="http://schemas.microsoft.com/office/drawing/2014/main" id="{52C97D57-CA7D-4B49-8084-4837C7E34F41}"/>
-              </a:ext>
-            </a:extLst>
-          </p:cNvPr>
+          <p:cNvPr id="14" name="Textfeld 13"/>
           <p:cNvSpPr txBox="1"/>
           <p:nvPr/>
         </p:nvSpPr>
@@ -5148,13 +4518,7 @@
       </p:sp>
       <p:sp>
         <p:nvSpPr>
-          <p:cNvPr id="15" name="Textfeld 14">
-            <a:extLst>
-              <a:ext uri="{FF2B5EF4-FFF2-40B4-BE49-F238E27FC236}">
-                <a16:creationId xmlns:a16="http://schemas.microsoft.com/office/drawing/2014/main" id="{C4CCDE27-8FBD-FF42-9F16-4316211E4B9B}"/>
-              </a:ext>
-            </a:extLst>
-          </p:cNvPr>
+          <p:cNvPr id="15" name="Textfeld 14"/>
           <p:cNvSpPr txBox="1"/>
           <p:nvPr/>
         </p:nvSpPr>
@@ -5182,11 +4546,6 @@
         </p:txBody>
       </p:sp>
     </p:spTree>
-    <p:extLst>
-      <p:ext uri="{BB962C8B-B14F-4D97-AF65-F5344CB8AC3E}">
-        <p14:creationId xmlns:p14="http://schemas.microsoft.com/office/powerpoint/2010/main" val="2876430895"/>
-      </p:ext>
-    </p:extLst>
   </p:cSld>
   <p:clrMapOvr>
     <a:masterClrMapping/>
@@ -5213,13 +4572,7 @@
       </p:grpSpPr>
       <p:sp>
         <p:nvSpPr>
-          <p:cNvPr id="2" name="Titel 1">
-            <a:extLst>
-              <a:ext uri="{FF2B5EF4-FFF2-40B4-BE49-F238E27FC236}">
-                <a16:creationId xmlns:a16="http://schemas.microsoft.com/office/drawing/2014/main" id="{BBBF7770-C4EE-614C-8724-7409B1323A8E}"/>
-              </a:ext>
-            </a:extLst>
-          </p:cNvPr>
+          <p:cNvPr id="2" name="Titel 1"/>
           <p:cNvSpPr>
             <a:spLocks noGrp="1"/>
           </p:cNvSpPr>
@@ -5241,13 +4594,7 @@
       </p:sp>
       <p:sp>
         <p:nvSpPr>
-          <p:cNvPr id="3" name="Inhaltsplatzhalter 2">
-            <a:extLst>
-              <a:ext uri="{FF2B5EF4-FFF2-40B4-BE49-F238E27FC236}">
-                <a16:creationId xmlns:a16="http://schemas.microsoft.com/office/drawing/2014/main" id="{18D7DC82-1454-7B45-B194-BEDA46C78555}"/>
-              </a:ext>
-            </a:extLst>
-          </p:cNvPr>
+          <p:cNvPr id="3" name="Inhaltsplatzhalter 2"/>
           <p:cNvSpPr>
             <a:spLocks noGrp="1"/>
           </p:cNvSpPr>
@@ -5306,7 +4653,7 @@
           </a:p>
           <a:p>
             <a:pPr lvl="2">
-              <a:buFont typeface="Wingdings" pitchFamily="2" charset="2"/>
+              <a:buFont typeface="Wingdings" panose="05000000000000000000" pitchFamily="2" charset="2"/>
               <a:buChar char="Ø"/>
             </a:pPr>
             <a:r>
@@ -5316,7 +4663,7 @@
           </a:p>
           <a:p>
             <a:pPr lvl="2">
-              <a:buFont typeface="Wingdings" pitchFamily="2" charset="2"/>
+              <a:buFont typeface="Wingdings" panose="05000000000000000000" pitchFamily="2" charset="2"/>
               <a:buChar char="Ø"/>
             </a:pPr>
             <a:r>
@@ -5326,7 +4673,7 @@
           </a:p>
           <a:p>
             <a:pPr lvl="2">
-              <a:buFont typeface="Wingdings" pitchFamily="2" charset="2"/>
+              <a:buFont typeface="Wingdings" panose="05000000000000000000" pitchFamily="2" charset="2"/>
               <a:buChar char="Ø"/>
             </a:pPr>
             <a:endParaRPr lang="en-US" sz="1600" dirty="0"/>
@@ -5364,12 +4711,20 @@
             <a:pPr lvl="1"/>
             <a:r>
               <a:rPr lang="en-US" sz="2100" dirty="0"/>
-              <a:t>Capacities attributes of a daughter unit</a:t>
+              <a:t>Capaciti</a:t>
+            </a:r>
+            <a:r>
+              <a:rPr lang="de-DE" altLang="en-US" sz="2100" dirty="0"/>
+              <a:t>y</a:t>
+            </a:r>
+            <a:r>
+              <a:rPr lang="en-US" sz="2100" dirty="0"/>
+              <a:t> attributes of a daughter unit</a:t>
             </a:r>
           </a:p>
           <a:p>
             <a:pPr lvl="2">
-              <a:buFont typeface="Wingdings" pitchFamily="2" charset="2"/>
+              <a:buFont typeface="Wingdings" panose="05000000000000000000" pitchFamily="2" charset="2"/>
               <a:buChar char="Ø"/>
             </a:pPr>
             <a:r>
@@ -5379,7 +4734,7 @@
           </a:p>
           <a:p>
             <a:pPr lvl="2">
-              <a:buFont typeface="Wingdings" pitchFamily="2" charset="2"/>
+              <a:buFont typeface="Wingdings" panose="05000000000000000000" pitchFamily="2" charset="2"/>
               <a:buChar char="Ø"/>
             </a:pPr>
             <a:r>
@@ -5389,7 +4744,7 @@
           </a:p>
           <a:p>
             <a:pPr lvl="2">
-              <a:buFont typeface="Wingdings" pitchFamily="2" charset="2"/>
+              <a:buFont typeface="Wingdings" panose="05000000000000000000" pitchFamily="2" charset="2"/>
               <a:buChar char="Ø"/>
             </a:pPr>
             <a:r>
@@ -5399,7 +4754,7 @@
           </a:p>
           <a:p>
             <a:pPr lvl="2">
-              <a:buFont typeface="Wingdings" pitchFamily="2" charset="2"/>
+              <a:buFont typeface="Wingdings" panose="05000000000000000000" pitchFamily="2" charset="2"/>
               <a:buChar char="Ø"/>
             </a:pPr>
             <a:endParaRPr lang="en-US" sz="2000" dirty="0"/>
@@ -5433,13 +4788,7 @@
       </p:sp>
       <p:sp>
         <p:nvSpPr>
-          <p:cNvPr id="4" name="Datumsplatzhalter 3">
-            <a:extLst>
-              <a:ext uri="{FF2B5EF4-FFF2-40B4-BE49-F238E27FC236}">
-                <a16:creationId xmlns:a16="http://schemas.microsoft.com/office/drawing/2014/main" id="{AB2F5B90-A835-6C42-9526-1C8096116348}"/>
-              </a:ext>
-            </a:extLst>
-          </p:cNvPr>
+          <p:cNvPr id="4" name="Datumsplatzhalter 3"/>
           <p:cNvSpPr>
             <a:spLocks noGrp="1"/>
           </p:cNvSpPr>
@@ -5462,13 +4811,7 @@
       </p:sp>
       <p:sp>
         <p:nvSpPr>
-          <p:cNvPr id="5" name="Foliennummernplatzhalter 4">
-            <a:extLst>
-              <a:ext uri="{FF2B5EF4-FFF2-40B4-BE49-F238E27FC236}">
-                <a16:creationId xmlns:a16="http://schemas.microsoft.com/office/drawing/2014/main" id="{98EEADB9-CC65-7243-8F59-271225B8FF36}"/>
-              </a:ext>
-            </a:extLst>
-          </p:cNvPr>
+          <p:cNvPr id="5" name="Foliennummernplatzhalter 4"/>
           <p:cNvSpPr>
             <a:spLocks noGrp="1"/>
           </p:cNvSpPr>
@@ -5491,13 +4834,7 @@
       </p:sp>
       <p:grpSp>
         <p:nvGrpSpPr>
-          <p:cNvPr id="27" name="Gruppieren 26">
-            <a:extLst>
-              <a:ext uri="{FF2B5EF4-FFF2-40B4-BE49-F238E27FC236}">
-                <a16:creationId xmlns:a16="http://schemas.microsoft.com/office/drawing/2014/main" id="{2154ADF4-D4FA-054C-BF5F-53A510AA493B}"/>
-              </a:ext>
-            </a:extLst>
-          </p:cNvPr>
+          <p:cNvPr id="27" name="Gruppieren 26"/>
           <p:cNvGrpSpPr/>
           <p:nvPr/>
         </p:nvGrpSpPr>
@@ -5511,13 +4848,7 @@
         </p:grpSpPr>
         <p:sp>
           <p:nvSpPr>
-            <p:cNvPr id="6" name="Rechteck 5">
-              <a:extLst>
-                <a:ext uri="{FF2B5EF4-FFF2-40B4-BE49-F238E27FC236}">
-                  <a16:creationId xmlns:a16="http://schemas.microsoft.com/office/drawing/2014/main" id="{202B1CD2-BA21-4947-B949-2ACDF22B7D27}"/>
-                </a:ext>
-              </a:extLst>
-            </p:cNvPr>
+            <p:cNvPr id="6" name="Rechteck 5"/>
             <p:cNvSpPr/>
             <p:nvPr/>
           </p:nvSpPr>
@@ -5560,13 +4891,7 @@
         </p:sp>
         <p:sp>
           <p:nvSpPr>
-            <p:cNvPr id="7" name="Rechteck 6">
-              <a:extLst>
-                <a:ext uri="{FF2B5EF4-FFF2-40B4-BE49-F238E27FC236}">
-                  <a16:creationId xmlns:a16="http://schemas.microsoft.com/office/drawing/2014/main" id="{5AFD5807-34BE-1842-8CC1-97AE6EEA6221}"/>
-                </a:ext>
-              </a:extLst>
-            </p:cNvPr>
+            <p:cNvPr id="7" name="Rechteck 6"/>
             <p:cNvSpPr/>
             <p:nvPr/>
           </p:nvSpPr>
@@ -5609,13 +4934,7 @@
         </p:sp>
         <p:sp>
           <p:nvSpPr>
-            <p:cNvPr id="8" name="Rechteck 7">
-              <a:extLst>
-                <a:ext uri="{FF2B5EF4-FFF2-40B4-BE49-F238E27FC236}">
-                  <a16:creationId xmlns:a16="http://schemas.microsoft.com/office/drawing/2014/main" id="{79200B7C-9D5E-604C-862A-6A495FF045FB}"/>
-                </a:ext>
-              </a:extLst>
-            </p:cNvPr>
+            <p:cNvPr id="8" name="Rechteck 7"/>
             <p:cNvSpPr/>
             <p:nvPr/>
           </p:nvSpPr>
@@ -5658,13 +4977,7 @@
         </p:sp>
         <p:grpSp>
           <p:nvGrpSpPr>
-            <p:cNvPr id="9" name="Gruppieren 8">
-              <a:extLst>
-                <a:ext uri="{FF2B5EF4-FFF2-40B4-BE49-F238E27FC236}">
-                  <a16:creationId xmlns:a16="http://schemas.microsoft.com/office/drawing/2014/main" id="{99554BD8-107B-F846-A765-DFB1E31A8380}"/>
-                </a:ext>
-              </a:extLst>
-            </p:cNvPr>
+            <p:cNvPr id="9" name="Gruppieren 8"/>
             <p:cNvGrpSpPr/>
             <p:nvPr/>
           </p:nvGrpSpPr>
@@ -5678,13 +4991,7 @@
           </p:grpSpPr>
           <p:grpSp>
             <p:nvGrpSpPr>
-              <p:cNvPr id="10" name="Gruppieren 9">
-                <a:extLst>
-                  <a:ext uri="{FF2B5EF4-FFF2-40B4-BE49-F238E27FC236}">
-                    <a16:creationId xmlns:a16="http://schemas.microsoft.com/office/drawing/2014/main" id="{A1643585-358F-5647-9CDF-71DB546EAA61}"/>
-                  </a:ext>
-                </a:extLst>
-              </p:cNvPr>
+              <p:cNvPr id="10" name="Gruppieren 9"/>
               <p:cNvGrpSpPr/>
               <p:nvPr/>
             </p:nvGrpSpPr>
@@ -5698,13 +5005,7 @@
             </p:grpSpPr>
             <p:sp>
               <p:nvSpPr>
-                <p:cNvPr id="14" name="Rechteck 13">
-                  <a:extLst>
-                    <a:ext uri="{FF2B5EF4-FFF2-40B4-BE49-F238E27FC236}">
-                      <a16:creationId xmlns:a16="http://schemas.microsoft.com/office/drawing/2014/main" id="{40EAF261-35E0-D249-9758-DD3E858DCDA3}"/>
-                    </a:ext>
-                  </a:extLst>
-                </p:cNvPr>
+                <p:cNvPr id="14" name="Rechteck 13"/>
                 <p:cNvSpPr/>
                 <p:nvPr/>
               </p:nvSpPr>
@@ -5747,13 +5048,7 @@
             </p:sp>
             <p:sp>
               <p:nvSpPr>
-                <p:cNvPr id="15" name="Rechteck 14">
-                  <a:extLst>
-                    <a:ext uri="{FF2B5EF4-FFF2-40B4-BE49-F238E27FC236}">
-                      <a16:creationId xmlns:a16="http://schemas.microsoft.com/office/drawing/2014/main" id="{A7CADCA4-49B0-C14E-96A6-89BBD324B965}"/>
-                    </a:ext>
-                  </a:extLst>
-                </p:cNvPr>
+                <p:cNvPr id="15" name="Rechteck 14"/>
                 <p:cNvSpPr/>
                 <p:nvPr/>
               </p:nvSpPr>
@@ -5796,13 +5091,7 @@
             </p:sp>
             <p:sp>
               <p:nvSpPr>
-                <p:cNvPr id="16" name="Rechteck 15">
-                  <a:extLst>
-                    <a:ext uri="{FF2B5EF4-FFF2-40B4-BE49-F238E27FC236}">
-                      <a16:creationId xmlns:a16="http://schemas.microsoft.com/office/drawing/2014/main" id="{DC9DCFC8-B42C-5542-A0FD-4B0883518307}"/>
-                    </a:ext>
-                  </a:extLst>
-                </p:cNvPr>
+                <p:cNvPr id="16" name="Rechteck 15"/>
                 <p:cNvSpPr/>
                 <p:nvPr/>
               </p:nvSpPr>
@@ -5846,15 +5135,8 @@
           </p:grpSp>
           <p:cxnSp>
             <p:nvCxnSpPr>
-              <p:cNvPr id="11" name="Gewinkelte Verbindung 10">
-                <a:extLst>
-                  <a:ext uri="{FF2B5EF4-FFF2-40B4-BE49-F238E27FC236}">
-                    <a16:creationId xmlns:a16="http://schemas.microsoft.com/office/drawing/2014/main" id="{594EC664-65AA-5B4E-99F5-93A759404316}"/>
-                  </a:ext>
-                </a:extLst>
-              </p:cNvPr>
+              <p:cNvPr id="11" name="Gewinkelte Verbindung 10"/>
               <p:cNvCxnSpPr>
-                <a:cxnSpLocks/>
                 <a:stCxn id="7" idx="3"/>
                 <a:endCxn id="14" idx="1"/>
               </p:cNvCxnSpPr>
@@ -5889,15 +5171,8 @@
           </p:cxnSp>
           <p:cxnSp>
             <p:nvCxnSpPr>
-              <p:cNvPr id="12" name="Gewinkelte Verbindung 11">
-                <a:extLst>
-                  <a:ext uri="{FF2B5EF4-FFF2-40B4-BE49-F238E27FC236}">
-                    <a16:creationId xmlns:a16="http://schemas.microsoft.com/office/drawing/2014/main" id="{977F3AED-E40A-604A-B69B-3D6B7D1ADF78}"/>
-                  </a:ext>
-                </a:extLst>
-              </p:cNvPr>
+              <p:cNvPr id="12" name="Gewinkelte Verbindung 11"/>
               <p:cNvCxnSpPr>
-                <a:cxnSpLocks/>
                 <a:stCxn id="7" idx="3"/>
                 <a:endCxn id="16" idx="1"/>
               </p:cNvCxnSpPr>
@@ -5932,15 +5207,8 @@
           </p:cxnSp>
           <p:cxnSp>
             <p:nvCxnSpPr>
-              <p:cNvPr id="13" name="Gewinkelte Verbindung 12">
-                <a:extLst>
-                  <a:ext uri="{FF2B5EF4-FFF2-40B4-BE49-F238E27FC236}">
-                    <a16:creationId xmlns:a16="http://schemas.microsoft.com/office/drawing/2014/main" id="{E065D7B6-0164-534F-B5FF-32CB1CF184F0}"/>
-                  </a:ext>
-                </a:extLst>
-              </p:cNvPr>
+              <p:cNvPr id="13" name="Gewinkelte Verbindung 12"/>
               <p:cNvCxnSpPr>
-                <a:cxnSpLocks/>
                 <a:stCxn id="7" idx="3"/>
                 <a:endCxn id="15" idx="1"/>
               </p:cNvCxnSpPr>
@@ -5976,13 +5244,7 @@
         </p:grpSp>
         <p:grpSp>
           <p:nvGrpSpPr>
-            <p:cNvPr id="17" name="Gruppieren 16">
-              <a:extLst>
-                <a:ext uri="{FF2B5EF4-FFF2-40B4-BE49-F238E27FC236}">
-                  <a16:creationId xmlns:a16="http://schemas.microsoft.com/office/drawing/2014/main" id="{02F61CF2-C571-8540-A4E9-5552331BE305}"/>
-                </a:ext>
-              </a:extLst>
-            </p:cNvPr>
+            <p:cNvPr id="17" name="Gruppieren 16"/>
             <p:cNvGrpSpPr/>
             <p:nvPr/>
           </p:nvGrpSpPr>
@@ -5996,13 +5258,7 @@
           </p:grpSpPr>
           <p:grpSp>
             <p:nvGrpSpPr>
-              <p:cNvPr id="18" name="Gruppieren 17">
-                <a:extLst>
-                  <a:ext uri="{FF2B5EF4-FFF2-40B4-BE49-F238E27FC236}">
-                    <a16:creationId xmlns:a16="http://schemas.microsoft.com/office/drawing/2014/main" id="{118CAB9C-5A8A-B443-8C98-3B0597CBD167}"/>
-                  </a:ext>
-                </a:extLst>
-              </p:cNvPr>
+              <p:cNvPr id="18" name="Gruppieren 17"/>
               <p:cNvGrpSpPr/>
               <p:nvPr/>
             </p:nvGrpSpPr>
@@ -6016,13 +5272,7 @@
             </p:grpSpPr>
             <p:sp>
               <p:nvSpPr>
-                <p:cNvPr id="22" name="Rechteck 21">
-                  <a:extLst>
-                    <a:ext uri="{FF2B5EF4-FFF2-40B4-BE49-F238E27FC236}">
-                      <a16:creationId xmlns:a16="http://schemas.microsoft.com/office/drawing/2014/main" id="{B89F378B-69FF-C847-A462-5EA5E6F46FA8}"/>
-                    </a:ext>
-                  </a:extLst>
-                </p:cNvPr>
+                <p:cNvPr id="22" name="Rechteck 21"/>
                 <p:cNvSpPr/>
                 <p:nvPr/>
               </p:nvSpPr>
@@ -6065,13 +5315,7 @@
             </p:sp>
             <p:sp>
               <p:nvSpPr>
-                <p:cNvPr id="23" name="Rechteck 22">
-                  <a:extLst>
-                    <a:ext uri="{FF2B5EF4-FFF2-40B4-BE49-F238E27FC236}">
-                      <a16:creationId xmlns:a16="http://schemas.microsoft.com/office/drawing/2014/main" id="{79BA4B0A-B47D-684B-A122-951BC3E66D2D}"/>
-                    </a:ext>
-                  </a:extLst>
-                </p:cNvPr>
+                <p:cNvPr id="23" name="Rechteck 22"/>
                 <p:cNvSpPr/>
                 <p:nvPr/>
               </p:nvSpPr>
@@ -6114,13 +5358,7 @@
             </p:sp>
             <p:sp>
               <p:nvSpPr>
-                <p:cNvPr id="24" name="Rechteck 23">
-                  <a:extLst>
-                    <a:ext uri="{FF2B5EF4-FFF2-40B4-BE49-F238E27FC236}">
-                      <a16:creationId xmlns:a16="http://schemas.microsoft.com/office/drawing/2014/main" id="{A772841B-89D1-C343-BCA5-87321D847879}"/>
-                    </a:ext>
-                  </a:extLst>
-                </p:cNvPr>
+                <p:cNvPr id="24" name="Rechteck 23"/>
                 <p:cNvSpPr/>
                 <p:nvPr/>
               </p:nvSpPr>
@@ -6164,13 +5402,7 @@
           </p:grpSp>
           <p:cxnSp>
             <p:nvCxnSpPr>
-              <p:cNvPr id="19" name="Gewinkelte Verbindung 18">
-                <a:extLst>
-                  <a:ext uri="{FF2B5EF4-FFF2-40B4-BE49-F238E27FC236}">
-                    <a16:creationId xmlns:a16="http://schemas.microsoft.com/office/drawing/2014/main" id="{A040DD46-7E9D-374A-9AD6-188A29FA5CFA}"/>
-                  </a:ext>
-                </a:extLst>
-              </p:cNvPr>
+              <p:cNvPr id="19" name="Gewinkelte Verbindung 18"/>
               <p:cNvCxnSpPr>
                 <a:endCxn id="22" idx="1"/>
               </p:cNvCxnSpPr>
@@ -6205,15 +5437,8 @@
           </p:cxnSp>
           <p:cxnSp>
             <p:nvCxnSpPr>
-              <p:cNvPr id="20" name="Gewinkelte Verbindung 19">
-                <a:extLst>
-                  <a:ext uri="{FF2B5EF4-FFF2-40B4-BE49-F238E27FC236}">
-                    <a16:creationId xmlns:a16="http://schemas.microsoft.com/office/drawing/2014/main" id="{4B695576-BA60-7A40-92FE-02C13E1C1615}"/>
-                  </a:ext>
-                </a:extLst>
-              </p:cNvPr>
+              <p:cNvPr id="20" name="Gewinkelte Verbindung 19"/>
               <p:cNvCxnSpPr>
-                <a:cxnSpLocks/>
                 <a:endCxn id="24" idx="1"/>
               </p:cNvCxnSpPr>
               <p:nvPr/>
@@ -6247,15 +5472,8 @@
           </p:cxnSp>
           <p:cxnSp>
             <p:nvCxnSpPr>
-              <p:cNvPr id="21" name="Gewinkelte Verbindung 20">
-                <a:extLst>
-                  <a:ext uri="{FF2B5EF4-FFF2-40B4-BE49-F238E27FC236}">
-                    <a16:creationId xmlns:a16="http://schemas.microsoft.com/office/drawing/2014/main" id="{1BCB2538-6F3C-9C42-BD83-6320A6F3463F}"/>
-                  </a:ext>
-                </a:extLst>
-              </p:cNvPr>
+              <p:cNvPr id="21" name="Gewinkelte Verbindung 20"/>
               <p:cNvCxnSpPr>
-                <a:cxnSpLocks/>
                 <a:endCxn id="23" idx="1"/>
               </p:cNvCxnSpPr>
               <p:nvPr/>
@@ -6290,15 +5508,8 @@
         </p:grpSp>
         <p:cxnSp>
           <p:nvCxnSpPr>
-            <p:cNvPr id="25" name="Gewinkelte Verbindung 24">
-              <a:extLst>
-                <a:ext uri="{FF2B5EF4-FFF2-40B4-BE49-F238E27FC236}">
-                  <a16:creationId xmlns:a16="http://schemas.microsoft.com/office/drawing/2014/main" id="{69FB652F-2B8C-B64E-AC94-44FAC42A08B6}"/>
-                </a:ext>
-              </a:extLst>
-            </p:cNvPr>
+            <p:cNvPr id="25" name="Gewinkelte Verbindung 24"/>
             <p:cNvCxnSpPr>
-              <a:cxnSpLocks/>
               <a:stCxn id="6" idx="3"/>
               <a:endCxn id="7" idx="1"/>
             </p:cNvCxnSpPr>
@@ -6333,15 +5544,8 @@
         </p:cxnSp>
         <p:cxnSp>
           <p:nvCxnSpPr>
-            <p:cNvPr id="26" name="Gewinkelte Verbindung 25">
-              <a:extLst>
-                <a:ext uri="{FF2B5EF4-FFF2-40B4-BE49-F238E27FC236}">
-                  <a16:creationId xmlns:a16="http://schemas.microsoft.com/office/drawing/2014/main" id="{D80F25C6-E9D5-4143-9AFF-488264C9DC7F}"/>
-                </a:ext>
-              </a:extLst>
-            </p:cNvPr>
+            <p:cNvPr id="26" name="Gewinkelte Verbindung 25"/>
             <p:cNvCxnSpPr>
-              <a:cxnSpLocks/>
               <a:stCxn id="6" idx="3"/>
               <a:endCxn id="8" idx="1"/>
             </p:cNvCxnSpPr>
@@ -6376,11 +5580,6 @@
         </p:cxnSp>
       </p:grpSp>
     </p:spTree>
-    <p:extLst>
-      <p:ext uri="{BB962C8B-B14F-4D97-AF65-F5344CB8AC3E}">
-        <p14:creationId xmlns:p14="http://schemas.microsoft.com/office/powerpoint/2010/main" val="258470849"/>
-      </p:ext>
-    </p:extLst>
   </p:cSld>
   <p:clrMapOvr>
     <a:masterClrMapping/>
@@ -6407,13 +5606,7 @@
       </p:grpSpPr>
       <p:sp>
         <p:nvSpPr>
-          <p:cNvPr id="2" name="Titel 1">
-            <a:extLst>
-              <a:ext uri="{FF2B5EF4-FFF2-40B4-BE49-F238E27FC236}">
-                <a16:creationId xmlns:a16="http://schemas.microsoft.com/office/drawing/2014/main" id="{54748358-7D28-2E4F-A4A1-D0FCFF799C12}"/>
-              </a:ext>
-            </a:extLst>
-          </p:cNvPr>
+          <p:cNvPr id="2" name="Titel 1"/>
           <p:cNvSpPr>
             <a:spLocks noGrp="1"/>
           </p:cNvSpPr>
@@ -6435,13 +5628,7 @@
       </p:sp>
       <p:sp>
         <p:nvSpPr>
-          <p:cNvPr id="3" name="Inhaltsplatzhalter 2">
-            <a:extLst>
-              <a:ext uri="{FF2B5EF4-FFF2-40B4-BE49-F238E27FC236}">
-                <a16:creationId xmlns:a16="http://schemas.microsoft.com/office/drawing/2014/main" id="{C32583A7-8DC6-0840-A84F-61DF98FE8D02}"/>
-              </a:ext>
-            </a:extLst>
-          </p:cNvPr>
+          <p:cNvPr id="3" name="Inhaltsplatzhalter 2"/>
           <p:cNvSpPr>
             <a:spLocks noGrp="1"/>
           </p:cNvSpPr>
@@ -6454,10 +5641,38 @@
           <a:bodyPr/>
           <a:lstStyle/>
           <a:p>
-            <a:r>
-              <a:rPr lang="en-US" dirty="0"/>
-              <a:t>Daughter unit and storage have separate map, but same structure</a:t>
-            </a:r>
+            <a:pPr marL="0" indent="0">
+              <a:buNone/>
+            </a:pPr>
+            <a:r>
+              <a:rPr lang="de-DE" altLang="en-US" sz="2400" dirty="0">
+                <a:latin typeface="Arial" panose="020B0604020202090204" pitchFamily="34" charset="0"/>
+                <a:cs typeface="Arial" panose="020B0604020202090204" pitchFamily="34" charset="0"/>
+              </a:rPr>
+              <a:t> </a:t>
+            </a:r>
+            <a:r>
+              <a:rPr lang="en-US" sz="2400" dirty="0">
+                <a:latin typeface="Arial" panose="020B0604020202090204" pitchFamily="34" charset="0"/>
+                <a:cs typeface="Arial" panose="020B0604020202090204" pitchFamily="34" charset="0"/>
+              </a:rPr>
+              <a:t>Daughter unit and storage </a:t>
+            </a:r>
+            <a:r>
+              <a:rPr lang="de-DE" altLang="en-US" sz="2400" dirty="0">
+                <a:latin typeface="Arial" panose="020B0604020202090204" pitchFamily="34" charset="0"/>
+                <a:cs typeface="Arial" panose="020B0604020202090204" pitchFamily="34" charset="0"/>
+              </a:rPr>
+              <a:t>unit</a:t>
+            </a:r>
+            <a:r>
+              <a:rPr lang="en-US" sz="2400" dirty="0">
+                <a:latin typeface="Arial" panose="020B0604020202090204" pitchFamily="34" charset="0"/>
+                <a:cs typeface="Arial" panose="020B0604020202090204" pitchFamily="34" charset="0"/>
+              </a:rPr>
+              <a:t> have separate map, but same structure</a:t>
+            </a:r>
+            <a:endParaRPr lang="en-US" dirty="0"/>
           </a:p>
           <a:p>
             <a:pPr lvl="1"/>
@@ -6519,13 +5734,7 @@
       </p:sp>
       <p:sp>
         <p:nvSpPr>
-          <p:cNvPr id="4" name="Datumsplatzhalter 3">
-            <a:extLst>
-              <a:ext uri="{FF2B5EF4-FFF2-40B4-BE49-F238E27FC236}">
-                <a16:creationId xmlns:a16="http://schemas.microsoft.com/office/drawing/2014/main" id="{D1AC5F6D-FEB5-C447-8CFA-4BAD9F637656}"/>
-              </a:ext>
-            </a:extLst>
-          </p:cNvPr>
+          <p:cNvPr id="4" name="Datumsplatzhalter 3"/>
           <p:cNvSpPr>
             <a:spLocks noGrp="1"/>
           </p:cNvSpPr>
@@ -6548,13 +5757,7 @@
       </p:sp>
       <p:sp>
         <p:nvSpPr>
-          <p:cNvPr id="5" name="Foliennummernplatzhalter 4">
-            <a:extLst>
-              <a:ext uri="{FF2B5EF4-FFF2-40B4-BE49-F238E27FC236}">
-                <a16:creationId xmlns:a16="http://schemas.microsoft.com/office/drawing/2014/main" id="{9BB1F36B-1ABA-434E-9C5E-2FEAC2297394}"/>
-              </a:ext>
-            </a:extLst>
-          </p:cNvPr>
+          <p:cNvPr id="5" name="Foliennummernplatzhalter 4"/>
           <p:cNvSpPr>
             <a:spLocks noGrp="1"/>
           </p:cNvSpPr>
@@ -6577,13 +5780,7 @@
       </p:sp>
       <p:grpSp>
         <p:nvGrpSpPr>
-          <p:cNvPr id="10" name="Gruppieren 9">
-            <a:extLst>
-              <a:ext uri="{FF2B5EF4-FFF2-40B4-BE49-F238E27FC236}">
-                <a16:creationId xmlns:a16="http://schemas.microsoft.com/office/drawing/2014/main" id="{97AA17B8-AD55-CF40-8C96-4049BC6A6F90}"/>
-              </a:ext>
-            </a:extLst>
-          </p:cNvPr>
+          <p:cNvPr id="10" name="Gruppieren 9"/>
           <p:cNvGrpSpPr/>
           <p:nvPr/>
         </p:nvGrpSpPr>
@@ -6597,13 +5794,7 @@
         </p:grpSpPr>
         <p:sp>
           <p:nvSpPr>
-            <p:cNvPr id="9" name="Würfel 8">
-              <a:extLst>
-                <a:ext uri="{FF2B5EF4-FFF2-40B4-BE49-F238E27FC236}">
-                  <a16:creationId xmlns:a16="http://schemas.microsoft.com/office/drawing/2014/main" id="{75D4101E-D176-0542-A041-A35568A45190}"/>
-                </a:ext>
-              </a:extLst>
-            </p:cNvPr>
+            <p:cNvPr id="9" name="Würfel 8"/>
             <p:cNvSpPr/>
             <p:nvPr/>
           </p:nvSpPr>
@@ -6646,13 +5837,7 @@
         </p:sp>
         <p:sp>
           <p:nvSpPr>
-            <p:cNvPr id="8" name="Würfel 7">
-              <a:extLst>
-                <a:ext uri="{FF2B5EF4-FFF2-40B4-BE49-F238E27FC236}">
-                  <a16:creationId xmlns:a16="http://schemas.microsoft.com/office/drawing/2014/main" id="{CD1D930E-A2E0-F943-83AB-64DBA2982882}"/>
-                </a:ext>
-              </a:extLst>
-            </p:cNvPr>
+            <p:cNvPr id="8" name="Würfel 7"/>
             <p:cNvSpPr/>
             <p:nvPr/>
           </p:nvSpPr>
@@ -6695,13 +5880,7 @@
         </p:sp>
         <p:sp>
           <p:nvSpPr>
-            <p:cNvPr id="7" name="Würfel 6">
-              <a:extLst>
-                <a:ext uri="{FF2B5EF4-FFF2-40B4-BE49-F238E27FC236}">
-                  <a16:creationId xmlns:a16="http://schemas.microsoft.com/office/drawing/2014/main" id="{875D1E9B-D455-FC45-A7DD-916F295870BF}"/>
-                </a:ext>
-              </a:extLst>
-            </p:cNvPr>
+            <p:cNvPr id="7" name="Würfel 6"/>
             <p:cNvSpPr/>
             <p:nvPr/>
           </p:nvSpPr>
@@ -6744,11 +5923,6 @@
         </p:sp>
       </p:grpSp>
     </p:spTree>
-    <p:extLst>
-      <p:ext uri="{BB962C8B-B14F-4D97-AF65-F5344CB8AC3E}">
-        <p14:creationId xmlns:p14="http://schemas.microsoft.com/office/powerpoint/2010/main" val="1597208098"/>
-      </p:ext>
-    </p:extLst>
   </p:cSld>
   <p:clrMapOvr>
     <a:masterClrMapping/>
@@ -6775,13 +5949,7 @@
       </p:grpSpPr>
       <p:sp>
         <p:nvSpPr>
-          <p:cNvPr id="2" name="Titel 1">
-            <a:extLst>
-              <a:ext uri="{FF2B5EF4-FFF2-40B4-BE49-F238E27FC236}">
-                <a16:creationId xmlns:a16="http://schemas.microsoft.com/office/drawing/2014/main" id="{7D9A68EA-EFCA-DD45-BF26-DBE5D0C64D41}"/>
-              </a:ext>
-            </a:extLst>
-          </p:cNvPr>
+          <p:cNvPr id="2" name="Titel 1"/>
           <p:cNvSpPr>
             <a:spLocks noGrp="1"/>
           </p:cNvSpPr>
@@ -6803,13 +5971,7 @@
       </p:sp>
       <p:sp>
         <p:nvSpPr>
-          <p:cNvPr id="3" name="Inhaltsplatzhalter 2">
-            <a:extLst>
-              <a:ext uri="{FF2B5EF4-FFF2-40B4-BE49-F238E27FC236}">
-                <a16:creationId xmlns:a16="http://schemas.microsoft.com/office/drawing/2014/main" id="{AF6172AE-6135-6448-8751-EC0F4028E61E}"/>
-              </a:ext>
-            </a:extLst>
-          </p:cNvPr>
+          <p:cNvPr id="3" name="Inhaltsplatzhalter 2"/>
           <p:cNvSpPr>
             <a:spLocks noGrp="1"/>
           </p:cNvSpPr>
@@ -6817,19 +5979,24 @@
             <p:ph idx="1"/>
           </p:nvPr>
         </p:nvSpPr>
-        <p:spPr/>
+        <p:spPr>
+          <a:xfrm>
+            <a:off x="524664" y="1071721"/>
+            <a:ext cx="11142672" cy="4850241"/>
+          </a:xfrm>
+        </p:spPr>
         <p:txBody>
           <a:bodyPr/>
           <a:lstStyle/>
           <a:p>
-            <a:r>
-              <a:rPr lang="en-US" dirty="0"/>
-              <a:t>Choose which capacity</a:t>
-            </a:r>
+            <a:pPr marL="0" indent="0">
+              <a:buNone/>
+            </a:pPr>
+            <a:endParaRPr lang="en-US" dirty="0"/>
           </a:p>
           <a:p>
             <a:pPr lvl="1">
-              <a:buFont typeface="Wingdings" pitchFamily="2" charset="2"/>
+              <a:buFont typeface="Wingdings" panose="05000000000000000000" pitchFamily="2" charset="2"/>
               <a:buChar char="Ø"/>
             </a:pPr>
             <a:r>
@@ -6896,7 +6063,7 @@
           </a:p>
           <a:p>
             <a:pPr lvl="1">
-              <a:buFont typeface="Wingdings" pitchFamily="2" charset="2"/>
+              <a:buFont typeface="Wingdings" panose="05000000000000000000" pitchFamily="2" charset="2"/>
               <a:buChar char="Ø"/>
             </a:pPr>
             <a:r>
@@ -6966,7 +6133,7 @@
           </a:p>
           <a:p>
             <a:pPr lvl="1">
-              <a:buFont typeface="Wingdings" pitchFamily="2" charset="2"/>
+              <a:buFont typeface="Wingdings" panose="05000000000000000000" pitchFamily="2" charset="2"/>
               <a:buChar char="Ø"/>
             </a:pPr>
             <a:r>
@@ -6999,13 +6166,7 @@
       </p:sp>
       <p:sp>
         <p:nvSpPr>
-          <p:cNvPr id="4" name="Datumsplatzhalter 3">
-            <a:extLst>
-              <a:ext uri="{FF2B5EF4-FFF2-40B4-BE49-F238E27FC236}">
-                <a16:creationId xmlns:a16="http://schemas.microsoft.com/office/drawing/2014/main" id="{60BA707C-BEB4-5F40-9969-67A816B194B6}"/>
-              </a:ext>
-            </a:extLst>
-          </p:cNvPr>
+          <p:cNvPr id="4" name="Datumsplatzhalter 3"/>
           <p:cNvSpPr>
             <a:spLocks noGrp="1"/>
           </p:cNvSpPr>
@@ -7028,13 +6189,7 @@
       </p:sp>
       <p:sp>
         <p:nvSpPr>
-          <p:cNvPr id="5" name="Foliennummernplatzhalter 4">
-            <a:extLst>
-              <a:ext uri="{FF2B5EF4-FFF2-40B4-BE49-F238E27FC236}">
-                <a16:creationId xmlns:a16="http://schemas.microsoft.com/office/drawing/2014/main" id="{7DD518B2-9647-E147-9CA1-2D33F7DC2EAD}"/>
-              </a:ext>
-            </a:extLst>
-          </p:cNvPr>
+          <p:cNvPr id="5" name="Foliennummernplatzhalter 4"/>
           <p:cNvSpPr>
             <a:spLocks noGrp="1"/>
           </p:cNvSpPr>
@@ -7056,11 +6211,6 @@
         </p:txBody>
       </p:sp>
     </p:spTree>
-    <p:extLst>
-      <p:ext uri="{BB962C8B-B14F-4D97-AF65-F5344CB8AC3E}">
-        <p14:creationId xmlns:p14="http://schemas.microsoft.com/office/powerpoint/2010/main" val="2771364128"/>
-      </p:ext>
-    </p:extLst>
   </p:cSld>
   <p:clrMapOvr>
     <a:masterClrMapping/>
@@ -7087,13 +6237,7 @@
       </p:grpSpPr>
       <p:pic>
         <p:nvPicPr>
-          <p:cNvPr id="7" name="Inhaltsplatzhalter 6">
-            <a:extLst>
-              <a:ext uri="{FF2B5EF4-FFF2-40B4-BE49-F238E27FC236}">
-                <a16:creationId xmlns:a16="http://schemas.microsoft.com/office/drawing/2014/main" id="{6324C89C-454A-934F-889F-D243D71A0EF8}"/>
-              </a:ext>
-            </a:extLst>
-          </p:cNvPr>
+          <p:cNvPr id="7" name="Inhaltsplatzhalter 6"/>
           <p:cNvPicPr>
             <a:picLocks noGrp="1" noChangeAspect="1"/>
           </p:cNvPicPr>
@@ -7122,13 +6266,7 @@
       </p:pic>
       <p:sp>
         <p:nvSpPr>
-          <p:cNvPr id="4" name="Datumsplatzhalter 3">
-            <a:extLst>
-              <a:ext uri="{FF2B5EF4-FFF2-40B4-BE49-F238E27FC236}">
-                <a16:creationId xmlns:a16="http://schemas.microsoft.com/office/drawing/2014/main" id="{94E31A37-95FA-064A-A21B-C088A1340DA4}"/>
-              </a:ext>
-            </a:extLst>
-          </p:cNvPr>
+          <p:cNvPr id="4" name="Datumsplatzhalter 3"/>
           <p:cNvSpPr>
             <a:spLocks noGrp="1"/>
           </p:cNvSpPr>
@@ -7156,13 +6294,7 @@
       </p:sp>
       <p:sp>
         <p:nvSpPr>
-          <p:cNvPr id="5" name="Foliennummernplatzhalter 4">
-            <a:extLst>
-              <a:ext uri="{FF2B5EF4-FFF2-40B4-BE49-F238E27FC236}">
-                <a16:creationId xmlns:a16="http://schemas.microsoft.com/office/drawing/2014/main" id="{C38245CC-AFBD-2C4A-8887-933F0AE9CC4F}"/>
-              </a:ext>
-            </a:extLst>
-          </p:cNvPr>
+          <p:cNvPr id="5" name="Foliennummernplatzhalter 4"/>
           <p:cNvSpPr>
             <a:spLocks noGrp="1"/>
           </p:cNvSpPr>
@@ -7185,13 +6317,7 @@
       </p:sp>
       <p:pic>
         <p:nvPicPr>
-          <p:cNvPr id="32" name="Grafik 31">
-            <a:extLst>
-              <a:ext uri="{FF2B5EF4-FFF2-40B4-BE49-F238E27FC236}">
-                <a16:creationId xmlns:a16="http://schemas.microsoft.com/office/drawing/2014/main" id="{854208F7-DBD4-4B4A-AED4-8F5B06E2EC48}"/>
-              </a:ext>
-            </a:extLst>
-          </p:cNvPr>
+          <p:cNvPr id="32" name="Grafik 31"/>
           <p:cNvPicPr>
             <a:picLocks noChangeAspect="1"/>
           </p:cNvPicPr>
@@ -7221,13 +6347,7 @@
       </p:pic>
       <p:sp>
         <p:nvSpPr>
-          <p:cNvPr id="33" name="Textfeld 32">
-            <a:extLst>
-              <a:ext uri="{FF2B5EF4-FFF2-40B4-BE49-F238E27FC236}">
-                <a16:creationId xmlns:a16="http://schemas.microsoft.com/office/drawing/2014/main" id="{0737BA1C-F573-8C44-9594-A75409FE3325}"/>
-              </a:ext>
-            </a:extLst>
-          </p:cNvPr>
+          <p:cNvPr id="33" name="Textfeld 32"/>
           <p:cNvSpPr txBox="1"/>
           <p:nvPr/>
         </p:nvSpPr>
@@ -7256,13 +6376,7 @@
       </p:sp>
       <p:sp>
         <p:nvSpPr>
-          <p:cNvPr id="34" name="Textfeld 33">
-            <a:extLst>
-              <a:ext uri="{FF2B5EF4-FFF2-40B4-BE49-F238E27FC236}">
-                <a16:creationId xmlns:a16="http://schemas.microsoft.com/office/drawing/2014/main" id="{7A1866FD-E88C-E345-B53B-D551C4FA00E8}"/>
-              </a:ext>
-            </a:extLst>
-          </p:cNvPr>
+          <p:cNvPr id="34" name="Textfeld 33"/>
           <p:cNvSpPr txBox="1"/>
           <p:nvPr/>
         </p:nvSpPr>
@@ -7291,13 +6405,7 @@
       </p:sp>
       <p:pic>
         <p:nvPicPr>
-          <p:cNvPr id="37" name="Grafik 36" descr="Ein Bild, das Text enthält.&#10;&#10;Automatisch generierte Beschreibung">
-            <a:extLst>
-              <a:ext uri="{FF2B5EF4-FFF2-40B4-BE49-F238E27FC236}">
-                <a16:creationId xmlns:a16="http://schemas.microsoft.com/office/drawing/2014/main" id="{0449D76F-FE2E-FA45-B4E8-E4DB9EE12633}"/>
-              </a:ext>
-            </a:extLst>
-          </p:cNvPr>
+          <p:cNvPr id="37" name="Grafik 36" descr="Ein Bild, das Text enthält.&#10;&#10;Automatisch generierte Beschreibung"/>
           <p:cNvPicPr>
             <a:picLocks noChangeAspect="1"/>
           </p:cNvPicPr>
@@ -7327,13 +6435,7 @@
       </p:pic>
       <p:pic>
         <p:nvPicPr>
-          <p:cNvPr id="39" name="Grafik 38" descr="Ein Bild, das Text enthält.&#10;&#10;Automatisch generierte Beschreibung">
-            <a:extLst>
-              <a:ext uri="{FF2B5EF4-FFF2-40B4-BE49-F238E27FC236}">
-                <a16:creationId xmlns:a16="http://schemas.microsoft.com/office/drawing/2014/main" id="{C9055D44-EE06-CD47-93A1-32FDAEA5C519}"/>
-              </a:ext>
-            </a:extLst>
-          </p:cNvPr>
+          <p:cNvPr id="39" name="Grafik 38" descr="Ein Bild, das Text enthält.&#10;&#10;Automatisch generierte Beschreibung"/>
           <p:cNvPicPr>
             <a:picLocks noChangeAspect="1"/>
           </p:cNvPicPr>
@@ -7363,13 +6465,7 @@
       </p:pic>
       <p:sp>
         <p:nvSpPr>
-          <p:cNvPr id="40" name="Textfeld 39">
-            <a:extLst>
-              <a:ext uri="{FF2B5EF4-FFF2-40B4-BE49-F238E27FC236}">
-                <a16:creationId xmlns:a16="http://schemas.microsoft.com/office/drawing/2014/main" id="{20F44993-4CF0-5040-BD9D-DC9524659BFC}"/>
-              </a:ext>
-            </a:extLst>
-          </p:cNvPr>
+          <p:cNvPr id="40" name="Textfeld 39"/>
           <p:cNvSpPr txBox="1"/>
           <p:nvPr/>
         </p:nvSpPr>
@@ -7398,13 +6494,7 @@
       </p:sp>
       <p:sp>
         <p:nvSpPr>
-          <p:cNvPr id="41" name="Textfeld 40">
-            <a:extLst>
-              <a:ext uri="{FF2B5EF4-FFF2-40B4-BE49-F238E27FC236}">
-                <a16:creationId xmlns:a16="http://schemas.microsoft.com/office/drawing/2014/main" id="{826F617B-D2B3-DB42-9D55-1F8914B72640}"/>
-              </a:ext>
-            </a:extLst>
-          </p:cNvPr>
+          <p:cNvPr id="41" name="Textfeld 40"/>
           <p:cNvSpPr txBox="1"/>
           <p:nvPr/>
         </p:nvSpPr>
@@ -7433,13 +6523,7 @@
       </p:sp>
       <p:sp>
         <p:nvSpPr>
-          <p:cNvPr id="42" name="Textfeld 41">
-            <a:extLst>
-              <a:ext uri="{FF2B5EF4-FFF2-40B4-BE49-F238E27FC236}">
-                <a16:creationId xmlns:a16="http://schemas.microsoft.com/office/drawing/2014/main" id="{669C251A-6EC3-5F4C-A37C-08988D2AE000}"/>
-              </a:ext>
-            </a:extLst>
-          </p:cNvPr>
+          <p:cNvPr id="42" name="Textfeld 41"/>
           <p:cNvSpPr txBox="1"/>
           <p:nvPr/>
         </p:nvSpPr>
@@ -7468,13 +6552,7 @@
       </p:sp>
       <p:sp>
         <p:nvSpPr>
-          <p:cNvPr id="43" name="Textfeld 42">
-            <a:extLst>
-              <a:ext uri="{FF2B5EF4-FFF2-40B4-BE49-F238E27FC236}">
-                <a16:creationId xmlns:a16="http://schemas.microsoft.com/office/drawing/2014/main" id="{1F2CBF68-B604-3C46-81FA-EC04BF7A5C7B}"/>
-              </a:ext>
-            </a:extLst>
-          </p:cNvPr>
+          <p:cNvPr id="43" name="Textfeld 42"/>
           <p:cNvSpPr txBox="1"/>
           <p:nvPr/>
         </p:nvSpPr>
@@ -7502,11 +6580,6 @@
         </p:txBody>
       </p:sp>
     </p:spTree>
-    <p:extLst>
-      <p:ext uri="{BB962C8B-B14F-4D97-AF65-F5344CB8AC3E}">
-        <p14:creationId xmlns:p14="http://schemas.microsoft.com/office/powerpoint/2010/main" val="3604166240"/>
-      </p:ext>
-    </p:extLst>
   </p:cSld>
   <p:clrMapOvr>
     <a:masterClrMapping/>
@@ -7533,13 +6606,7 @@
       </p:grpSpPr>
       <p:sp>
         <p:nvSpPr>
-          <p:cNvPr id="2" name="Titel 1">
-            <a:extLst>
-              <a:ext uri="{FF2B5EF4-FFF2-40B4-BE49-F238E27FC236}">
-                <a16:creationId xmlns:a16="http://schemas.microsoft.com/office/drawing/2014/main" id="{45BAD949-4C44-1444-A4F8-75735E75760B}"/>
-              </a:ext>
-            </a:extLst>
-          </p:cNvPr>
+          <p:cNvPr id="2" name="Titel 1"/>
           <p:cNvSpPr>
             <a:spLocks noGrp="1"/>
           </p:cNvSpPr>
@@ -7561,13 +6628,7 @@
       </p:sp>
       <p:sp>
         <p:nvSpPr>
-          <p:cNvPr id="4" name="Datumsplatzhalter 3">
-            <a:extLst>
-              <a:ext uri="{FF2B5EF4-FFF2-40B4-BE49-F238E27FC236}">
-                <a16:creationId xmlns:a16="http://schemas.microsoft.com/office/drawing/2014/main" id="{2664BF85-830A-1249-9842-C31F5016663C}"/>
-              </a:ext>
-            </a:extLst>
-          </p:cNvPr>
+          <p:cNvPr id="4" name="Datumsplatzhalter 3"/>
           <p:cNvSpPr>
             <a:spLocks noGrp="1"/>
           </p:cNvSpPr>
@@ -7590,13 +6651,7 @@
       </p:sp>
       <p:sp>
         <p:nvSpPr>
-          <p:cNvPr id="5" name="Foliennummernplatzhalter 4">
-            <a:extLst>
-              <a:ext uri="{FF2B5EF4-FFF2-40B4-BE49-F238E27FC236}">
-                <a16:creationId xmlns:a16="http://schemas.microsoft.com/office/drawing/2014/main" id="{1BEE2FB3-2158-EE4A-B085-5C5DF5D63756}"/>
-              </a:ext>
-            </a:extLst>
-          </p:cNvPr>
+          <p:cNvPr id="5" name="Foliennummernplatzhalter 4"/>
           <p:cNvSpPr>
             <a:spLocks noGrp="1"/>
           </p:cNvSpPr>
@@ -7619,13 +6674,7 @@
       </p:sp>
       <p:grpSp>
         <p:nvGrpSpPr>
-          <p:cNvPr id="16" name="Gruppieren 15">
-            <a:extLst>
-              <a:ext uri="{FF2B5EF4-FFF2-40B4-BE49-F238E27FC236}">
-                <a16:creationId xmlns:a16="http://schemas.microsoft.com/office/drawing/2014/main" id="{367E8CEA-688D-6449-93E1-78DBCC64ADEC}"/>
-              </a:ext>
-            </a:extLst>
-          </p:cNvPr>
+          <p:cNvPr id="16" name="Gruppieren 15"/>
           <p:cNvGrpSpPr/>
           <p:nvPr/>
         </p:nvGrpSpPr>
@@ -7639,13 +6688,7 @@
         </p:grpSpPr>
         <p:sp>
           <p:nvSpPr>
-            <p:cNvPr id="6" name="Oval 5">
-              <a:extLst>
-                <a:ext uri="{FF2B5EF4-FFF2-40B4-BE49-F238E27FC236}">
-                  <a16:creationId xmlns:a16="http://schemas.microsoft.com/office/drawing/2014/main" id="{62795D06-B9D0-2448-B953-D3F156284522}"/>
-                </a:ext>
-              </a:extLst>
-            </p:cNvPr>
+            <p:cNvPr id="6" name="Oval 5"/>
             <p:cNvSpPr/>
             <p:nvPr/>
           </p:nvSpPr>
@@ -7686,13 +6729,7 @@
         </p:sp>
         <p:sp>
           <p:nvSpPr>
-            <p:cNvPr id="7" name="Oval 6">
-              <a:extLst>
-                <a:ext uri="{FF2B5EF4-FFF2-40B4-BE49-F238E27FC236}">
-                  <a16:creationId xmlns:a16="http://schemas.microsoft.com/office/drawing/2014/main" id="{5218B329-6F51-484E-A6D0-6E06F0CD94AF}"/>
-                </a:ext>
-              </a:extLst>
-            </p:cNvPr>
+            <p:cNvPr id="7" name="Oval 6"/>
             <p:cNvSpPr/>
             <p:nvPr/>
           </p:nvSpPr>
@@ -7738,13 +6775,7 @@
         </p:sp>
         <p:sp>
           <p:nvSpPr>
-            <p:cNvPr id="8" name="Textfeld 7">
-              <a:extLst>
-                <a:ext uri="{FF2B5EF4-FFF2-40B4-BE49-F238E27FC236}">
-                  <a16:creationId xmlns:a16="http://schemas.microsoft.com/office/drawing/2014/main" id="{B0A9A1C3-3B61-2849-890D-A8E183D24CB1}"/>
-                </a:ext>
-              </a:extLst>
-            </p:cNvPr>
+            <p:cNvPr id="8" name="Textfeld 7"/>
             <p:cNvSpPr txBox="1"/>
             <p:nvPr/>
           </p:nvSpPr>
@@ -7774,16 +6805,8 @@
       </p:grpSp>
       <p:sp>
         <p:nvSpPr>
-          <p:cNvPr id="9" name="Titel 1">
-            <a:extLst>
-              <a:ext uri="{FF2B5EF4-FFF2-40B4-BE49-F238E27FC236}">
-                <a16:creationId xmlns:a16="http://schemas.microsoft.com/office/drawing/2014/main" id="{4A55EE3C-2B2C-544B-A25A-7D581C94FB7F}"/>
-              </a:ext>
-            </a:extLst>
-          </p:cNvPr>
-          <p:cNvSpPr txBox="1">
-            <a:spLocks/>
-          </p:cNvSpPr>
+          <p:cNvPr id="9" name="Titel 1"/>
+          <p:cNvSpPr txBox="1"/>
           <p:nvPr/>
         </p:nvSpPr>
         <p:spPr>
@@ -7828,13 +6851,7 @@
       </p:sp>
       <p:grpSp>
         <p:nvGrpSpPr>
-          <p:cNvPr id="13" name="Gruppieren 12">
-            <a:extLst>
-              <a:ext uri="{FF2B5EF4-FFF2-40B4-BE49-F238E27FC236}">
-                <a16:creationId xmlns:a16="http://schemas.microsoft.com/office/drawing/2014/main" id="{CB924FF0-FDFB-5644-AEC0-2184F3E3EF59}"/>
-              </a:ext>
-            </a:extLst>
-          </p:cNvPr>
+          <p:cNvPr id="13" name="Gruppieren 12"/>
           <p:cNvGrpSpPr/>
           <p:nvPr/>
         </p:nvGrpSpPr>
@@ -7848,13 +6865,7 @@
         </p:grpSpPr>
         <p:sp>
           <p:nvSpPr>
-            <p:cNvPr id="10" name="Oval 9">
-              <a:extLst>
-                <a:ext uri="{FF2B5EF4-FFF2-40B4-BE49-F238E27FC236}">
-                  <a16:creationId xmlns:a16="http://schemas.microsoft.com/office/drawing/2014/main" id="{D60B92ED-1F6C-BB4A-A5B1-67B86261717E}"/>
-                </a:ext>
-              </a:extLst>
-            </p:cNvPr>
+            <p:cNvPr id="10" name="Oval 9"/>
             <p:cNvSpPr/>
             <p:nvPr/>
           </p:nvSpPr>
@@ -7895,13 +6906,7 @@
         </p:sp>
         <p:sp>
           <p:nvSpPr>
-            <p:cNvPr id="11" name="Oval 10">
-              <a:extLst>
-                <a:ext uri="{FF2B5EF4-FFF2-40B4-BE49-F238E27FC236}">
-                  <a16:creationId xmlns:a16="http://schemas.microsoft.com/office/drawing/2014/main" id="{DC39FE3C-CDC1-A644-B93C-5D47B59B1164}"/>
-                </a:ext>
-              </a:extLst>
-            </p:cNvPr>
+            <p:cNvPr id="11" name="Oval 10"/>
             <p:cNvSpPr/>
             <p:nvPr/>
           </p:nvSpPr>
@@ -7947,13 +6952,7 @@
         </p:sp>
         <p:sp>
           <p:nvSpPr>
-            <p:cNvPr id="12" name="Textfeld 11">
-              <a:extLst>
-                <a:ext uri="{FF2B5EF4-FFF2-40B4-BE49-F238E27FC236}">
-                  <a16:creationId xmlns:a16="http://schemas.microsoft.com/office/drawing/2014/main" id="{38B4A766-41FC-F746-B6B1-29BDB96DDD16}"/>
-                </a:ext>
-              </a:extLst>
-            </p:cNvPr>
+            <p:cNvPr id="12" name="Textfeld 11"/>
             <p:cNvSpPr txBox="1"/>
             <p:nvPr/>
           </p:nvSpPr>
@@ -7983,13 +6982,7 @@
       </p:grpSp>
       <p:sp>
         <p:nvSpPr>
-          <p:cNvPr id="14" name="Rechteck 13">
-            <a:extLst>
-              <a:ext uri="{FF2B5EF4-FFF2-40B4-BE49-F238E27FC236}">
-                <a16:creationId xmlns:a16="http://schemas.microsoft.com/office/drawing/2014/main" id="{B161885B-FD2A-BB4E-BAA2-BEC6405DC4AF}"/>
-              </a:ext>
-            </a:extLst>
-          </p:cNvPr>
+          <p:cNvPr id="14" name="Rechteck 13"/>
           <p:cNvSpPr/>
           <p:nvPr/>
         </p:nvSpPr>
@@ -8059,13 +7052,7 @@
       </p:sp>
       <p:sp>
         <p:nvSpPr>
-          <p:cNvPr id="15" name="Rechteck 14">
-            <a:extLst>
-              <a:ext uri="{FF2B5EF4-FFF2-40B4-BE49-F238E27FC236}">
-                <a16:creationId xmlns:a16="http://schemas.microsoft.com/office/drawing/2014/main" id="{9CA2BD04-B9A4-384B-BA47-0E3F74913CBD}"/>
-              </a:ext>
-            </a:extLst>
-          </p:cNvPr>
+          <p:cNvPr id="15" name="Rechteck 14"/>
           <p:cNvSpPr/>
           <p:nvPr/>
         </p:nvSpPr>
@@ -8129,11 +7116,6 @@
         </p:txBody>
       </p:sp>
     </p:spTree>
-    <p:extLst>
-      <p:ext uri="{BB962C8B-B14F-4D97-AF65-F5344CB8AC3E}">
-        <p14:creationId xmlns:p14="http://schemas.microsoft.com/office/powerpoint/2010/main" val="2539572939"/>
-      </p:ext>
-    </p:extLst>
   </p:cSld>
   <p:clrMapOvr>
     <a:masterClrMapping/>
@@ -8160,13 +7142,7 @@
       </p:grpSpPr>
       <p:pic>
         <p:nvPicPr>
-          <p:cNvPr id="11" name="Grafik 10">
-            <a:extLst>
-              <a:ext uri="{FF2B5EF4-FFF2-40B4-BE49-F238E27FC236}">
-                <a16:creationId xmlns:a16="http://schemas.microsoft.com/office/drawing/2014/main" id="{D14C8917-F567-7649-8291-0C2B35A04D89}"/>
-              </a:ext>
-            </a:extLst>
-          </p:cNvPr>
+          <p:cNvPr id="11" name="Grafik 10"/>
           <p:cNvPicPr>
             <a:picLocks noChangeAspect="1"/>
           </p:cNvPicPr>
@@ -8196,13 +7172,7 @@
       </p:pic>
       <p:sp>
         <p:nvSpPr>
-          <p:cNvPr id="2" name="Titel 1">
-            <a:extLst>
-              <a:ext uri="{FF2B5EF4-FFF2-40B4-BE49-F238E27FC236}">
-                <a16:creationId xmlns:a16="http://schemas.microsoft.com/office/drawing/2014/main" id="{3389C4FF-669B-1A41-ACB8-AEE8250D2FEC}"/>
-              </a:ext>
-            </a:extLst>
-          </p:cNvPr>
+          <p:cNvPr id="2" name="Titel 1"/>
           <p:cNvSpPr>
             <a:spLocks noGrp="1"/>
           </p:cNvSpPr>
@@ -8224,13 +7194,7 @@
       </p:sp>
       <p:sp>
         <p:nvSpPr>
-          <p:cNvPr id="3" name="Inhaltsplatzhalter 2">
-            <a:extLst>
-              <a:ext uri="{FF2B5EF4-FFF2-40B4-BE49-F238E27FC236}">
-                <a16:creationId xmlns:a16="http://schemas.microsoft.com/office/drawing/2014/main" id="{EC169BA5-CA82-4F4D-B0E1-74E854D52C84}"/>
-              </a:ext>
-            </a:extLst>
-          </p:cNvPr>
+          <p:cNvPr id="3" name="Inhaltsplatzhalter 2"/>
           <p:cNvSpPr>
             <a:spLocks noGrp="1"/>
           </p:cNvSpPr>
@@ -8257,7 +7221,7 @@
           </a:p>
           <a:p>
             <a:pPr lvl="2">
-              <a:buFont typeface="Wingdings" pitchFamily="2" charset="2"/>
+              <a:buFont typeface="Wingdings" panose="05000000000000000000" pitchFamily="2" charset="2"/>
               <a:buChar char="Ø"/>
             </a:pPr>
             <a:r>
@@ -8267,7 +7231,7 @@
           </a:p>
           <a:p>
             <a:pPr lvl="2">
-              <a:buFont typeface="Wingdings" pitchFamily="2" charset="2"/>
+              <a:buFont typeface="Wingdings" panose="05000000000000000000" pitchFamily="2" charset="2"/>
               <a:buChar char="Ø"/>
             </a:pPr>
             <a:r>
@@ -8277,7 +7241,7 @@
           </a:p>
           <a:p>
             <a:pPr lvl="2">
-              <a:buFont typeface="Wingdings" pitchFamily="2" charset="2"/>
+              <a:buFont typeface="Wingdings" panose="05000000000000000000" pitchFamily="2" charset="2"/>
               <a:buChar char="Ø"/>
             </a:pPr>
             <a:r>
@@ -8318,7 +7282,7 @@
           </a:p>
           <a:p>
             <a:pPr lvl="2">
-              <a:buFont typeface="Wingdings" pitchFamily="2" charset="2"/>
+              <a:buFont typeface="Wingdings" panose="05000000000000000000" pitchFamily="2" charset="2"/>
               <a:buChar char="Ø"/>
             </a:pPr>
             <a:r>
@@ -8334,7 +7298,7 @@
           </a:p>
           <a:p>
             <a:pPr lvl="2">
-              <a:buFont typeface="Wingdings" pitchFamily="2" charset="2"/>
+              <a:buFont typeface="Wingdings" panose="05000000000000000000" pitchFamily="2" charset="2"/>
               <a:buChar char="Ø"/>
             </a:pPr>
             <a:r>
@@ -8373,13 +7337,7 @@
       </p:sp>
       <p:sp>
         <p:nvSpPr>
-          <p:cNvPr id="4" name="Datumsplatzhalter 3">
-            <a:extLst>
-              <a:ext uri="{FF2B5EF4-FFF2-40B4-BE49-F238E27FC236}">
-                <a16:creationId xmlns:a16="http://schemas.microsoft.com/office/drawing/2014/main" id="{7550ED9D-121E-C347-A986-CD2CD1420847}"/>
-              </a:ext>
-            </a:extLst>
-          </p:cNvPr>
+          <p:cNvPr id="4" name="Datumsplatzhalter 3"/>
           <p:cNvSpPr>
             <a:spLocks noGrp="1"/>
           </p:cNvSpPr>
@@ -8402,13 +7360,7 @@
       </p:sp>
       <p:sp>
         <p:nvSpPr>
-          <p:cNvPr id="5" name="Foliennummernplatzhalter 4">
-            <a:extLst>
-              <a:ext uri="{FF2B5EF4-FFF2-40B4-BE49-F238E27FC236}">
-                <a16:creationId xmlns:a16="http://schemas.microsoft.com/office/drawing/2014/main" id="{51BBB499-1F9F-E344-B156-67F484013E1B}"/>
-              </a:ext>
-            </a:extLst>
-          </p:cNvPr>
+          <p:cNvPr id="5" name="Foliennummernplatzhalter 4"/>
           <p:cNvSpPr>
             <a:spLocks noGrp="1"/>
           </p:cNvSpPr>
@@ -8430,11 +7382,6 @@
         </p:txBody>
       </p:sp>
     </p:spTree>
-    <p:extLst>
-      <p:ext uri="{BB962C8B-B14F-4D97-AF65-F5344CB8AC3E}">
-        <p14:creationId xmlns:p14="http://schemas.microsoft.com/office/powerpoint/2010/main" val="1998829397"/>
-      </p:ext>
-    </p:extLst>
   </p:cSld>
   <p:clrMapOvr>
     <a:masterClrMapping/>
@@ -8461,13 +7408,7 @@
       </p:grpSpPr>
       <p:sp>
         <p:nvSpPr>
-          <p:cNvPr id="2" name="Titel 1">
-            <a:extLst>
-              <a:ext uri="{FF2B5EF4-FFF2-40B4-BE49-F238E27FC236}">
-                <a16:creationId xmlns:a16="http://schemas.microsoft.com/office/drawing/2014/main" id="{A089165C-CD5C-2045-9295-FDE12E20EB98}"/>
-              </a:ext>
-            </a:extLst>
-          </p:cNvPr>
+          <p:cNvPr id="2" name="Titel 1"/>
           <p:cNvSpPr>
             <a:spLocks noGrp="1"/>
           </p:cNvSpPr>
@@ -8494,13 +7435,7 @@
       </p:sp>
       <p:sp>
         <p:nvSpPr>
-          <p:cNvPr id="4" name="Datumsplatzhalter 3">
-            <a:extLst>
-              <a:ext uri="{FF2B5EF4-FFF2-40B4-BE49-F238E27FC236}">
-                <a16:creationId xmlns:a16="http://schemas.microsoft.com/office/drawing/2014/main" id="{C09B25EB-5917-1B4D-A75A-B1CB01A5DD9F}"/>
-              </a:ext>
-            </a:extLst>
-          </p:cNvPr>
+          <p:cNvPr id="4" name="Datumsplatzhalter 3"/>
           <p:cNvSpPr>
             <a:spLocks noGrp="1"/>
           </p:cNvSpPr>
@@ -8523,13 +7458,7 @@
       </p:sp>
       <p:sp>
         <p:nvSpPr>
-          <p:cNvPr id="5" name="Foliennummernplatzhalter 4">
-            <a:extLst>
-              <a:ext uri="{FF2B5EF4-FFF2-40B4-BE49-F238E27FC236}">
-                <a16:creationId xmlns:a16="http://schemas.microsoft.com/office/drawing/2014/main" id="{CD8CE282-7269-0440-B754-F138AB96F411}"/>
-              </a:ext>
-            </a:extLst>
-          </p:cNvPr>
+          <p:cNvPr id="5" name="Foliennummernplatzhalter 4"/>
           <p:cNvSpPr>
             <a:spLocks noGrp="1"/>
           </p:cNvSpPr>
@@ -8552,13 +7481,7 @@
       </p:sp>
       <p:grpSp>
         <p:nvGrpSpPr>
-          <p:cNvPr id="49" name="Gruppieren 48">
-            <a:extLst>
-              <a:ext uri="{FF2B5EF4-FFF2-40B4-BE49-F238E27FC236}">
-                <a16:creationId xmlns:a16="http://schemas.microsoft.com/office/drawing/2014/main" id="{50BC5B65-6B6E-8540-8ADD-3D30C61BE0E1}"/>
-              </a:ext>
-            </a:extLst>
-          </p:cNvPr>
+          <p:cNvPr id="49" name="Gruppieren 48"/>
           <p:cNvGrpSpPr/>
           <p:nvPr/>
         </p:nvGrpSpPr>
@@ -8572,13 +7495,7 @@
         </p:grpSpPr>
         <p:sp>
           <p:nvSpPr>
-            <p:cNvPr id="10" name="Rechteck 9">
-              <a:extLst>
-                <a:ext uri="{FF2B5EF4-FFF2-40B4-BE49-F238E27FC236}">
-                  <a16:creationId xmlns:a16="http://schemas.microsoft.com/office/drawing/2014/main" id="{711B8FC1-761F-544E-94A0-F6F216FD8276}"/>
-                </a:ext>
-              </a:extLst>
-            </p:cNvPr>
+            <p:cNvPr id="10" name="Rechteck 9"/>
             <p:cNvSpPr/>
             <p:nvPr/>
           </p:nvSpPr>
@@ -8626,15 +7543,8 @@
         </p:sp>
         <p:cxnSp>
           <p:nvCxnSpPr>
-            <p:cNvPr id="12" name="Gerade Verbindung mit Pfeil 11">
-              <a:extLst>
-                <a:ext uri="{FF2B5EF4-FFF2-40B4-BE49-F238E27FC236}">
-                  <a16:creationId xmlns:a16="http://schemas.microsoft.com/office/drawing/2014/main" id="{BAF2E7A0-B242-CB4A-B68C-B2BF735FED53}"/>
-                </a:ext>
-              </a:extLst>
-            </p:cNvPr>
+            <p:cNvPr id="12" name="Gerade Verbindung mit Pfeil 11"/>
             <p:cNvCxnSpPr>
-              <a:cxnSpLocks/>
               <a:stCxn id="20" idx="3"/>
             </p:cNvCxnSpPr>
             <p:nvPr/>
@@ -8671,13 +7581,7 @@
         </p:cxnSp>
         <p:sp>
           <p:nvSpPr>
-            <p:cNvPr id="13" name="Rechteck 12">
-              <a:extLst>
-                <a:ext uri="{FF2B5EF4-FFF2-40B4-BE49-F238E27FC236}">
-                  <a16:creationId xmlns:a16="http://schemas.microsoft.com/office/drawing/2014/main" id="{390BC4D4-CC3D-4849-BFBD-B849BDA69A6B}"/>
-                </a:ext>
-              </a:extLst>
-            </p:cNvPr>
+            <p:cNvPr id="13" name="Rechteck 12"/>
             <p:cNvSpPr/>
             <p:nvPr/>
           </p:nvSpPr>
@@ -8725,16 +7629,8 @@
         </p:sp>
         <p:cxnSp>
           <p:nvCxnSpPr>
-            <p:cNvPr id="17" name="Gerade Verbindung mit Pfeil 16">
-              <a:extLst>
-                <a:ext uri="{FF2B5EF4-FFF2-40B4-BE49-F238E27FC236}">
-                  <a16:creationId xmlns:a16="http://schemas.microsoft.com/office/drawing/2014/main" id="{2211A704-D4C6-104E-A713-B94D037BDC5B}"/>
-                </a:ext>
-              </a:extLst>
-            </p:cNvPr>
-            <p:cNvCxnSpPr>
-              <a:cxnSpLocks/>
-            </p:cNvCxnSpPr>
+            <p:cNvPr id="17" name="Gerade Verbindung mit Pfeil 16"/>
+            <p:cNvCxnSpPr/>
             <p:nvPr/>
           </p:nvCxnSpPr>
           <p:spPr>
@@ -8769,15 +7665,8 @@
         </p:cxnSp>
         <p:cxnSp>
           <p:nvCxnSpPr>
-            <p:cNvPr id="19" name="Gerade Verbindung mit Pfeil 18">
-              <a:extLst>
-                <a:ext uri="{FF2B5EF4-FFF2-40B4-BE49-F238E27FC236}">
-                  <a16:creationId xmlns:a16="http://schemas.microsoft.com/office/drawing/2014/main" id="{8C0BA3D6-CA43-AE4A-A74C-82019734B0ED}"/>
-                </a:ext>
-              </a:extLst>
-            </p:cNvPr>
+            <p:cNvPr id="19" name="Gerade Verbindung mit Pfeil 18"/>
             <p:cNvCxnSpPr>
-              <a:cxnSpLocks/>
               <a:endCxn id="22" idx="1"/>
             </p:cNvCxnSpPr>
             <p:nvPr/>
@@ -8814,13 +7703,7 @@
         </p:cxnSp>
         <p:sp>
           <p:nvSpPr>
-            <p:cNvPr id="20" name="Magnetplattenspeicher 19">
-              <a:extLst>
-                <a:ext uri="{FF2B5EF4-FFF2-40B4-BE49-F238E27FC236}">
-                  <a16:creationId xmlns:a16="http://schemas.microsoft.com/office/drawing/2014/main" id="{14FF501A-2333-FB44-B76F-798567171AFC}"/>
-                </a:ext>
-              </a:extLst>
-            </p:cNvPr>
+            <p:cNvPr id="20" name="Magnetplattenspeicher 19"/>
             <p:cNvSpPr/>
             <p:nvPr/>
           </p:nvSpPr>
@@ -8872,13 +7755,7 @@
         </p:sp>
         <p:sp>
           <p:nvSpPr>
-            <p:cNvPr id="22" name="Magnetplattenspeicher 21">
-              <a:extLst>
-                <a:ext uri="{FF2B5EF4-FFF2-40B4-BE49-F238E27FC236}">
-                  <a16:creationId xmlns:a16="http://schemas.microsoft.com/office/drawing/2014/main" id="{553FD6BE-E0A7-8F41-ADD4-37BEB539A102}"/>
-                </a:ext>
-              </a:extLst>
-            </p:cNvPr>
+            <p:cNvPr id="22" name="Magnetplattenspeicher 21"/>
             <p:cNvSpPr/>
             <p:nvPr/>
           </p:nvSpPr>
@@ -8931,13 +7808,7 @@
       </p:grpSp>
       <p:grpSp>
         <p:nvGrpSpPr>
-          <p:cNvPr id="48" name="Gruppieren 47">
-            <a:extLst>
-              <a:ext uri="{FF2B5EF4-FFF2-40B4-BE49-F238E27FC236}">
-                <a16:creationId xmlns:a16="http://schemas.microsoft.com/office/drawing/2014/main" id="{F62657D1-9B31-934D-B8C7-9D2D8263F9FE}"/>
-              </a:ext>
-            </a:extLst>
-          </p:cNvPr>
+          <p:cNvPr id="48" name="Gruppieren 47"/>
           <p:cNvGrpSpPr/>
           <p:nvPr/>
         </p:nvGrpSpPr>
@@ -8951,15 +7822,8 @@
         </p:grpSpPr>
         <p:cxnSp>
           <p:nvCxnSpPr>
-            <p:cNvPr id="34" name="Gerade Verbindung mit Pfeil 33">
-              <a:extLst>
-                <a:ext uri="{FF2B5EF4-FFF2-40B4-BE49-F238E27FC236}">
-                  <a16:creationId xmlns:a16="http://schemas.microsoft.com/office/drawing/2014/main" id="{AE01C2D3-CBC3-FD4F-A14E-EFCBE611C6AB}"/>
-                </a:ext>
-              </a:extLst>
-            </p:cNvPr>
+            <p:cNvPr id="34" name="Gerade Verbindung mit Pfeil 33"/>
             <p:cNvCxnSpPr>
-              <a:cxnSpLocks/>
               <a:stCxn id="38" idx="3"/>
             </p:cNvCxnSpPr>
             <p:nvPr/>
@@ -8996,16 +7860,8 @@
         </p:cxnSp>
         <p:cxnSp>
           <p:nvCxnSpPr>
-            <p:cNvPr id="36" name="Gerade Verbindung mit Pfeil 35">
-              <a:extLst>
-                <a:ext uri="{FF2B5EF4-FFF2-40B4-BE49-F238E27FC236}">
-                  <a16:creationId xmlns:a16="http://schemas.microsoft.com/office/drawing/2014/main" id="{9C0168F4-03A3-6D42-B1D2-27396B3FA2C9}"/>
-                </a:ext>
-              </a:extLst>
-            </p:cNvPr>
-            <p:cNvCxnSpPr>
-              <a:cxnSpLocks/>
-            </p:cNvCxnSpPr>
+            <p:cNvPr id="36" name="Gerade Verbindung mit Pfeil 35"/>
+            <p:cNvCxnSpPr/>
             <p:nvPr/>
           </p:nvCxnSpPr>
           <p:spPr>
@@ -9040,15 +7896,8 @@
         </p:cxnSp>
         <p:cxnSp>
           <p:nvCxnSpPr>
-            <p:cNvPr id="37" name="Gerade Verbindung mit Pfeil 36">
-              <a:extLst>
-                <a:ext uri="{FF2B5EF4-FFF2-40B4-BE49-F238E27FC236}">
-                  <a16:creationId xmlns:a16="http://schemas.microsoft.com/office/drawing/2014/main" id="{6C940A15-6837-C844-A226-F3ED8D86EBDF}"/>
-                </a:ext>
-              </a:extLst>
-            </p:cNvPr>
+            <p:cNvPr id="37" name="Gerade Verbindung mit Pfeil 36"/>
             <p:cNvCxnSpPr>
-              <a:cxnSpLocks/>
               <a:endCxn id="39" idx="1"/>
             </p:cNvCxnSpPr>
             <p:nvPr/>
@@ -9085,13 +7934,7 @@
         </p:cxnSp>
         <p:sp>
           <p:nvSpPr>
-            <p:cNvPr id="38" name="Magnetplattenspeicher 37">
-              <a:extLst>
-                <a:ext uri="{FF2B5EF4-FFF2-40B4-BE49-F238E27FC236}">
-                  <a16:creationId xmlns:a16="http://schemas.microsoft.com/office/drawing/2014/main" id="{C4CC4EB9-44C2-724C-80E8-FCB68153CF22}"/>
-                </a:ext>
-              </a:extLst>
-            </p:cNvPr>
+            <p:cNvPr id="38" name="Magnetplattenspeicher 37"/>
             <p:cNvSpPr/>
             <p:nvPr/>
           </p:nvSpPr>
@@ -9146,13 +7989,7 @@
         </p:sp>
         <p:sp>
           <p:nvSpPr>
-            <p:cNvPr id="39" name="Magnetplattenspeicher 38">
-              <a:extLst>
-                <a:ext uri="{FF2B5EF4-FFF2-40B4-BE49-F238E27FC236}">
-                  <a16:creationId xmlns:a16="http://schemas.microsoft.com/office/drawing/2014/main" id="{7EB5F857-1B30-CC43-AAA6-EA9B0F6F462B}"/>
-                </a:ext>
-              </a:extLst>
-            </p:cNvPr>
+            <p:cNvPr id="39" name="Magnetplattenspeicher 38"/>
             <p:cNvSpPr/>
             <p:nvPr/>
           </p:nvSpPr>
@@ -9215,13 +8052,7 @@
       </p:grpSp>
       <p:grpSp>
         <p:nvGrpSpPr>
-          <p:cNvPr id="47" name="Gruppieren 46">
-            <a:extLst>
-              <a:ext uri="{FF2B5EF4-FFF2-40B4-BE49-F238E27FC236}">
-                <a16:creationId xmlns:a16="http://schemas.microsoft.com/office/drawing/2014/main" id="{7B578A4F-0B13-E44C-B846-3BFF348FE658}"/>
-              </a:ext>
-            </a:extLst>
-          </p:cNvPr>
+          <p:cNvPr id="47" name="Gruppieren 46"/>
           <p:cNvGrpSpPr/>
           <p:nvPr/>
         </p:nvGrpSpPr>
@@ -9235,15 +8066,8 @@
         </p:grpSpPr>
         <p:cxnSp>
           <p:nvCxnSpPr>
-            <p:cNvPr id="41" name="Gerade Verbindung mit Pfeil 40">
-              <a:extLst>
-                <a:ext uri="{FF2B5EF4-FFF2-40B4-BE49-F238E27FC236}">
-                  <a16:creationId xmlns:a16="http://schemas.microsoft.com/office/drawing/2014/main" id="{2DF96B12-0D6F-5D47-A577-E2B0B5744009}"/>
-                </a:ext>
-              </a:extLst>
-            </p:cNvPr>
+            <p:cNvPr id="41" name="Gerade Verbindung mit Pfeil 40"/>
             <p:cNvCxnSpPr>
-              <a:cxnSpLocks/>
               <a:stCxn id="45" idx="3"/>
             </p:cNvCxnSpPr>
             <p:nvPr/>
@@ -9280,16 +8104,8 @@
         </p:cxnSp>
         <p:cxnSp>
           <p:nvCxnSpPr>
-            <p:cNvPr id="43" name="Gerade Verbindung mit Pfeil 42">
-              <a:extLst>
-                <a:ext uri="{FF2B5EF4-FFF2-40B4-BE49-F238E27FC236}">
-                  <a16:creationId xmlns:a16="http://schemas.microsoft.com/office/drawing/2014/main" id="{E304252C-AC54-074A-99E7-5D861B315A96}"/>
-                </a:ext>
-              </a:extLst>
-            </p:cNvPr>
-            <p:cNvCxnSpPr>
-              <a:cxnSpLocks/>
-            </p:cNvCxnSpPr>
+            <p:cNvPr id="43" name="Gerade Verbindung mit Pfeil 42"/>
+            <p:cNvCxnSpPr/>
             <p:nvPr/>
           </p:nvCxnSpPr>
           <p:spPr>
@@ -9324,15 +8140,8 @@
         </p:cxnSp>
         <p:cxnSp>
           <p:nvCxnSpPr>
-            <p:cNvPr id="44" name="Gerade Verbindung mit Pfeil 43">
-              <a:extLst>
-                <a:ext uri="{FF2B5EF4-FFF2-40B4-BE49-F238E27FC236}">
-                  <a16:creationId xmlns:a16="http://schemas.microsoft.com/office/drawing/2014/main" id="{E7021CD6-C88B-DB41-A81F-BBFCBAB7955F}"/>
-                </a:ext>
-              </a:extLst>
-            </p:cNvPr>
+            <p:cNvPr id="44" name="Gerade Verbindung mit Pfeil 43"/>
             <p:cNvCxnSpPr>
-              <a:cxnSpLocks/>
               <a:endCxn id="46" idx="1"/>
             </p:cNvCxnSpPr>
             <p:nvPr/>
@@ -9369,13 +8178,7 @@
         </p:cxnSp>
         <p:sp>
           <p:nvSpPr>
-            <p:cNvPr id="45" name="Magnetplattenspeicher 44">
-              <a:extLst>
-                <a:ext uri="{FF2B5EF4-FFF2-40B4-BE49-F238E27FC236}">
-                  <a16:creationId xmlns:a16="http://schemas.microsoft.com/office/drawing/2014/main" id="{C97CCC27-1269-3E44-9337-39DF24671715}"/>
-                </a:ext>
-              </a:extLst>
-            </p:cNvPr>
+            <p:cNvPr id="45" name="Magnetplattenspeicher 44"/>
             <p:cNvSpPr/>
             <p:nvPr/>
           </p:nvSpPr>
@@ -9430,13 +8233,7 @@
         </p:sp>
         <p:sp>
           <p:nvSpPr>
-            <p:cNvPr id="46" name="Magnetplattenspeicher 45">
-              <a:extLst>
-                <a:ext uri="{FF2B5EF4-FFF2-40B4-BE49-F238E27FC236}">
-                  <a16:creationId xmlns:a16="http://schemas.microsoft.com/office/drawing/2014/main" id="{906134C0-2878-5D40-96D6-000A7CA474E5}"/>
-                </a:ext>
-              </a:extLst>
-            </p:cNvPr>
+            <p:cNvPr id="46" name="Magnetplattenspeicher 45"/>
             <p:cNvSpPr/>
             <p:nvPr/>
           </p:nvSpPr>
@@ -9492,15 +8289,8 @@
       </p:grpSp>
       <p:cxnSp>
         <p:nvCxnSpPr>
-          <p:cNvPr id="66" name="Gewinkelte Verbindung 65">
-            <a:extLst>
-              <a:ext uri="{FF2B5EF4-FFF2-40B4-BE49-F238E27FC236}">
-                <a16:creationId xmlns:a16="http://schemas.microsoft.com/office/drawing/2014/main" id="{B57BABDA-AB13-E84B-8322-AB0426692A4D}"/>
-              </a:ext>
-            </a:extLst>
-          </p:cNvPr>
+          <p:cNvPr id="66" name="Gewinkelte Verbindung 65"/>
           <p:cNvCxnSpPr>
-            <a:cxnSpLocks/>
             <a:stCxn id="22" idx="3"/>
           </p:cNvCxnSpPr>
           <p:nvPr/>
@@ -9534,15 +8324,8 @@
       </p:cxnSp>
       <p:cxnSp>
         <p:nvCxnSpPr>
-          <p:cNvPr id="67" name="Gewinkelte Verbindung 66">
-            <a:extLst>
-              <a:ext uri="{FF2B5EF4-FFF2-40B4-BE49-F238E27FC236}">
-                <a16:creationId xmlns:a16="http://schemas.microsoft.com/office/drawing/2014/main" id="{0A9A178A-613E-634A-A3FF-6E55F03A4CCB}"/>
-              </a:ext>
-            </a:extLst>
-          </p:cNvPr>
+          <p:cNvPr id="67" name="Gewinkelte Verbindung 66"/>
           <p:cNvCxnSpPr>
-            <a:cxnSpLocks/>
             <a:stCxn id="39" idx="3"/>
           </p:cNvCxnSpPr>
           <p:nvPr/>
@@ -9576,15 +8359,8 @@
       </p:cxnSp>
       <p:cxnSp>
         <p:nvCxnSpPr>
-          <p:cNvPr id="70" name="Gewinkelte Verbindung 69">
-            <a:extLst>
-              <a:ext uri="{FF2B5EF4-FFF2-40B4-BE49-F238E27FC236}">
-                <a16:creationId xmlns:a16="http://schemas.microsoft.com/office/drawing/2014/main" id="{240A29BC-1E4D-7E4D-9FC5-5615B70184B2}"/>
-              </a:ext>
-            </a:extLst>
-          </p:cNvPr>
+          <p:cNvPr id="70" name="Gewinkelte Verbindung 69"/>
           <p:cNvCxnSpPr>
-            <a:cxnSpLocks/>
             <a:stCxn id="46" idx="3"/>
           </p:cNvCxnSpPr>
           <p:nvPr/>
@@ -9618,13 +8394,7 @@
       </p:cxnSp>
       <p:sp>
         <p:nvSpPr>
-          <p:cNvPr id="73" name="Textfeld 72">
-            <a:extLst>
-              <a:ext uri="{FF2B5EF4-FFF2-40B4-BE49-F238E27FC236}">
-                <a16:creationId xmlns:a16="http://schemas.microsoft.com/office/drawing/2014/main" id="{E8AF528A-108A-D947-81F1-D01AB090B059}"/>
-              </a:ext>
-            </a:extLst>
-          </p:cNvPr>
+          <p:cNvPr id="73" name="Textfeld 72"/>
           <p:cNvSpPr txBox="1"/>
           <p:nvPr/>
         </p:nvSpPr>
@@ -9653,13 +8423,7 @@
       </p:sp>
       <p:grpSp>
         <p:nvGrpSpPr>
-          <p:cNvPr id="74" name="Gruppieren 73">
-            <a:extLst>
-              <a:ext uri="{FF2B5EF4-FFF2-40B4-BE49-F238E27FC236}">
-                <a16:creationId xmlns:a16="http://schemas.microsoft.com/office/drawing/2014/main" id="{5695902B-A591-374F-9D40-16AD5A8B8C0A}"/>
-              </a:ext>
-            </a:extLst>
-          </p:cNvPr>
+          <p:cNvPr id="74" name="Gruppieren 73"/>
           <p:cNvGrpSpPr/>
           <p:nvPr/>
         </p:nvGrpSpPr>
@@ -9676,13 +8440,7 @@
         </p:grpSpPr>
         <p:sp>
           <p:nvSpPr>
-            <p:cNvPr id="75" name="Parallelogramm 74">
-              <a:extLst>
-                <a:ext uri="{FF2B5EF4-FFF2-40B4-BE49-F238E27FC236}">
-                  <a16:creationId xmlns:a16="http://schemas.microsoft.com/office/drawing/2014/main" id="{7431C41F-8D19-8F4D-9718-3176AE0E38DB}"/>
-                </a:ext>
-              </a:extLst>
-            </p:cNvPr>
+            <p:cNvPr id="75" name="Parallelogramm 74"/>
             <p:cNvSpPr/>
             <p:nvPr/>
           </p:nvSpPr>
@@ -9728,13 +8486,7 @@
         </p:sp>
         <p:sp>
           <p:nvSpPr>
-            <p:cNvPr id="76" name="Parallelogramm 75">
-              <a:extLst>
-                <a:ext uri="{FF2B5EF4-FFF2-40B4-BE49-F238E27FC236}">
-                  <a16:creationId xmlns:a16="http://schemas.microsoft.com/office/drawing/2014/main" id="{9D197670-1879-C845-8FDE-A53AC42B1A0F}"/>
-                </a:ext>
-              </a:extLst>
-            </p:cNvPr>
+            <p:cNvPr id="76" name="Parallelogramm 75"/>
             <p:cNvSpPr/>
             <p:nvPr/>
           </p:nvSpPr>
@@ -9786,13 +8538,7 @@
         </p:sp>
         <p:sp>
           <p:nvSpPr>
-            <p:cNvPr id="77" name="Parallelogramm 76">
-              <a:extLst>
-                <a:ext uri="{FF2B5EF4-FFF2-40B4-BE49-F238E27FC236}">
-                  <a16:creationId xmlns:a16="http://schemas.microsoft.com/office/drawing/2014/main" id="{3A68DF21-B6B6-EC4E-AFE7-330D4064B2F0}"/>
-                </a:ext>
-              </a:extLst>
-            </p:cNvPr>
+            <p:cNvPr id="77" name="Parallelogramm 76"/>
             <p:cNvSpPr/>
             <p:nvPr/>
           </p:nvSpPr>
@@ -9845,15 +8591,8 @@
       </p:grpSp>
       <p:cxnSp>
         <p:nvCxnSpPr>
-          <p:cNvPr id="83" name="Gerade Verbindung mit Pfeil 82">
-            <a:extLst>
-              <a:ext uri="{FF2B5EF4-FFF2-40B4-BE49-F238E27FC236}">
-                <a16:creationId xmlns:a16="http://schemas.microsoft.com/office/drawing/2014/main" id="{D35F7E75-9AA8-0045-8DAE-54207A82797F}"/>
-              </a:ext>
-            </a:extLst>
-          </p:cNvPr>
+          <p:cNvPr id="83" name="Gerade Verbindung mit Pfeil 82"/>
           <p:cNvCxnSpPr>
-            <a:cxnSpLocks/>
             <a:stCxn id="75" idx="2"/>
             <a:endCxn id="84" idx="0"/>
           </p:cNvCxnSpPr>
@@ -9888,13 +8627,7 @@
       </p:cxnSp>
       <p:sp>
         <p:nvSpPr>
-          <p:cNvPr id="84" name="Textfeld 83">
-            <a:extLst>
-              <a:ext uri="{FF2B5EF4-FFF2-40B4-BE49-F238E27FC236}">
-                <a16:creationId xmlns:a16="http://schemas.microsoft.com/office/drawing/2014/main" id="{2C175D5F-EC9B-114D-82A5-84D20BA96853}"/>
-              </a:ext>
-            </a:extLst>
-          </p:cNvPr>
+          <p:cNvPr id="84" name="Textfeld 83"/>
           <p:cNvSpPr txBox="1"/>
           <p:nvPr/>
         </p:nvSpPr>
@@ -9931,15 +8664,8 @@
       </p:sp>
       <p:cxnSp>
         <p:nvCxnSpPr>
-          <p:cNvPr id="92" name="Gewinkelte Verbindung 91">
-            <a:extLst>
-              <a:ext uri="{FF2B5EF4-FFF2-40B4-BE49-F238E27FC236}">
-                <a16:creationId xmlns:a16="http://schemas.microsoft.com/office/drawing/2014/main" id="{60650705-52CE-4A4B-9B35-4A9D688DBBF0}"/>
-              </a:ext>
-            </a:extLst>
-          </p:cNvPr>
+          <p:cNvPr id="92" name="Gewinkelte Verbindung 91"/>
           <p:cNvCxnSpPr>
-            <a:cxnSpLocks/>
             <a:stCxn id="84" idx="2"/>
           </p:cNvCxnSpPr>
           <p:nvPr/>
@@ -9975,13 +8701,7 @@
       </p:cxnSp>
       <p:sp>
         <p:nvSpPr>
-          <p:cNvPr id="103" name="Textfeld 102">
-            <a:extLst>
-              <a:ext uri="{FF2B5EF4-FFF2-40B4-BE49-F238E27FC236}">
-                <a16:creationId xmlns:a16="http://schemas.microsoft.com/office/drawing/2014/main" id="{6755B08C-F3F9-9444-997B-00927640E251}"/>
-              </a:ext>
-            </a:extLst>
-          </p:cNvPr>
+          <p:cNvPr id="103" name="Textfeld 102"/>
           <p:cNvSpPr txBox="1"/>
           <p:nvPr/>
         </p:nvSpPr>
@@ -10010,13 +8730,7 @@
       </p:sp>
       <p:sp>
         <p:nvSpPr>
-          <p:cNvPr id="104" name="Zylinder 103">
-            <a:extLst>
-              <a:ext uri="{FF2B5EF4-FFF2-40B4-BE49-F238E27FC236}">
-                <a16:creationId xmlns:a16="http://schemas.microsoft.com/office/drawing/2014/main" id="{605EA8C1-53C6-8A46-AC95-258229CF2EF3}"/>
-              </a:ext>
-            </a:extLst>
-          </p:cNvPr>
+          <p:cNvPr id="104" name="Zylinder 103"/>
           <p:cNvSpPr/>
           <p:nvPr/>
         </p:nvSpPr>
@@ -10059,13 +8773,7 @@
       </p:sp>
       <p:cxnSp>
         <p:nvCxnSpPr>
-          <p:cNvPr id="109" name="Gerade Verbindung mit Pfeil 108">
-            <a:extLst>
-              <a:ext uri="{FF2B5EF4-FFF2-40B4-BE49-F238E27FC236}">
-                <a16:creationId xmlns:a16="http://schemas.microsoft.com/office/drawing/2014/main" id="{AC11F73F-7231-DA46-8160-3E335D7CB9C1}"/>
-              </a:ext>
-            </a:extLst>
-          </p:cNvPr>
+          <p:cNvPr id="109" name="Gerade Verbindung mit Pfeil 108"/>
           <p:cNvCxnSpPr>
             <a:stCxn id="104" idx="4"/>
             <a:endCxn id="106" idx="1"/>
@@ -10101,13 +8809,7 @@
       </p:cxnSp>
       <p:grpSp>
         <p:nvGrpSpPr>
-          <p:cNvPr id="115" name="Gruppieren 114">
-            <a:extLst>
-              <a:ext uri="{FF2B5EF4-FFF2-40B4-BE49-F238E27FC236}">
-                <a16:creationId xmlns:a16="http://schemas.microsoft.com/office/drawing/2014/main" id="{59C96750-6836-A04E-947C-E137EDCFB4A6}"/>
-              </a:ext>
-            </a:extLst>
-          </p:cNvPr>
+          <p:cNvPr id="115" name="Gruppieren 114"/>
           <p:cNvGrpSpPr/>
           <p:nvPr/>
         </p:nvGrpSpPr>
@@ -10122,13 +8824,7 @@
         </p:grpSpPr>
         <p:sp>
           <p:nvSpPr>
-            <p:cNvPr id="105" name="Zylinder 104">
-              <a:extLst>
-                <a:ext uri="{FF2B5EF4-FFF2-40B4-BE49-F238E27FC236}">
-                  <a16:creationId xmlns:a16="http://schemas.microsoft.com/office/drawing/2014/main" id="{B06BB9F4-9642-F243-9519-48914CD45F73}"/>
-                </a:ext>
-              </a:extLst>
-            </p:cNvPr>
+            <p:cNvPr id="105" name="Zylinder 104"/>
             <p:cNvSpPr/>
             <p:nvPr/>
           </p:nvSpPr>
@@ -10183,13 +8879,7 @@
         </p:sp>
         <p:sp>
           <p:nvSpPr>
-            <p:cNvPr id="106" name="Rechteck 105">
-              <a:extLst>
-                <a:ext uri="{FF2B5EF4-FFF2-40B4-BE49-F238E27FC236}">
-                  <a16:creationId xmlns:a16="http://schemas.microsoft.com/office/drawing/2014/main" id="{3DE603C6-B355-334B-B46D-C835ED743321}"/>
-                </a:ext>
-              </a:extLst>
-            </p:cNvPr>
+            <p:cNvPr id="106" name="Rechteck 105"/>
             <p:cNvSpPr/>
             <p:nvPr/>
           </p:nvSpPr>
@@ -10244,15 +8934,8 @@
         </p:sp>
         <p:cxnSp>
           <p:nvCxnSpPr>
-            <p:cNvPr id="110" name="Gerade Verbindung mit Pfeil 109">
-              <a:extLst>
-                <a:ext uri="{FF2B5EF4-FFF2-40B4-BE49-F238E27FC236}">
-                  <a16:creationId xmlns:a16="http://schemas.microsoft.com/office/drawing/2014/main" id="{282F7FA3-A3AE-0446-8EFA-263584FB00C5}"/>
-                </a:ext>
-              </a:extLst>
-            </p:cNvPr>
+            <p:cNvPr id="110" name="Gerade Verbindung mit Pfeil 109"/>
             <p:cNvCxnSpPr>
-              <a:cxnSpLocks/>
               <a:stCxn id="106" idx="3"/>
               <a:endCxn id="105" idx="2"/>
             </p:cNvCxnSpPr>
@@ -10292,13 +8975,7 @@
         </p:cxnSp>
         <p:sp>
           <p:nvSpPr>
-            <p:cNvPr id="113" name="Rechteck 112">
-              <a:extLst>
-                <a:ext uri="{FF2B5EF4-FFF2-40B4-BE49-F238E27FC236}">
-                  <a16:creationId xmlns:a16="http://schemas.microsoft.com/office/drawing/2014/main" id="{C1AB21DE-4F36-B34D-8953-B47BE6333286}"/>
-                </a:ext>
-              </a:extLst>
-            </p:cNvPr>
+            <p:cNvPr id="113" name="Rechteck 112"/>
             <p:cNvSpPr/>
             <p:nvPr/>
           </p:nvSpPr>
@@ -10347,11 +9024,6 @@
         </p:sp>
       </p:grpSp>
     </p:spTree>
-    <p:extLst>
-      <p:ext uri="{BB962C8B-B14F-4D97-AF65-F5344CB8AC3E}">
-        <p14:creationId xmlns:p14="http://schemas.microsoft.com/office/powerpoint/2010/main" val="79937012"/>
-      </p:ext>
-    </p:extLst>
   </p:cSld>
   <p:clrMapOvr>
     <a:masterClrMapping/>
@@ -10402,7 +9074,7 @@
     </a:clrScheme>
     <a:fontScheme name="Arial">
       <a:majorFont>
-        <a:latin typeface="Arial" panose="020B0604020202020204"/>
+        <a:latin typeface="Arial"/>
         <a:ea typeface=""/>
         <a:cs typeface=""/>
         <a:font script="Jpan" typeface="ＭＳ Ｐゴシック"/>
@@ -10437,7 +9109,7 @@
         <a:font script="Geor" typeface="Sylfaen"/>
       </a:majorFont>
       <a:minorFont>
-        <a:latin typeface="Arial" panose="020B0604020202020204"/>
+        <a:latin typeface="Arial"/>
         <a:ea typeface=""/>
         <a:cs typeface=""/>
         <a:font script="Jpan" typeface="ＭＳ Ｐゴシック"/>
@@ -10614,7 +9286,7 @@
   <a:extraClrSchemeLst/>
   <a:extLst>
     <a:ext uri="{05A4C25C-085E-4340-85A3-A5531E510DB2}">
-      <thm15:themeFamily xmlns:thm15="http://schemas.microsoft.com/office/thememl/2012/main" name="SDQ_Presentation_Template_16_9.potx" id="{BB782F5F-BB01-414E-8427-AEB577D3775E}" vid="{4F00B428-522E-41FF-8F92-F565E7806004}"/>
+      <thm15:themeFamily xmlns:thm15="http://schemas.microsoft.com/office/thememl/2012/main" name="Office Theme" id="{62F939B6-93AF-4DB8-9C6B-D6C7DFDC589F}" vid="{4A3C46E8-61CC-4603-A589-7422A47A8E4A}"/>
     </a:ext>
   </a:extLst>
 </a:theme>
@@ -10663,7 +9335,7 @@
     </a:clrScheme>
     <a:fontScheme name="Office">
       <a:majorFont>
-        <a:latin typeface="Calibri Light" panose="020F0302020204030204"/>
+        <a:latin typeface="Calibri Light"/>
         <a:ea typeface=""/>
         <a:cs typeface=""/>
         <a:font script="Jpan" typeface="游ゴシック Light"/>
@@ -10696,26 +9368,9 @@
         <a:font script="Viet" typeface="Times New Roman"/>
         <a:font script="Uigh" typeface="Microsoft Uighur"/>
         <a:font script="Geor" typeface="Sylfaen"/>
-        <a:font script="Armn" typeface="Arial"/>
-        <a:font script="Bugi" typeface="Leelawadee UI"/>
-        <a:font script="Bopo" typeface="Microsoft JhengHei"/>
-        <a:font script="Java" typeface="Javanese Text"/>
-        <a:font script="Lisu" typeface="Segoe UI"/>
-        <a:font script="Mymr" typeface="Myanmar Text"/>
-        <a:font script="Nkoo" typeface="Ebrima"/>
-        <a:font script="Olck" typeface="Nirmala UI"/>
-        <a:font script="Osma" typeface="Ebrima"/>
-        <a:font script="Phag" typeface="Phagspa"/>
-        <a:font script="Syrn" typeface="Estrangelo Edessa"/>
-        <a:font script="Syrj" typeface="Estrangelo Edessa"/>
-        <a:font script="Syre" typeface="Estrangelo Edessa"/>
-        <a:font script="Sora" typeface="Nirmala UI"/>
-        <a:font script="Tale" typeface="Microsoft Tai Le"/>
-        <a:font script="Talu" typeface="Microsoft New Tai Lue"/>
-        <a:font script="Tfng" typeface="Ebrima"/>
       </a:majorFont>
       <a:minorFont>
-        <a:latin typeface="Calibri" panose="020F0502020204030204"/>
+        <a:latin typeface="Calibri"/>
         <a:ea typeface=""/>
         <a:cs typeface=""/>
         <a:font script="Jpan" typeface="游ゴシック"/>
@@ -10748,23 +9403,6 @@
         <a:font script="Viet" typeface="Arial"/>
         <a:font script="Uigh" typeface="Microsoft Uighur"/>
         <a:font script="Geor" typeface="Sylfaen"/>
-        <a:font script="Armn" typeface="Arial"/>
-        <a:font script="Bugi" typeface="Leelawadee UI"/>
-        <a:font script="Bopo" typeface="Microsoft JhengHei"/>
-        <a:font script="Java" typeface="Javanese Text"/>
-        <a:font script="Lisu" typeface="Segoe UI"/>
-        <a:font script="Mymr" typeface="Myanmar Text"/>
-        <a:font script="Nkoo" typeface="Ebrima"/>
-        <a:font script="Olck" typeface="Nirmala UI"/>
-        <a:font script="Osma" typeface="Ebrima"/>
-        <a:font script="Phag" typeface="Phagspa"/>
-        <a:font script="Syrn" typeface="Estrangelo Edessa"/>
-        <a:font script="Syrj" typeface="Estrangelo Edessa"/>
-        <a:font script="Syre" typeface="Estrangelo Edessa"/>
-        <a:font script="Sora" typeface="Nirmala UI"/>
-        <a:font script="Tale" typeface="Microsoft Tai Le"/>
-        <a:font script="Talu" typeface="Microsoft New Tai Lue"/>
-        <a:font script="Tfng" typeface="Ebrima"/>
       </a:minorFont>
     </a:fontScheme>
     <a:fmtScheme name="Office">

--- a/CO2Storage.pptx
+++ b/CO2Storage.pptx
@@ -5,7 +5,7 @@
     <p:sldMasterId id="2147483648" r:id="rId1"/>
   </p:sldMasterIdLst>
   <p:notesMasterIdLst>
-    <p:notesMasterId r:id="rId12"/>
+    <p:notesMasterId r:id="rId10"/>
   </p:notesMasterIdLst>
   <p:sldIdLst>
     <p:sldId id="256" r:id="rId2"/>
@@ -13,11 +13,9 @@
     <p:sldId id="258" r:id="rId4"/>
     <p:sldId id="264" r:id="rId5"/>
     <p:sldId id="266" r:id="rId6"/>
-    <p:sldId id="265" r:id="rId7"/>
-    <p:sldId id="260" r:id="rId8"/>
-    <p:sldId id="261" r:id="rId9"/>
-    <p:sldId id="268" r:id="rId10"/>
-    <p:sldId id="262" r:id="rId11"/>
+    <p:sldId id="260" r:id="rId7"/>
+    <p:sldId id="261" r:id="rId8"/>
+    <p:sldId id="268" r:id="rId9"/>
   </p:sldIdLst>
   <p:sldSz cx="12192000" cy="6858000"/>
   <p:notesSz cx="6858000" cy="9144000"/>
@@ -216,7 +214,7 @@
           <a:p>
             <a:fld id="{FA8F02CA-77CB-4E54-B712-21E588799EE8}" type="datetimeFigureOut">
               <a:rPr lang="de-DE" smtClean="0"/>
-              <a:t>21.06.21</a:t>
+              <a:t>30.06.21</a:t>
             </a:fld>
             <a:endParaRPr lang="de-DE"/>
           </a:p>
@@ -933,7 +931,7 @@
           <a:p>
             <a:fld id="{1BF58E3C-4A48-43C3-8C81-A365604B77A0}" type="datetime3">
               <a:rPr lang="en-US" smtClean="0"/>
-              <a:t>21 June 2021</a:t>
+              <a:t>30 June 2021</a:t>
             </a:fld>
             <a:endParaRPr lang="de-DE"/>
           </a:p>
@@ -1157,7 +1155,7 @@
           <a:p>
             <a:fld id="{5DA52E5A-2C37-42FE-B29A-44C9B7BF267E}" type="datetime3">
               <a:rPr lang="en-US" smtClean="0"/>
-              <a:t>21 June 2021</a:t>
+              <a:t>30 June 2021</a:t>
             </a:fld>
             <a:endParaRPr lang="de-DE"/>
           </a:p>
@@ -1322,7 +1320,7 @@
           <a:p>
             <a:fld id="{7C6BFBC4-F565-4C2D-A740-CCD0BFEDCA36}" type="datetime3">
               <a:rPr lang="en-US" noProof="0" smtClean="0"/>
-              <a:t>21 June 2021</a:t>
+              <a:t>30 June 2021</a:t>
             </a:fld>
             <a:endParaRPr lang="en-US" noProof="0"/>
           </a:p>
@@ -1544,7 +1542,7 @@
           <a:p>
             <a:fld id="{8F87D2EB-CEE0-4D89-AD56-9C07C1039DB8}" type="datetime3">
               <a:rPr lang="en-US" smtClean="0"/>
-              <a:t>21 June 2021</a:t>
+              <a:t>30 June 2021</a:t>
             </a:fld>
             <a:endParaRPr lang="de-DE"/>
           </a:p>
@@ -1884,7 +1882,7 @@
           <a:p>
             <a:fld id="{C3D90ADC-C95A-409F-92B8-2C0EDC4438AC}" type="datetime3">
               <a:rPr lang="en-US" smtClean="0"/>
-              <a:t>21 June 2021</a:t>
+              <a:t>30 June 2021</a:t>
             </a:fld>
             <a:endParaRPr lang="de-DE"/>
           </a:p>
@@ -2331,7 +2329,7 @@
           <a:p>
             <a:fld id="{D7F841E3-60F5-4CA5-95A9-CFA13B564585}" type="datetime3">
               <a:rPr lang="en-US" smtClean="0"/>
-              <a:t>21 June 2021</a:t>
+              <a:t>30 June 2021</a:t>
             </a:fld>
             <a:endParaRPr lang="de-DE"/>
           </a:p>
@@ -2489,7 +2487,7 @@
           <a:p>
             <a:fld id="{6BF73126-0150-4921-9C1C-1FAE8AF260B6}" type="datetime3">
               <a:rPr lang="en-US" smtClean="0"/>
-              <a:t>21 June 2021</a:t>
+              <a:t>30 June 2021</a:t>
             </a:fld>
             <a:endParaRPr lang="de-DE"/>
           </a:p>
@@ -2560,7 +2558,7 @@
           <a:p>
             <a:fld id="{CEFB506B-D846-4657-8348-A81F9E0CFEA5}" type="datetime3">
               <a:rPr lang="en-US" smtClean="0"/>
-              <a:t>21 June 2021</a:t>
+              <a:t>30 June 2021</a:t>
             </a:fld>
             <a:endParaRPr lang="de-DE"/>
           </a:p>
@@ -2829,7 +2827,7 @@
           <a:p>
             <a:fld id="{D0313402-C14C-41F3-A233-BBE4E74AEAB7}" type="datetime3">
               <a:rPr lang="en-US" smtClean="0"/>
-              <a:t>21 June 2021</a:t>
+              <a:t>30 June 2021</a:t>
             </a:fld>
             <a:endParaRPr lang="de-DE"/>
           </a:p>
@@ -3098,7 +3096,7 @@
           <a:p>
             <a:fld id="{82E9ADAB-9574-4EB4-837E-EA92064005A6}" type="datetime3">
               <a:rPr lang="en-US" smtClean="0"/>
-              <a:t>21 June 2021</a:t>
+              <a:t>30 June 2021</a:t>
             </a:fld>
             <a:endParaRPr lang="de-DE"/>
           </a:p>
@@ -3316,7 +3314,7 @@
           <a:p>
             <a:fld id="{D440409C-9897-4940-8DB3-931E759C1E19}" type="datetime3">
               <a:rPr lang="en-US" noProof="0" smtClean="0"/>
-              <a:t>21 June 2021</a:t>
+              <a:t>30 June 2021</a:t>
             </a:fld>
             <a:endParaRPr lang="en-US" noProof="0"/>
           </a:p>
@@ -3898,133 +3896,6 @@
 </p:sld>
 </file>
 
-<file path=ppt/slides/slide10.xml><?xml version="1.0" encoding="utf-8"?>
-<p:sld xmlns:a="http://schemas.openxmlformats.org/drawingml/2006/main" xmlns:r="http://schemas.openxmlformats.org/officeDocument/2006/relationships" xmlns:p="http://schemas.openxmlformats.org/presentationml/2006/main">
-  <p:cSld>
-    <p:spTree>
-      <p:nvGrpSpPr>
-        <p:cNvPr id="1" name=""/>
-        <p:cNvGrpSpPr/>
-        <p:nvPr/>
-      </p:nvGrpSpPr>
-      <p:grpSpPr>
-        <a:xfrm>
-          <a:off x="0" y="0"/>
-          <a:ext cx="0" cy="0"/>
-          <a:chOff x="0" y="0"/>
-          <a:chExt cx="0" cy="0"/>
-        </a:xfrm>
-      </p:grpSpPr>
-      <p:sp>
-        <p:nvSpPr>
-          <p:cNvPr id="2" name="Titel 1"/>
-          <p:cNvSpPr>
-            <a:spLocks noGrp="1"/>
-          </p:cNvSpPr>
-          <p:nvPr>
-            <p:ph type="title"/>
-          </p:nvPr>
-        </p:nvSpPr>
-        <p:spPr/>
-        <p:txBody>
-          <a:bodyPr/>
-          <a:lstStyle/>
-          <a:p>
-            <a:r>
-              <a:rPr lang="en-US" dirty="0"/>
-              <a:t>Question</a:t>
-            </a:r>
-          </a:p>
-        </p:txBody>
-      </p:sp>
-      <p:sp>
-        <p:nvSpPr>
-          <p:cNvPr id="3" name="Inhaltsplatzhalter 2"/>
-          <p:cNvSpPr>
-            <a:spLocks noGrp="1"/>
-          </p:cNvSpPr>
-          <p:nvPr>
-            <p:ph idx="1"/>
-          </p:nvPr>
-        </p:nvSpPr>
-        <p:spPr/>
-        <p:txBody>
-          <a:bodyPr/>
-          <a:lstStyle/>
-          <a:p>
-            <a:r>
-              <a:rPr lang="en-US" dirty="0"/>
-              <a:t>Which attributes in Polygon Map do we need?</a:t>
-            </a:r>
-          </a:p>
-          <a:p>
-            <a:endParaRPr lang="en-US" dirty="0"/>
-          </a:p>
-          <a:p>
-            <a:r>
-              <a:rPr lang="en-US" dirty="0"/>
-              <a:t>Missing value filling algorithm make sense?</a:t>
-            </a:r>
-          </a:p>
-          <a:p>
-            <a:endParaRPr lang="en-US" dirty="0"/>
-          </a:p>
-        </p:txBody>
-      </p:sp>
-      <p:sp>
-        <p:nvSpPr>
-          <p:cNvPr id="4" name="Datumsplatzhalter 3"/>
-          <p:cNvSpPr>
-            <a:spLocks noGrp="1"/>
-          </p:cNvSpPr>
-          <p:nvPr>
-            <p:ph type="dt" sz="half" idx="10"/>
-          </p:nvPr>
-        </p:nvSpPr>
-        <p:spPr/>
-        <p:txBody>
-          <a:bodyPr/>
-          <a:lstStyle/>
-          <a:p>
-            <a:fld id="{7C6BFBC4-F565-4C2D-A740-CCD0BFEDCA36}" type="datetime3">
-              <a:rPr lang="en-US" noProof="0" smtClean="0"/>
-              <a:t>21 June 2021</a:t>
-            </a:fld>
-            <a:endParaRPr lang="en-US" noProof="0"/>
-          </a:p>
-        </p:txBody>
-      </p:sp>
-      <p:sp>
-        <p:nvSpPr>
-          <p:cNvPr id="5" name="Foliennummernplatzhalter 4"/>
-          <p:cNvSpPr>
-            <a:spLocks noGrp="1"/>
-          </p:cNvSpPr>
-          <p:nvPr>
-            <p:ph type="sldNum" sz="quarter" idx="12"/>
-          </p:nvPr>
-        </p:nvSpPr>
-        <p:spPr/>
-        <p:txBody>
-          <a:bodyPr/>
-          <a:lstStyle/>
-          <a:p>
-            <a:fld id="{61696EC4-B4CF-4701-AD06-A8439D6D8E12}" type="slidenum">
-              <a:rPr lang="en-US" noProof="0" smtClean="0"/>
-              <a:t>10</a:t>
-            </a:fld>
-            <a:endParaRPr lang="en-US" noProof="0"/>
-          </a:p>
-        </p:txBody>
-      </p:sp>
-    </p:spTree>
-  </p:cSld>
-  <p:clrMapOvr>
-    <a:masterClrMapping/>
-  </p:clrMapOvr>
-</p:sld>
-</file>
-
 <file path=ppt/slides/slide2.xml><?xml version="1.0" encoding="utf-8"?>
 <p:sld xmlns:a="http://schemas.openxmlformats.org/drawingml/2006/main" xmlns:r="http://schemas.openxmlformats.org/officeDocument/2006/relationships" xmlns:p="http://schemas.openxmlformats.org/presentationml/2006/main">
   <p:cSld>
@@ -4081,7 +3952,37 @@
           <a:p>
             <a:r>
               <a:rPr lang="en-US" dirty="0"/>
-              <a:t>Content from report: (P6 section 2.3 first paragraph)</a:t>
+              <a:t>Storage Unit: </a:t>
+            </a:r>
+          </a:p>
+          <a:p>
+            <a:pPr marL="0" indent="0">
+              <a:buNone/>
+            </a:pPr>
+            <a:r>
+              <a:rPr lang="en-US" sz="2000" dirty="0"/>
+              <a:t>	basic CO2 storage structure, lower storage density</a:t>
+            </a:r>
+          </a:p>
+          <a:p>
+            <a:pPr marL="0" indent="0">
+              <a:buNone/>
+            </a:pPr>
+            <a:r>
+              <a:rPr lang="en-US" sz="2000" dirty="0"/>
+              <a:t>	volume of HC fields and aquifer daughter units are not considered</a:t>
+            </a:r>
+          </a:p>
+          <a:p>
+            <a:pPr marL="0" indent="0">
+              <a:buNone/>
+            </a:pPr>
+            <a:endParaRPr lang="en-US" sz="2000" dirty="0"/>
+          </a:p>
+          <a:p>
+            <a:r>
+              <a:rPr lang="en-US" dirty="0"/>
+              <a:t>Daughter Unit:</a:t>
             </a:r>
           </a:p>
           <a:p>
@@ -4089,113 +3990,74 @@
               <a:buNone/>
             </a:pPr>
             <a:r>
-              <a:rPr lang="en-US" sz="1600" dirty="0"/>
-              <a:t>Each reservoir formation </a:t>
-            </a:r>
-            <a:r>
-              <a:rPr lang="en-US" sz="1600" dirty="0">
-                <a:solidFill>
-                  <a:srgbClr val="FF0000"/>
-                </a:solidFill>
-              </a:rPr>
-              <a:t>contains</a:t>
-            </a:r>
-            <a:r>
-              <a:rPr lang="en-US" sz="1600" dirty="0"/>
-              <a:t> one or more storage units. A storage unit is defined as </a:t>
-            </a:r>
-            <a:r>
-              <a:rPr lang="en-US" sz="1600" dirty="0">
-                <a:solidFill>
-                  <a:srgbClr val="FF0000"/>
-                </a:solidFill>
-              </a:rPr>
-              <a:t>a part of </a:t>
-            </a:r>
-            <a:r>
-              <a:rPr lang="en-US" sz="1600" dirty="0"/>
-              <a:t>a reservoir formation that is at depths greater than 800 m and which is covered by an effective cap rock. These storage units are considered to have potential for CO2 storage and </a:t>
-            </a:r>
-            <a:r>
-              <a:rPr lang="en-US" sz="1600" dirty="0">
-                <a:solidFill>
-                  <a:srgbClr val="FF0000"/>
-                </a:solidFill>
-              </a:rPr>
-              <a:t>they form the basis of the CO2 storage</a:t>
-            </a:r>
-            <a:r>
-              <a:rPr lang="en-US" sz="1600" dirty="0"/>
-              <a:t> estimates made in the CO2StoP project. Each storage unit may contain on or more daughter units. </a:t>
-            </a:r>
-            <a:r>
-              <a:rPr lang="en-US" sz="1600" dirty="0">
-                <a:solidFill>
-                  <a:srgbClr val="0070C0"/>
-                </a:solidFill>
-              </a:rPr>
-              <a:t>Daughter units </a:t>
-            </a:r>
-            <a:r>
-              <a:rPr lang="en-US" sz="1600" dirty="0"/>
-              <a:t>are defined as structural or stratigraphic traps which have the potential to </a:t>
-            </a:r>
-            <a:r>
-              <a:rPr lang="en-US" sz="1600" dirty="0" err="1"/>
-              <a:t>immobilise</a:t>
-            </a:r>
-            <a:r>
-              <a:rPr lang="en-US" sz="1600" dirty="0"/>
-              <a:t> CO2 within them, e.g. domes in saline water-bearing parts of the reservoir rock that are completely sealed by cap rocks (</a:t>
-            </a:r>
-            <a:r>
-              <a:rPr lang="en-US" sz="1600" dirty="0">
-                <a:solidFill>
-                  <a:srgbClr val="0070C0"/>
-                </a:solidFill>
-              </a:rPr>
-              <a:t>aquifer daughter units</a:t>
-            </a:r>
-            <a:r>
-              <a:rPr lang="en-US" sz="1600" dirty="0"/>
-              <a:t>), or proven </a:t>
-            </a:r>
-            <a:r>
-              <a:rPr lang="en-US" sz="1600" dirty="0">
-                <a:solidFill>
-                  <a:srgbClr val="0070C0"/>
-                </a:solidFill>
-              </a:rPr>
-              <a:t>oil and gas fields </a:t>
-            </a:r>
-            <a:r>
-              <a:rPr lang="en-US" sz="1600" dirty="0"/>
+              <a:rPr lang="en-US" sz="2000" dirty="0"/>
+              <a:t>small parts inside Storage unit, which have higher storage density</a:t>
+            </a:r>
+          </a:p>
+          <a:p>
+            <a:pPr marL="447675" lvl="1" indent="0">
+              <a:buNone/>
+            </a:pPr>
+            <a:r>
+              <a:rPr lang="en-US" sz="2000" dirty="0"/>
+              <a:t>There are two types: </a:t>
+            </a:r>
+            <a:r>
+              <a:rPr lang="en-US" sz="2000" b="1" dirty="0"/>
+              <a:t>Hydrocarbon fields </a:t>
+            </a:r>
+            <a:r>
+              <a:rPr lang="en-US" sz="2000" dirty="0"/>
               <a:t>(</a:t>
             </a:r>
             <a:r>
-              <a:rPr lang="en-US" sz="1600" dirty="0">
-                <a:solidFill>
-                  <a:srgbClr val="FF0000"/>
-                </a:solidFill>
-              </a:rPr>
-              <a:t>hydrocarbon field daughter units</a:t>
-            </a:r>
-            <a:r>
-              <a:rPr lang="en-US" sz="1600" dirty="0"/>
-              <a:t>). </a:t>
-            </a:r>
-            <a:r>
-              <a:rPr lang="en-US" sz="1600" dirty="0">
-                <a:solidFill>
-                  <a:srgbClr val="FF0000"/>
-                </a:solidFill>
-              </a:rPr>
-              <a:t>Daughter units have the potential to be able to store CO2 at higher saturations than the remainder of a storage unit</a:t>
-            </a:r>
-            <a:r>
-              <a:rPr lang="en-US" sz="1600" dirty="0"/>
-              <a:t>, so their storage potential can be estimated separately in CO2StoP.</a:t>
-            </a:r>
+              <a:rPr lang="en-US" sz="2000" dirty="0" err="1"/>
+              <a:t>Oil,Gas</a:t>
+            </a:r>
+            <a:r>
+              <a:rPr lang="en-US" sz="2000" dirty="0"/>
+              <a:t>) ; </a:t>
+            </a:r>
+            <a:r>
+              <a:rPr lang="en-US" sz="2000" b="1" dirty="0" err="1"/>
+              <a:t>Auqifer</a:t>
+            </a:r>
+            <a:r>
+              <a:rPr lang="en-US" sz="2000" b="1" dirty="0"/>
+              <a:t> </a:t>
+            </a:r>
+            <a:r>
+              <a:rPr lang="en-US" sz="2000" b="1" dirty="0" err="1"/>
+              <a:t>Daugther</a:t>
+            </a:r>
+            <a:r>
+              <a:rPr lang="en-US" sz="2000" b="1" dirty="0"/>
+              <a:t> Units</a:t>
+            </a:r>
+          </a:p>
+          <a:p>
+            <a:pPr marL="447675" lvl="1" indent="0">
+              <a:buNone/>
+            </a:pPr>
+            <a:endParaRPr lang="en-US" dirty="0"/>
+          </a:p>
+          <a:p>
+            <a:r>
+              <a:rPr lang="en-US" dirty="0"/>
+              <a:t>Concept Graph:</a:t>
+            </a:r>
+          </a:p>
+          <a:p>
+            <a:pPr marL="447675" lvl="1" indent="0">
+              <a:buNone/>
+            </a:pPr>
+            <a:endParaRPr lang="en-US" dirty="0"/>
+          </a:p>
+          <a:p>
+            <a:pPr marL="447675" lvl="1" indent="0">
+              <a:buNone/>
+            </a:pPr>
+            <a:endParaRPr lang="en-US" sz="2000" b="1" dirty="0"/>
           </a:p>
         </p:txBody>
       </p:sp>
@@ -4216,7 +4078,7 @@
           <a:p>
             <a:fld id="{7C6BFBC4-F565-4C2D-A740-CCD0BFEDCA36}" type="datetime3">
               <a:rPr lang="en-US" noProof="0" smtClean="0"/>
-              <a:t>21 June 2021</a:t>
+              <a:t>30 June 2021</a:t>
             </a:fld>
             <a:endParaRPr lang="en-US" noProof="0"/>
           </a:p>
@@ -4245,306 +4107,252 @@
           </a:p>
         </p:txBody>
       </p:sp>
-      <p:sp>
-        <p:nvSpPr>
-          <p:cNvPr id="6" name="Rechteck 5"/>
-          <p:cNvSpPr/>
+      <p:grpSp>
+        <p:nvGrpSpPr>
+          <p:cNvPr id="10" name="Gruppieren 9">
+            <a:extLst>
+              <a:ext uri="{FF2B5EF4-FFF2-40B4-BE49-F238E27FC236}">
+                <a16:creationId xmlns:a16="http://schemas.microsoft.com/office/drawing/2014/main" id="{845A336C-5B43-C645-8370-DE6FD88405D2}"/>
+              </a:ext>
+            </a:extLst>
+          </p:cNvPr>
+          <p:cNvGrpSpPr/>
           <p:nvPr/>
-        </p:nvSpPr>
-        <p:spPr>
+        </p:nvGrpSpPr>
+        <p:grpSpPr>
           <a:xfrm>
-            <a:off x="1184856" y="4018208"/>
-            <a:ext cx="7340958" cy="2101239"/>
+            <a:off x="4116945" y="4288665"/>
+            <a:ext cx="5280339" cy="1830782"/>
+            <a:chOff x="3425779" y="4288665"/>
+            <a:chExt cx="5280339" cy="1830782"/>
           </a:xfrm>
-          <a:prstGeom prst="rect">
-            <a:avLst/>
-          </a:prstGeom>
-          <a:noFill/>
-          <a:ln>
+        </p:grpSpPr>
+        <p:sp>
+          <p:nvSpPr>
+            <p:cNvPr id="7" name="Rechteck 6"/>
+            <p:cNvSpPr/>
+            <p:nvPr/>
+          </p:nvSpPr>
+          <p:spPr>
+            <a:xfrm>
+              <a:off x="3425781" y="4288665"/>
+              <a:ext cx="5100034" cy="1830782"/>
+            </a:xfrm>
+            <a:prstGeom prst="rect">
+              <a:avLst/>
+            </a:prstGeom>
             <a:solidFill>
-              <a:schemeClr val="tx1"/>
+              <a:srgbClr val="FFC000"/>
             </a:solidFill>
-          </a:ln>
-        </p:spPr>
-        <p:style>
-          <a:lnRef idx="2">
-            <a:schemeClr val="accent1">
-              <a:shade val="50000"/>
-            </a:schemeClr>
-          </a:lnRef>
-          <a:fillRef idx="1">
-            <a:schemeClr val="accent1"/>
-          </a:fillRef>
-          <a:effectRef idx="0">
-            <a:schemeClr val="accent1"/>
-          </a:effectRef>
-          <a:fontRef idx="minor">
-            <a:schemeClr val="lt1"/>
-          </a:fontRef>
-        </p:style>
-        <p:txBody>
-          <a:bodyPr rtlCol="0" anchor="ctr"/>
-          <a:lstStyle/>
-          <a:p>
-            <a:pPr algn="ctr"/>
-            <a:endParaRPr lang="en-US"/>
-          </a:p>
-        </p:txBody>
-      </p:sp>
-      <p:sp>
-        <p:nvSpPr>
-          <p:cNvPr id="7" name="Rechteck 6"/>
-          <p:cNvSpPr/>
-          <p:nvPr/>
-        </p:nvSpPr>
-        <p:spPr>
-          <a:xfrm>
-            <a:off x="3425781" y="4288665"/>
-            <a:ext cx="5100034" cy="1830782"/>
-          </a:xfrm>
-          <a:prstGeom prst="rect">
-            <a:avLst/>
-          </a:prstGeom>
-          <a:solidFill>
-            <a:srgbClr val="FFC000"/>
-          </a:solidFill>
-          <a:ln>
+            <a:ln>
+              <a:noFill/>
+            </a:ln>
+          </p:spPr>
+          <p:style>
+            <a:lnRef idx="2">
+              <a:schemeClr val="accent1">
+                <a:shade val="50000"/>
+              </a:schemeClr>
+            </a:lnRef>
+            <a:fillRef idx="1">
+              <a:schemeClr val="accent1"/>
+            </a:fillRef>
+            <a:effectRef idx="0">
+              <a:schemeClr val="accent1"/>
+            </a:effectRef>
+            <a:fontRef idx="minor">
+              <a:schemeClr val="lt1"/>
+            </a:fontRef>
+          </p:style>
+          <p:txBody>
+            <a:bodyPr rtlCol="0" anchor="ctr"/>
+            <a:lstStyle/>
+            <a:p>
+              <a:pPr algn="ctr"/>
+              <a:endParaRPr lang="en-US"/>
+            </a:p>
+          </p:txBody>
+        </p:sp>
+        <p:sp>
+          <p:nvSpPr>
+            <p:cNvPr id="8" name="Rechteck 7"/>
+            <p:cNvSpPr/>
+            <p:nvPr/>
+          </p:nvSpPr>
+          <p:spPr>
+            <a:xfrm>
+              <a:off x="5550796" y="5708560"/>
+              <a:ext cx="1442433" cy="399245"/>
+            </a:xfrm>
+            <a:prstGeom prst="rect">
+              <a:avLst/>
+            </a:prstGeom>
+            <a:solidFill>
+              <a:srgbClr val="FFFF00"/>
+            </a:solidFill>
+            <a:ln>
+              <a:noFill/>
+            </a:ln>
+          </p:spPr>
+          <p:style>
+            <a:lnRef idx="2">
+              <a:schemeClr val="accent1">
+                <a:shade val="50000"/>
+              </a:schemeClr>
+            </a:lnRef>
+            <a:fillRef idx="1">
+              <a:schemeClr val="accent1"/>
+            </a:fillRef>
+            <a:effectRef idx="0">
+              <a:schemeClr val="accent1"/>
+            </a:effectRef>
+            <a:fontRef idx="minor">
+              <a:schemeClr val="lt1"/>
+            </a:fontRef>
+          </p:style>
+          <p:txBody>
+            <a:bodyPr rtlCol="0" anchor="ctr"/>
+            <a:lstStyle/>
+            <a:p>
+              <a:pPr algn="ctr"/>
+              <a:endParaRPr lang="en-US"/>
+            </a:p>
+          </p:txBody>
+        </p:sp>
+        <p:sp>
+          <p:nvSpPr>
+            <p:cNvPr id="9" name="Rechteck 8"/>
+            <p:cNvSpPr/>
+            <p:nvPr/>
+          </p:nvSpPr>
+          <p:spPr>
+            <a:xfrm>
+              <a:off x="7083381" y="5720202"/>
+              <a:ext cx="1442433" cy="399245"/>
+            </a:xfrm>
+            <a:prstGeom prst="rect">
+              <a:avLst/>
+            </a:prstGeom>
+            <a:solidFill>
+              <a:srgbClr val="FF0000"/>
+            </a:solidFill>
+            <a:ln>
+              <a:noFill/>
+            </a:ln>
+          </p:spPr>
+          <p:style>
+            <a:lnRef idx="2">
+              <a:schemeClr val="accent1">
+                <a:shade val="50000"/>
+              </a:schemeClr>
+            </a:lnRef>
+            <a:fillRef idx="1">
+              <a:schemeClr val="accent1"/>
+            </a:fillRef>
+            <a:effectRef idx="0">
+              <a:schemeClr val="accent1"/>
+            </a:effectRef>
+            <a:fontRef idx="minor">
+              <a:schemeClr val="lt1"/>
+            </a:fontRef>
+          </p:style>
+          <p:txBody>
+            <a:bodyPr rtlCol="0" anchor="ctr"/>
+            <a:lstStyle/>
+            <a:p>
+              <a:pPr algn="ctr"/>
+              <a:endParaRPr lang="en-US"/>
+            </a:p>
+          </p:txBody>
+        </p:sp>
+        <p:sp>
+          <p:nvSpPr>
+            <p:cNvPr id="13" name="Textfeld 12"/>
+            <p:cNvSpPr txBox="1"/>
+            <p:nvPr/>
+          </p:nvSpPr>
+          <p:spPr>
+            <a:xfrm>
+              <a:off x="3425779" y="4288665"/>
+              <a:ext cx="1622738" cy="369332"/>
+            </a:xfrm>
+            <a:prstGeom prst="rect">
+              <a:avLst/>
+            </a:prstGeom>
             <a:noFill/>
-          </a:ln>
-        </p:spPr>
-        <p:style>
-          <a:lnRef idx="2">
-            <a:schemeClr val="accent1">
-              <a:shade val="50000"/>
-            </a:schemeClr>
-          </a:lnRef>
-          <a:fillRef idx="1">
-            <a:schemeClr val="accent1"/>
-          </a:fillRef>
-          <a:effectRef idx="0">
-            <a:schemeClr val="accent1"/>
-          </a:effectRef>
-          <a:fontRef idx="minor">
-            <a:schemeClr val="lt1"/>
-          </a:fontRef>
-        </p:style>
-        <p:txBody>
-          <a:bodyPr rtlCol="0" anchor="ctr"/>
-          <a:lstStyle/>
-          <a:p>
-            <a:pPr algn="ctr"/>
-            <a:endParaRPr lang="en-US"/>
-          </a:p>
-        </p:txBody>
-      </p:sp>
-      <p:sp>
-        <p:nvSpPr>
-          <p:cNvPr id="8" name="Rechteck 7"/>
-          <p:cNvSpPr/>
-          <p:nvPr/>
-        </p:nvSpPr>
-        <p:spPr>
-          <a:xfrm>
-            <a:off x="5510011" y="5727632"/>
-            <a:ext cx="1442433" cy="399245"/>
-          </a:xfrm>
-          <a:prstGeom prst="rect">
-            <a:avLst/>
-          </a:prstGeom>
-          <a:solidFill>
-            <a:srgbClr val="FFFF00"/>
-          </a:solidFill>
-          <a:ln>
+          </p:spPr>
+          <p:txBody>
+            <a:bodyPr wrap="square" rtlCol="0">
+              <a:spAutoFit/>
+            </a:bodyPr>
+            <a:lstStyle/>
+            <a:p>
+              <a:r>
+                <a:rPr lang="en-US" dirty="0"/>
+                <a:t>Storage Unit</a:t>
+              </a:r>
+            </a:p>
+          </p:txBody>
+        </p:sp>
+        <p:sp>
+          <p:nvSpPr>
+            <p:cNvPr id="14" name="Textfeld 13"/>
+            <p:cNvSpPr txBox="1"/>
+            <p:nvPr/>
+          </p:nvSpPr>
+          <p:spPr>
+            <a:xfrm>
+              <a:off x="5690314" y="5742588"/>
+              <a:ext cx="1212763" cy="369332"/>
+            </a:xfrm>
+            <a:prstGeom prst="rect">
+              <a:avLst/>
+            </a:prstGeom>
             <a:noFill/>
-          </a:ln>
-        </p:spPr>
-        <p:style>
-          <a:lnRef idx="2">
-            <a:schemeClr val="accent1">
-              <a:shade val="50000"/>
-            </a:schemeClr>
-          </a:lnRef>
-          <a:fillRef idx="1">
-            <a:schemeClr val="accent1"/>
-          </a:fillRef>
-          <a:effectRef idx="0">
-            <a:schemeClr val="accent1"/>
-          </a:effectRef>
-          <a:fontRef idx="minor">
-            <a:schemeClr val="lt1"/>
-          </a:fontRef>
-        </p:style>
-        <p:txBody>
-          <a:bodyPr rtlCol="0" anchor="ctr"/>
-          <a:lstStyle/>
-          <a:p>
-            <a:pPr algn="ctr"/>
-            <a:endParaRPr lang="en-US"/>
-          </a:p>
-        </p:txBody>
-      </p:sp>
-      <p:sp>
-        <p:nvSpPr>
-          <p:cNvPr id="9" name="Rechteck 8"/>
-          <p:cNvSpPr/>
-          <p:nvPr/>
-        </p:nvSpPr>
-        <p:spPr>
-          <a:xfrm>
-            <a:off x="7083381" y="5720202"/>
-            <a:ext cx="1442433" cy="399245"/>
-          </a:xfrm>
-          <a:prstGeom prst="rect">
-            <a:avLst/>
-          </a:prstGeom>
-          <a:solidFill>
-            <a:srgbClr val="FF0000"/>
-          </a:solidFill>
-          <a:ln>
+          </p:spPr>
+          <p:txBody>
+            <a:bodyPr wrap="square" rtlCol="0">
+              <a:spAutoFit/>
+            </a:bodyPr>
+            <a:lstStyle/>
+            <a:p>
+              <a:r>
+                <a:rPr lang="en-US" dirty="0"/>
+                <a:t>HC fields</a:t>
+              </a:r>
+            </a:p>
+          </p:txBody>
+        </p:sp>
+        <p:sp>
+          <p:nvSpPr>
+            <p:cNvPr id="15" name="Textfeld 14"/>
+            <p:cNvSpPr txBox="1"/>
+            <p:nvPr/>
+          </p:nvSpPr>
+          <p:spPr>
+            <a:xfrm>
+              <a:off x="7083381" y="5781225"/>
+              <a:ext cx="1622737" cy="253916"/>
+            </a:xfrm>
+            <a:prstGeom prst="rect">
+              <a:avLst/>
+            </a:prstGeom>
             <a:noFill/>
-          </a:ln>
-        </p:spPr>
-        <p:style>
-          <a:lnRef idx="2">
-            <a:schemeClr val="accent1">
-              <a:shade val="50000"/>
-            </a:schemeClr>
-          </a:lnRef>
-          <a:fillRef idx="1">
-            <a:schemeClr val="accent1"/>
-          </a:fillRef>
-          <a:effectRef idx="0">
-            <a:schemeClr val="accent1"/>
-          </a:effectRef>
-          <a:fontRef idx="minor">
-            <a:schemeClr val="lt1"/>
-          </a:fontRef>
-        </p:style>
-        <p:txBody>
-          <a:bodyPr rtlCol="0" anchor="ctr"/>
-          <a:lstStyle/>
-          <a:p>
-            <a:pPr algn="ctr"/>
-            <a:endParaRPr lang="en-US"/>
-          </a:p>
-        </p:txBody>
-      </p:sp>
-      <p:sp>
-        <p:nvSpPr>
-          <p:cNvPr id="12" name="Textfeld 11"/>
-          <p:cNvSpPr txBox="1"/>
-          <p:nvPr/>
-        </p:nvSpPr>
-        <p:spPr>
-          <a:xfrm>
-            <a:off x="1184855" y="4018208"/>
-            <a:ext cx="1622738" cy="369332"/>
-          </a:xfrm>
-          <a:prstGeom prst="rect">
-            <a:avLst/>
-          </a:prstGeom>
-          <a:noFill/>
-        </p:spPr>
-        <p:txBody>
-          <a:bodyPr wrap="square" rtlCol="0">
-            <a:spAutoFit/>
-          </a:bodyPr>
-          <a:lstStyle/>
-          <a:p>
-            <a:r>
-              <a:rPr lang="en-US" dirty="0"/>
-              <a:t>Formation</a:t>
-            </a:r>
-          </a:p>
-        </p:txBody>
-      </p:sp>
-      <p:sp>
-        <p:nvSpPr>
-          <p:cNvPr id="13" name="Textfeld 12"/>
-          <p:cNvSpPr txBox="1"/>
-          <p:nvPr/>
-        </p:nvSpPr>
-        <p:spPr>
-          <a:xfrm>
-            <a:off x="3425779" y="4288665"/>
-            <a:ext cx="1622738" cy="369332"/>
-          </a:xfrm>
-          <a:prstGeom prst="rect">
-            <a:avLst/>
-          </a:prstGeom>
-          <a:noFill/>
-        </p:spPr>
-        <p:txBody>
-          <a:bodyPr wrap="square" rtlCol="0">
-            <a:spAutoFit/>
-          </a:bodyPr>
-          <a:lstStyle/>
-          <a:p>
-            <a:r>
-              <a:rPr lang="en-US" dirty="0"/>
-              <a:t>Storage Unit</a:t>
-            </a:r>
-          </a:p>
-        </p:txBody>
-      </p:sp>
-      <p:sp>
-        <p:nvSpPr>
-          <p:cNvPr id="14" name="Textfeld 13"/>
-          <p:cNvSpPr txBox="1"/>
-          <p:nvPr/>
-        </p:nvSpPr>
-        <p:spPr>
-          <a:xfrm>
-            <a:off x="5690315" y="5742588"/>
-            <a:ext cx="1083972" cy="369332"/>
-          </a:xfrm>
-          <a:prstGeom prst="rect">
-            <a:avLst/>
-          </a:prstGeom>
-          <a:noFill/>
-        </p:spPr>
-        <p:txBody>
-          <a:bodyPr wrap="square" rtlCol="0">
-            <a:spAutoFit/>
-          </a:bodyPr>
-          <a:lstStyle/>
-          <a:p>
-            <a:r>
-              <a:rPr lang="en-US" dirty="0"/>
-              <a:t>HC field</a:t>
-            </a:r>
-          </a:p>
-        </p:txBody>
-      </p:sp>
-      <p:sp>
-        <p:nvSpPr>
-          <p:cNvPr id="15" name="Textfeld 14"/>
-          <p:cNvSpPr txBox="1"/>
-          <p:nvPr/>
-        </p:nvSpPr>
-        <p:spPr>
-          <a:xfrm>
-            <a:off x="7083381" y="5781225"/>
-            <a:ext cx="1622737" cy="253916"/>
-          </a:xfrm>
-          <a:prstGeom prst="rect">
-            <a:avLst/>
-          </a:prstGeom>
-          <a:noFill/>
-        </p:spPr>
-        <p:txBody>
-          <a:bodyPr wrap="square" rtlCol="0">
-            <a:spAutoFit/>
-          </a:bodyPr>
-          <a:lstStyle/>
-          <a:p>
-            <a:r>
-              <a:rPr lang="en-US" sz="1050" dirty="0"/>
-              <a:t>Aquifer daughter units</a:t>
-            </a:r>
-          </a:p>
-        </p:txBody>
-      </p:sp>
+          </p:spPr>
+          <p:txBody>
+            <a:bodyPr wrap="square" rtlCol="0">
+              <a:spAutoFit/>
+            </a:bodyPr>
+            <a:lstStyle/>
+            <a:p>
+              <a:r>
+                <a:rPr lang="en-US" sz="1050" dirty="0"/>
+                <a:t>Aquifer daughter units</a:t>
+              </a:r>
+            </a:p>
+          </p:txBody>
+        </p:sp>
+      </p:grpSp>
     </p:spTree>
   </p:cSld>
   <p:clrMapOvr>
@@ -4803,7 +4611,7 @@
           <a:p>
             <a:fld id="{7C6BFBC4-F565-4C2D-A740-CCD0BFEDCA36}" type="datetime3">
               <a:rPr lang="en-US" noProof="0" smtClean="0"/>
-              <a:t>21 June 2021</a:t>
+              <a:t>30 June 2021</a:t>
             </a:fld>
             <a:endParaRPr lang="en-US" noProof="0"/>
           </a:p>
@@ -5717,7 +5525,7 @@
             <a:pPr lvl="2"/>
             <a:r>
               <a:rPr lang="en-US" dirty="0"/>
-              <a:t>Different storage units may in same area but in different layers (3D)</a:t>
+              <a:t>Different storage units may in same area but at different depth (3D)</a:t>
             </a:r>
           </a:p>
           <a:p>
@@ -5749,7 +5557,7 @@
           <a:p>
             <a:fld id="{7C6BFBC4-F565-4C2D-A740-CCD0BFEDCA36}" type="datetime3">
               <a:rPr lang="en-US" noProof="0" smtClean="0"/>
-              <a:t>21 June 2021</a:t>
+              <a:t>30 June 2021</a:t>
             </a:fld>
             <a:endParaRPr lang="en-US" noProof="0"/>
           </a:p>
@@ -6159,7 +5967,7 @@
             </a:r>
             <a:r>
               <a:rPr lang="en-US" sz="2000" dirty="0"/>
-              <a:t>Daughter Map + Storage Unit Map = CO2stored UK dataset </a:t>
+              <a:t>Daughter Map + Storage Unit Map  close to capacity in CO2stored UK dataset </a:t>
             </a:r>
           </a:p>
         </p:txBody>
@@ -6181,7 +5989,7 @@
           <a:p>
             <a:fld id="{7C6BFBC4-F565-4C2D-A740-CCD0BFEDCA36}" type="datetime3">
               <a:rPr lang="en-US" noProof="0" smtClean="0"/>
-              <a:t>21 June 2021</a:t>
+              <a:t>30 June 2021</a:t>
             </a:fld>
             <a:endParaRPr lang="en-US" noProof="0"/>
           </a:p>
@@ -6235,35 +6043,28 @@
           <a:chExt cx="0" cy="0"/>
         </a:xfrm>
       </p:grpSpPr>
-      <p:pic>
-        <p:nvPicPr>
-          <p:cNvPr id="7" name="Inhaltsplatzhalter 6"/>
-          <p:cNvPicPr>
-            <a:picLocks noGrp="1" noChangeAspect="1"/>
-          </p:cNvPicPr>
+      <p:sp>
+        <p:nvSpPr>
+          <p:cNvPr id="2" name="Titel 1"/>
+          <p:cNvSpPr>
+            <a:spLocks noGrp="1"/>
+          </p:cNvSpPr>
           <p:nvPr>
-            <p:ph idx="1"/>
+            <p:ph type="title"/>
           </p:nvPr>
-        </p:nvPicPr>
-        <p:blipFill>
-          <a:blip r:embed="rId2">
-            <a:extLst>
-              <a:ext uri="{28A0092B-C50C-407E-A947-70E740481C1C}">
-                <a14:useLocalDpi xmlns:a14="http://schemas.microsoft.com/office/drawing/2010/main" val="0"/>
-              </a:ext>
-            </a:extLst>
-          </a:blip>
-          <a:stretch>
-            <a:fillRect/>
-          </a:stretch>
-        </p:blipFill>
-        <p:spPr>
-          <a:xfrm>
-            <a:off x="26774" y="339010"/>
-            <a:ext cx="9178007" cy="3089990"/>
-          </a:xfrm>
-        </p:spPr>
-      </p:pic>
+        </p:nvSpPr>
+        <p:spPr/>
+        <p:txBody>
+          <a:bodyPr/>
+          <a:lstStyle/>
+          <a:p>
+            <a:r>
+              <a:rPr lang="en-US" dirty="0"/>
+              <a:t>Daughter Unit Map and capacity table</a:t>
+            </a:r>
+          </a:p>
+        </p:txBody>
+      </p:sp>
       <p:sp>
         <p:nvSpPr>
           <p:cNvPr id="4" name="Datumsplatzhalter 3"/>
@@ -6274,19 +6075,14 @@
             <p:ph type="dt" sz="half" idx="10"/>
           </p:nvPr>
         </p:nvSpPr>
-        <p:spPr>
-          <a:xfrm>
-            <a:off x="26773" y="5603267"/>
-            <a:ext cx="1700463" cy="365125"/>
-          </a:xfrm>
-        </p:spPr>
+        <p:spPr/>
         <p:txBody>
           <a:bodyPr/>
           <a:lstStyle/>
           <a:p>
             <a:fld id="{7C6BFBC4-F565-4C2D-A740-CCD0BFEDCA36}" type="datetime3">
               <a:rPr lang="en-US" noProof="0" smtClean="0"/>
-              <a:t>21 June 2021</a:t>
+              <a:t>30 June 2021</a:t>
             </a:fld>
             <a:endParaRPr lang="en-US" noProof="0"/>
           </a:p>
@@ -6310,363 +6106,6 @@
             <a:fld id="{61696EC4-B4CF-4701-AD06-A8439D6D8E12}" type="slidenum">
               <a:rPr lang="en-US" noProof="0" smtClean="0"/>
               <a:t>6</a:t>
-            </a:fld>
-            <a:endParaRPr lang="en-US" noProof="0"/>
-          </a:p>
-        </p:txBody>
-      </p:sp>
-      <p:pic>
-        <p:nvPicPr>
-          <p:cNvPr id="32" name="Grafik 31"/>
-          <p:cNvPicPr>
-            <a:picLocks noChangeAspect="1"/>
-          </p:cNvPicPr>
-          <p:nvPr/>
-        </p:nvPicPr>
-        <p:blipFill>
-          <a:blip r:embed="rId3">
-            <a:extLst>
-              <a:ext uri="{28A0092B-C50C-407E-A947-70E740481C1C}">
-                <a14:useLocalDpi xmlns:a14="http://schemas.microsoft.com/office/drawing/2010/main" val="0"/>
-              </a:ext>
-            </a:extLst>
-          </a:blip>
-          <a:stretch>
-            <a:fillRect/>
-          </a:stretch>
-        </p:blipFill>
-        <p:spPr>
-          <a:xfrm>
-            <a:off x="26773" y="3228760"/>
-            <a:ext cx="9178007" cy="2824715"/>
-          </a:xfrm>
-          <a:prstGeom prst="rect">
-            <a:avLst/>
-          </a:prstGeom>
-        </p:spPr>
-      </p:pic>
-      <p:sp>
-        <p:nvSpPr>
-          <p:cNvPr id="33" name="Textfeld 32"/>
-          <p:cNvSpPr txBox="1"/>
-          <p:nvPr/>
-        </p:nvSpPr>
-        <p:spPr>
-          <a:xfrm>
-            <a:off x="9458000" y="3254575"/>
-            <a:ext cx="2415132" cy="646331"/>
-          </a:xfrm>
-          <a:prstGeom prst="rect">
-            <a:avLst/>
-          </a:prstGeom>
-          <a:noFill/>
-        </p:spPr>
-        <p:txBody>
-          <a:bodyPr wrap="square" rtlCol="0">
-            <a:spAutoFit/>
-          </a:bodyPr>
-          <a:lstStyle/>
-          <a:p>
-            <a:r>
-              <a:rPr lang="en-US" dirty="0"/>
-              <a:t>Estimation table has less missing value</a:t>
-            </a:r>
-          </a:p>
-        </p:txBody>
-      </p:sp>
-      <p:sp>
-        <p:nvSpPr>
-          <p:cNvPr id="34" name="Textfeld 33"/>
-          <p:cNvSpPr txBox="1"/>
-          <p:nvPr/>
-        </p:nvSpPr>
-        <p:spPr>
-          <a:xfrm>
-            <a:off x="9458000" y="2582429"/>
-            <a:ext cx="2415132" cy="646331"/>
-          </a:xfrm>
-          <a:prstGeom prst="rect">
-            <a:avLst/>
-          </a:prstGeom>
-          <a:noFill/>
-        </p:spPr>
-        <p:txBody>
-          <a:bodyPr wrap="square" rtlCol="0">
-            <a:spAutoFit/>
-          </a:bodyPr>
-          <a:lstStyle/>
-          <a:p>
-            <a:r>
-              <a:rPr lang="en-US" dirty="0"/>
-              <a:t>MEAN has less missing value </a:t>
-            </a:r>
-          </a:p>
-        </p:txBody>
-      </p:sp>
-      <p:pic>
-        <p:nvPicPr>
-          <p:cNvPr id="37" name="Grafik 36" descr="Ein Bild, das Text enthält.&#10;&#10;Automatisch generierte Beschreibung"/>
-          <p:cNvPicPr>
-            <a:picLocks noChangeAspect="1"/>
-          </p:cNvPicPr>
-          <p:nvPr/>
-        </p:nvPicPr>
-        <p:blipFill>
-          <a:blip r:embed="rId4">
-            <a:extLst>
-              <a:ext uri="{28A0092B-C50C-407E-A947-70E740481C1C}">
-                <a14:useLocalDpi xmlns:a14="http://schemas.microsoft.com/office/drawing/2010/main" val="0"/>
-              </a:ext>
-            </a:extLst>
-          </a:blip>
-          <a:stretch>
-            <a:fillRect/>
-          </a:stretch>
-        </p:blipFill>
-        <p:spPr>
-          <a:xfrm>
-            <a:off x="9192899" y="1244241"/>
-            <a:ext cx="2680233" cy="539644"/>
-          </a:xfrm>
-          <a:prstGeom prst="rect">
-            <a:avLst/>
-          </a:prstGeom>
-        </p:spPr>
-      </p:pic>
-      <p:pic>
-        <p:nvPicPr>
-          <p:cNvPr id="39" name="Grafik 38" descr="Ein Bild, das Text enthält.&#10;&#10;Automatisch generierte Beschreibung"/>
-          <p:cNvPicPr>
-            <a:picLocks noChangeAspect="1"/>
-          </p:cNvPicPr>
-          <p:nvPr/>
-        </p:nvPicPr>
-        <p:blipFill>
-          <a:blip r:embed="rId5">
-            <a:extLst>
-              <a:ext uri="{28A0092B-C50C-407E-A947-70E740481C1C}">
-                <a14:useLocalDpi xmlns:a14="http://schemas.microsoft.com/office/drawing/2010/main" val="0"/>
-              </a:ext>
-            </a:extLst>
-          </a:blip>
-          <a:stretch>
-            <a:fillRect/>
-          </a:stretch>
-        </p:blipFill>
-        <p:spPr>
-          <a:xfrm>
-            <a:off x="9204780" y="4564254"/>
-            <a:ext cx="2415132" cy="526608"/>
-          </a:xfrm>
-          <a:prstGeom prst="rect">
-            <a:avLst/>
-          </a:prstGeom>
-        </p:spPr>
-      </p:pic>
-      <p:sp>
-        <p:nvSpPr>
-          <p:cNvPr id="40" name="Textfeld 39"/>
-          <p:cNvSpPr txBox="1"/>
-          <p:nvPr/>
-        </p:nvSpPr>
-        <p:spPr>
-          <a:xfrm>
-            <a:off x="10785139" y="1809700"/>
-            <a:ext cx="1087993" cy="369332"/>
-          </a:xfrm>
-          <a:prstGeom prst="rect">
-            <a:avLst/>
-          </a:prstGeom>
-          <a:noFill/>
-        </p:spPr>
-        <p:txBody>
-          <a:bodyPr wrap="square" rtlCol="0">
-            <a:spAutoFit/>
-          </a:bodyPr>
-          <a:lstStyle/>
-          <a:p>
-            <a:r>
-              <a:rPr lang="en-US" dirty="0"/>
-              <a:t>Unit: Gt</a:t>
-            </a:r>
-          </a:p>
-        </p:txBody>
-      </p:sp>
-      <p:sp>
-        <p:nvSpPr>
-          <p:cNvPr id="41" name="Textfeld 40"/>
-          <p:cNvSpPr txBox="1"/>
-          <p:nvPr/>
-        </p:nvSpPr>
-        <p:spPr>
-          <a:xfrm>
-            <a:off x="10785139" y="5090862"/>
-            <a:ext cx="1087993" cy="369332"/>
-          </a:xfrm>
-          <a:prstGeom prst="rect">
-            <a:avLst/>
-          </a:prstGeom>
-          <a:noFill/>
-        </p:spPr>
-        <p:txBody>
-          <a:bodyPr wrap="square" rtlCol="0">
-            <a:spAutoFit/>
-          </a:bodyPr>
-          <a:lstStyle/>
-          <a:p>
-            <a:r>
-              <a:rPr lang="en-US" dirty="0"/>
-              <a:t>Unit: Gt</a:t>
-            </a:r>
-          </a:p>
-        </p:txBody>
-      </p:sp>
-      <p:sp>
-        <p:nvSpPr>
-          <p:cNvPr id="42" name="Textfeld 41"/>
-          <p:cNvSpPr txBox="1"/>
-          <p:nvPr/>
-        </p:nvSpPr>
-        <p:spPr>
-          <a:xfrm>
-            <a:off x="62300" y="270965"/>
-            <a:ext cx="435385" cy="276999"/>
-          </a:xfrm>
-          <a:prstGeom prst="rect">
-            <a:avLst/>
-          </a:prstGeom>
-          <a:noFill/>
-        </p:spPr>
-        <p:txBody>
-          <a:bodyPr wrap="square" rtlCol="0">
-            <a:spAutoFit/>
-          </a:bodyPr>
-          <a:lstStyle/>
-          <a:p>
-            <a:r>
-              <a:rPr lang="en-US" sz="1200" dirty="0"/>
-              <a:t>Mt</a:t>
-            </a:r>
-          </a:p>
-        </p:txBody>
-      </p:sp>
-      <p:sp>
-        <p:nvSpPr>
-          <p:cNvPr id="43" name="Textfeld 42"/>
-          <p:cNvSpPr txBox="1"/>
-          <p:nvPr/>
-        </p:nvSpPr>
-        <p:spPr>
-          <a:xfrm>
-            <a:off x="0" y="3090260"/>
-            <a:ext cx="435385" cy="276999"/>
-          </a:xfrm>
-          <a:prstGeom prst="rect">
-            <a:avLst/>
-          </a:prstGeom>
-          <a:noFill/>
-        </p:spPr>
-        <p:txBody>
-          <a:bodyPr wrap="square" rtlCol="0">
-            <a:spAutoFit/>
-          </a:bodyPr>
-          <a:lstStyle/>
-          <a:p>
-            <a:r>
-              <a:rPr lang="en-US" sz="1200" dirty="0"/>
-              <a:t>Mt</a:t>
-            </a:r>
-          </a:p>
-        </p:txBody>
-      </p:sp>
-    </p:spTree>
-  </p:cSld>
-  <p:clrMapOvr>
-    <a:masterClrMapping/>
-  </p:clrMapOvr>
-</p:sld>
-</file>
-
-<file path=ppt/slides/slide7.xml><?xml version="1.0" encoding="utf-8"?>
-<p:sld xmlns:a="http://schemas.openxmlformats.org/drawingml/2006/main" xmlns:r="http://schemas.openxmlformats.org/officeDocument/2006/relationships" xmlns:p="http://schemas.openxmlformats.org/presentationml/2006/main">
-  <p:cSld>
-    <p:spTree>
-      <p:nvGrpSpPr>
-        <p:cNvPr id="1" name=""/>
-        <p:cNvGrpSpPr/>
-        <p:nvPr/>
-      </p:nvGrpSpPr>
-      <p:grpSpPr>
-        <a:xfrm>
-          <a:off x="0" y="0"/>
-          <a:ext cx="0" cy="0"/>
-          <a:chOff x="0" y="0"/>
-          <a:chExt cx="0" cy="0"/>
-        </a:xfrm>
-      </p:grpSpPr>
-      <p:sp>
-        <p:nvSpPr>
-          <p:cNvPr id="2" name="Titel 1"/>
-          <p:cNvSpPr>
-            <a:spLocks noGrp="1"/>
-          </p:cNvSpPr>
-          <p:nvPr>
-            <p:ph type="title"/>
-          </p:nvPr>
-        </p:nvSpPr>
-        <p:spPr/>
-        <p:txBody>
-          <a:bodyPr/>
-          <a:lstStyle/>
-          <a:p>
-            <a:r>
-              <a:rPr lang="en-US" dirty="0"/>
-              <a:t>Daughter Unit Map and capacity table</a:t>
-            </a:r>
-          </a:p>
-        </p:txBody>
-      </p:sp>
-      <p:sp>
-        <p:nvSpPr>
-          <p:cNvPr id="4" name="Datumsplatzhalter 3"/>
-          <p:cNvSpPr>
-            <a:spLocks noGrp="1"/>
-          </p:cNvSpPr>
-          <p:nvPr>
-            <p:ph type="dt" sz="half" idx="10"/>
-          </p:nvPr>
-        </p:nvSpPr>
-        <p:spPr/>
-        <p:txBody>
-          <a:bodyPr/>
-          <a:lstStyle/>
-          <a:p>
-            <a:fld id="{7C6BFBC4-F565-4C2D-A740-CCD0BFEDCA36}" type="datetime3">
-              <a:rPr lang="en-US" noProof="0" smtClean="0"/>
-              <a:t>21 June 2021</a:t>
-            </a:fld>
-            <a:endParaRPr lang="en-US" noProof="0"/>
-          </a:p>
-        </p:txBody>
-      </p:sp>
-      <p:sp>
-        <p:nvSpPr>
-          <p:cNvPr id="5" name="Foliennummernplatzhalter 4"/>
-          <p:cNvSpPr>
-            <a:spLocks noGrp="1"/>
-          </p:cNvSpPr>
-          <p:nvPr>
-            <p:ph type="sldNum" sz="quarter" idx="12"/>
-          </p:nvPr>
-        </p:nvSpPr>
-        <p:spPr/>
-        <p:txBody>
-          <a:bodyPr/>
-          <a:lstStyle/>
-          <a:p>
-            <a:fld id="{61696EC4-B4CF-4701-AD06-A8439D6D8E12}" type="slidenum">
-              <a:rPr lang="en-US" noProof="0" smtClean="0"/>
-              <a:t>7</a:t>
             </a:fld>
             <a:endParaRPr lang="en-US" noProof="0"/>
           </a:p>
@@ -7123,6 +6562,164 @@
 </p:sld>
 </file>
 
+<file path=ppt/slides/slide7.xml><?xml version="1.0" encoding="utf-8"?>
+<p:sld xmlns:a="http://schemas.openxmlformats.org/drawingml/2006/main" xmlns:r="http://schemas.openxmlformats.org/officeDocument/2006/relationships" xmlns:p="http://schemas.openxmlformats.org/presentationml/2006/main">
+  <p:cSld>
+    <p:spTree>
+      <p:nvGrpSpPr>
+        <p:cNvPr id="1" name=""/>
+        <p:cNvGrpSpPr/>
+        <p:nvPr/>
+      </p:nvGrpSpPr>
+      <p:grpSpPr>
+        <a:xfrm>
+          <a:off x="0" y="0"/>
+          <a:ext cx="0" cy="0"/>
+          <a:chOff x="0" y="0"/>
+          <a:chExt cx="0" cy="0"/>
+        </a:xfrm>
+      </p:grpSpPr>
+      <p:sp>
+        <p:nvSpPr>
+          <p:cNvPr id="2" name="Titel 1"/>
+          <p:cNvSpPr>
+            <a:spLocks noGrp="1"/>
+          </p:cNvSpPr>
+          <p:nvPr>
+            <p:ph type="title"/>
+          </p:nvPr>
+        </p:nvSpPr>
+        <p:spPr/>
+        <p:txBody>
+          <a:bodyPr/>
+          <a:lstStyle/>
+          <a:p>
+            <a:r>
+              <a:rPr lang="en-US" dirty="0"/>
+              <a:t>Missing value filling</a:t>
+            </a:r>
+          </a:p>
+        </p:txBody>
+      </p:sp>
+      <p:sp>
+        <p:nvSpPr>
+          <p:cNvPr id="3" name="Inhaltsplatzhalter 2"/>
+          <p:cNvSpPr>
+            <a:spLocks noGrp="1"/>
+          </p:cNvSpPr>
+          <p:nvPr>
+            <p:ph idx="1"/>
+          </p:nvPr>
+        </p:nvSpPr>
+        <p:spPr/>
+        <p:txBody>
+          <a:bodyPr/>
+          <a:lstStyle/>
+          <a:p>
+            <a:r>
+              <a:rPr lang="en-US" dirty="0"/>
+              <a:t>Before merge capacity table with polygon map</a:t>
+            </a:r>
+          </a:p>
+          <a:p>
+            <a:pPr lvl="1"/>
+            <a:r>
+              <a:rPr lang="en-US" dirty="0"/>
+              <a:t>Storage Unit and Trap </a:t>
+            </a:r>
+          </a:p>
+          <a:p>
+            <a:pPr lvl="2">
+              <a:buFont typeface="Wingdings" panose="05000000000000000000" pitchFamily="2" charset="2"/>
+              <a:buChar char="Ø"/>
+            </a:pPr>
+            <a:r>
+              <a:rPr lang="en-US" dirty="0"/>
+              <a:t>Fill missing value in base capacity with original data </a:t>
+            </a:r>
+          </a:p>
+          <a:p>
+            <a:pPr lvl="2">
+              <a:buFont typeface="Wingdings" panose="05000000000000000000" pitchFamily="2" charset="2"/>
+              <a:buChar char="Ø"/>
+            </a:pPr>
+            <a:r>
+              <a:rPr lang="en-US" dirty="0"/>
+              <a:t>Fill missing value in neutral estimation with conservative estimation</a:t>
+            </a:r>
+          </a:p>
+          <a:p>
+            <a:pPr lvl="2">
+              <a:buFont typeface="Wingdings" panose="05000000000000000000" pitchFamily="2" charset="2"/>
+              <a:buChar char="Ø"/>
+            </a:pPr>
+            <a:r>
+              <a:rPr lang="en-US" dirty="0"/>
+              <a:t>Fill missing value in optimistic estimation with conservative estimation	</a:t>
+            </a:r>
+          </a:p>
+          <a:p>
+            <a:pPr marL="895350" lvl="2" indent="0">
+              <a:buNone/>
+            </a:pPr>
+            <a:endParaRPr lang="en-US" dirty="0"/>
+          </a:p>
+        </p:txBody>
+      </p:sp>
+      <p:sp>
+        <p:nvSpPr>
+          <p:cNvPr id="4" name="Datumsplatzhalter 3"/>
+          <p:cNvSpPr>
+            <a:spLocks noGrp="1"/>
+          </p:cNvSpPr>
+          <p:nvPr>
+            <p:ph type="dt" sz="half" idx="10"/>
+          </p:nvPr>
+        </p:nvSpPr>
+        <p:spPr/>
+        <p:txBody>
+          <a:bodyPr/>
+          <a:lstStyle/>
+          <a:p>
+            <a:fld id="{7C6BFBC4-F565-4C2D-A740-CCD0BFEDCA36}" type="datetime3">
+              <a:rPr lang="en-US" noProof="0" smtClean="0"/>
+              <a:t>30 June 2021</a:t>
+            </a:fld>
+            <a:endParaRPr lang="en-US" noProof="0"/>
+          </a:p>
+        </p:txBody>
+      </p:sp>
+      <p:sp>
+        <p:nvSpPr>
+          <p:cNvPr id="5" name="Foliennummernplatzhalter 4"/>
+          <p:cNvSpPr>
+            <a:spLocks noGrp="1"/>
+          </p:cNvSpPr>
+          <p:nvPr>
+            <p:ph type="sldNum" sz="quarter" idx="12"/>
+          </p:nvPr>
+        </p:nvSpPr>
+        <p:spPr/>
+        <p:txBody>
+          <a:bodyPr/>
+          <a:lstStyle/>
+          <a:p>
+            <a:fld id="{61696EC4-B4CF-4701-AD06-A8439D6D8E12}" type="slidenum">
+              <a:rPr lang="en-US" noProof="0" smtClean="0"/>
+              <a:t>7</a:t>
+            </a:fld>
+            <a:endParaRPr lang="en-US" noProof="0"/>
+          </a:p>
+        </p:txBody>
+      </p:sp>
+    </p:spTree>
+  </p:cSld>
+  <p:clrMapOvr>
+    <a:masterClrMapping/>
+  </p:clrMapOvr>
+</p:sld>
+</file>
+
 <file path=ppt/slides/slide8.xml><?xml version="1.0" encoding="utf-8"?>
 <p:sld xmlns:a="http://schemas.openxmlformats.org/drawingml/2006/main" xmlns:r="http://schemas.openxmlformats.org/officeDocument/2006/relationships" xmlns:p="http://schemas.openxmlformats.org/presentationml/2006/main">
   <p:cSld>
@@ -7140,36 +6737,6 @@
           <a:chExt cx="0" cy="0"/>
         </a:xfrm>
       </p:grpSpPr>
-      <p:pic>
-        <p:nvPicPr>
-          <p:cNvPr id="11" name="Grafik 10"/>
-          <p:cNvPicPr>
-            <a:picLocks noChangeAspect="1"/>
-          </p:cNvPicPr>
-          <p:nvPr/>
-        </p:nvPicPr>
-        <p:blipFill>
-          <a:blip r:embed="rId2">
-            <a:extLst>
-              <a:ext uri="{28A0092B-C50C-407E-A947-70E740481C1C}">
-                <a14:useLocalDpi xmlns:a14="http://schemas.microsoft.com/office/drawing/2010/main" val="0"/>
-              </a:ext>
-            </a:extLst>
-          </a:blip>
-          <a:stretch>
-            <a:fillRect/>
-          </a:stretch>
-        </p:blipFill>
-        <p:spPr>
-          <a:xfrm>
-            <a:off x="8909520" y="3716533"/>
-            <a:ext cx="2971755" cy="2600286"/>
-          </a:xfrm>
-          <a:prstGeom prst="rect">
-            <a:avLst/>
-          </a:prstGeom>
-        </p:spPr>
-      </p:pic>
       <p:sp>
         <p:nvSpPr>
           <p:cNvPr id="2" name="Titel 1"/>
@@ -7180,158 +6747,20 @@
             <p:ph type="title"/>
           </p:nvPr>
         </p:nvSpPr>
-        <p:spPr/>
+        <p:spPr>
+          <a:xfrm>
+            <a:off x="402314" y="247559"/>
+            <a:ext cx="9178008" cy="627829"/>
+          </a:xfrm>
+        </p:spPr>
         <p:txBody>
           <a:bodyPr/>
           <a:lstStyle/>
           <a:p>
             <a:r>
               <a:rPr lang="en-US" dirty="0"/>
-              <a:t>Missing value filling</a:t>
-            </a:r>
-          </a:p>
-        </p:txBody>
-      </p:sp>
-      <p:sp>
-        <p:nvSpPr>
-          <p:cNvPr id="3" name="Inhaltsplatzhalter 2"/>
-          <p:cNvSpPr>
-            <a:spLocks noGrp="1"/>
-          </p:cNvSpPr>
-          <p:nvPr>
-            <p:ph idx="1"/>
-          </p:nvPr>
-        </p:nvSpPr>
-        <p:spPr/>
-        <p:txBody>
-          <a:bodyPr/>
-          <a:lstStyle/>
-          <a:p>
-            <a:r>
-              <a:rPr lang="en-US" dirty="0"/>
-              <a:t>Before merge capacity table with polygon map</a:t>
-            </a:r>
-          </a:p>
-          <a:p>
-            <a:pPr lvl="1"/>
-            <a:r>
-              <a:rPr lang="en-US" dirty="0"/>
-              <a:t>Storage Unit and Trap </a:t>
-            </a:r>
-          </a:p>
-          <a:p>
-            <a:pPr lvl="2">
-              <a:buFont typeface="Wingdings" panose="05000000000000000000" pitchFamily="2" charset="2"/>
-              <a:buChar char="Ø"/>
-            </a:pPr>
-            <a:r>
-              <a:rPr lang="en-US" dirty="0"/>
-              <a:t>Fill missing value in base capacity with original data </a:t>
-            </a:r>
-          </a:p>
-          <a:p>
-            <a:pPr lvl="2">
-              <a:buFont typeface="Wingdings" panose="05000000000000000000" pitchFamily="2" charset="2"/>
-              <a:buChar char="Ø"/>
-            </a:pPr>
-            <a:r>
-              <a:rPr lang="en-US" dirty="0"/>
-              <a:t>Fill missing value in neutral estimation with conservative estimation</a:t>
-            </a:r>
-          </a:p>
-          <a:p>
-            <a:pPr lvl="2">
-              <a:buFont typeface="Wingdings" panose="05000000000000000000" pitchFamily="2" charset="2"/>
-              <a:buChar char="Ø"/>
-            </a:pPr>
-            <a:r>
-              <a:rPr lang="en-US" dirty="0"/>
-              <a:t>Fill missing value in optimistic estimation with conservative estimation	</a:t>
-            </a:r>
-          </a:p>
-          <a:p>
-            <a:pPr marL="895350" lvl="2" indent="0">
-              <a:buNone/>
-            </a:pPr>
-            <a:endParaRPr lang="en-US" dirty="0"/>
-          </a:p>
-          <a:p>
-            <a:r>
-              <a:rPr lang="en-US" dirty="0">
-                <a:solidFill>
-                  <a:schemeClr val="bg2">
-                    <a:lumMod val="75000"/>
-                  </a:schemeClr>
-                </a:solidFill>
-              </a:rPr>
-              <a:t>After merge</a:t>
-            </a:r>
-          </a:p>
-          <a:p>
-            <a:pPr lvl="1"/>
-            <a:r>
-              <a:rPr lang="en-US" dirty="0">
-                <a:solidFill>
-                  <a:schemeClr val="bg2">
-                    <a:lumMod val="75000"/>
-                  </a:schemeClr>
-                </a:solidFill>
-              </a:rPr>
-              <a:t>Only in Storage Unit (estimation mainly based on volume)</a:t>
-            </a:r>
-          </a:p>
-          <a:p>
-            <a:pPr lvl="2">
-              <a:buFont typeface="Wingdings" panose="05000000000000000000" pitchFamily="2" charset="2"/>
-              <a:buChar char="Ø"/>
-            </a:pPr>
-            <a:r>
-              <a:rPr lang="en-US" dirty="0">
-                <a:solidFill>
-                  <a:schemeClr val="bg2">
-                    <a:lumMod val="75000"/>
-                  </a:schemeClr>
-                </a:solidFill>
-              </a:rPr>
-              <a:t>Some how use polygon volume to fill missing value (TODO)</a:t>
-            </a:r>
-          </a:p>
-          <a:p>
-            <a:pPr lvl="2">
-              <a:buFont typeface="Wingdings" panose="05000000000000000000" pitchFamily="2" charset="2"/>
-              <a:buChar char="Ø"/>
-            </a:pPr>
-            <a:r>
-              <a:rPr lang="en-US" dirty="0">
-                <a:solidFill>
-                  <a:srgbClr val="FF0000"/>
-                </a:solidFill>
-              </a:rPr>
-              <a:t>Problem: </a:t>
-            </a:r>
-          </a:p>
-          <a:p>
-            <a:pPr marL="895350" lvl="2" indent="0">
-              <a:buNone/>
-            </a:pPr>
-            <a:r>
-              <a:rPr lang="en-US" dirty="0">
-                <a:solidFill>
-                  <a:srgbClr val="FF0000"/>
-                </a:solidFill>
-              </a:rPr>
-              <a:t>	     </a:t>
-            </a:r>
-            <a:r>
-              <a:rPr lang="en-US" dirty="0"/>
-              <a:t>no obvious correlation between capacity and polygon volume</a:t>
-            </a:r>
-          </a:p>
-          <a:p>
-            <a:pPr marL="447675" lvl="1" indent="0">
-              <a:buNone/>
-            </a:pPr>
-            <a:endParaRPr lang="en-US" dirty="0"/>
+              <a:t>Combine Map and Capacity Table</a:t>
+            </a:r>
           </a:p>
         </p:txBody>
       </p:sp>
@@ -7352,7 +6781,7 @@
           <a:p>
             <a:fld id="{7C6BFBC4-F565-4C2D-A740-CCD0BFEDCA36}" type="datetime3">
               <a:rPr lang="en-US" noProof="0" smtClean="0"/>
-              <a:t>21 June 2021</a:t>
+              <a:t>30 June 2021</a:t>
             </a:fld>
             <a:endParaRPr lang="en-US" noProof="0"/>
           </a:p>
@@ -7376,104 +6805,6 @@
             <a:fld id="{61696EC4-B4CF-4701-AD06-A8439D6D8E12}" type="slidenum">
               <a:rPr lang="en-US" noProof="0" smtClean="0"/>
               <a:t>8</a:t>
-            </a:fld>
-            <a:endParaRPr lang="en-US" noProof="0"/>
-          </a:p>
-        </p:txBody>
-      </p:sp>
-    </p:spTree>
-  </p:cSld>
-  <p:clrMapOvr>
-    <a:masterClrMapping/>
-  </p:clrMapOvr>
-</p:sld>
-</file>
-
-<file path=ppt/slides/slide9.xml><?xml version="1.0" encoding="utf-8"?>
-<p:sld xmlns:a="http://schemas.openxmlformats.org/drawingml/2006/main" xmlns:r="http://schemas.openxmlformats.org/officeDocument/2006/relationships" xmlns:p="http://schemas.openxmlformats.org/presentationml/2006/main">
-  <p:cSld>
-    <p:spTree>
-      <p:nvGrpSpPr>
-        <p:cNvPr id="1" name=""/>
-        <p:cNvGrpSpPr/>
-        <p:nvPr/>
-      </p:nvGrpSpPr>
-      <p:grpSpPr>
-        <a:xfrm>
-          <a:off x="0" y="0"/>
-          <a:ext cx="0" cy="0"/>
-          <a:chOff x="0" y="0"/>
-          <a:chExt cx="0" cy="0"/>
-        </a:xfrm>
-      </p:grpSpPr>
-      <p:sp>
-        <p:nvSpPr>
-          <p:cNvPr id="2" name="Titel 1"/>
-          <p:cNvSpPr>
-            <a:spLocks noGrp="1"/>
-          </p:cNvSpPr>
-          <p:nvPr>
-            <p:ph type="title"/>
-          </p:nvPr>
-        </p:nvSpPr>
-        <p:spPr>
-          <a:xfrm>
-            <a:off x="402314" y="247559"/>
-            <a:ext cx="9178008" cy="627829"/>
-          </a:xfrm>
-        </p:spPr>
-        <p:txBody>
-          <a:bodyPr/>
-          <a:lstStyle/>
-          <a:p>
-            <a:r>
-              <a:rPr lang="en-US" dirty="0"/>
-              <a:t>Combine Map and Capacity Table</a:t>
-            </a:r>
-          </a:p>
-        </p:txBody>
-      </p:sp>
-      <p:sp>
-        <p:nvSpPr>
-          <p:cNvPr id="4" name="Datumsplatzhalter 3"/>
-          <p:cNvSpPr>
-            <a:spLocks noGrp="1"/>
-          </p:cNvSpPr>
-          <p:nvPr>
-            <p:ph type="dt" sz="half" idx="10"/>
-          </p:nvPr>
-        </p:nvSpPr>
-        <p:spPr/>
-        <p:txBody>
-          <a:bodyPr/>
-          <a:lstStyle/>
-          <a:p>
-            <a:fld id="{7C6BFBC4-F565-4C2D-A740-CCD0BFEDCA36}" type="datetime3">
-              <a:rPr lang="en-US" noProof="0" smtClean="0"/>
-              <a:t>21 June 2021</a:t>
-            </a:fld>
-            <a:endParaRPr lang="en-US" noProof="0"/>
-          </a:p>
-        </p:txBody>
-      </p:sp>
-      <p:sp>
-        <p:nvSpPr>
-          <p:cNvPr id="5" name="Foliennummernplatzhalter 4"/>
-          <p:cNvSpPr>
-            <a:spLocks noGrp="1"/>
-          </p:cNvSpPr>
-          <p:nvPr>
-            <p:ph type="sldNum" sz="quarter" idx="12"/>
-          </p:nvPr>
-        </p:nvSpPr>
-        <p:spPr/>
-        <p:txBody>
-          <a:bodyPr/>
-          <a:lstStyle/>
-          <a:p>
-            <a:fld id="{61696EC4-B4CF-4701-AD06-A8439D6D8E12}" type="slidenum">
-              <a:rPr lang="en-US" noProof="0" smtClean="0"/>
-              <a:t>9</a:t>
             </a:fld>
             <a:endParaRPr lang="en-US" noProof="0"/>
           </a:p>
@@ -8601,7 +7932,7 @@
         <p:spPr>
           <a:xfrm flipH="1">
             <a:off x="8657483" y="2115765"/>
-            <a:ext cx="8017" cy="457786"/>
+            <a:ext cx="8017" cy="1841019"/>
           </a:xfrm>
           <a:prstGeom prst="straightConnector1">
             <a:avLst/>
@@ -8633,7 +7964,7 @@
         </p:nvSpPr>
         <p:spPr>
           <a:xfrm>
-            <a:off x="7623954" y="2573551"/>
+            <a:off x="7623954" y="3956784"/>
             <a:ext cx="2067058" cy="523220"/>
           </a:xfrm>
           <a:prstGeom prst="rect">
@@ -8666,19 +7997,19 @@
         <p:nvCxnSpPr>
           <p:cNvPr id="92" name="Gewinkelte Verbindung 91"/>
           <p:cNvCxnSpPr>
+            <a:cxnSpLocks/>
             <a:stCxn id="84" idx="2"/>
+            <a:endCxn id="73" idx="3"/>
           </p:cNvCxnSpPr>
           <p:nvPr/>
         </p:nvCxnSpPr>
         <p:spPr>
           <a:xfrm rot="5400000">
-            <a:off x="5197191" y="1764167"/>
-            <a:ext cx="2127688" cy="4792896"/>
+            <a:off x="6498810" y="2648035"/>
+            <a:ext cx="326704" cy="3990643"/>
           </a:xfrm>
-          <a:prstGeom prst="bentConnector3">
-            <a:avLst>
-              <a:gd name="adj1" fmla="val 68513"/>
-            </a:avLst>
+          <a:prstGeom prst="bentConnector2">
+            <a:avLst/>
           </a:prstGeom>
           <a:ln>
             <a:tailEnd type="triangle"/>
@@ -8771,258 +8102,49 @@
           </a:p>
         </p:txBody>
       </p:sp>
-      <p:cxnSp>
-        <p:nvCxnSpPr>
-          <p:cNvPr id="109" name="Gerade Verbindung mit Pfeil 108"/>
-          <p:cNvCxnSpPr>
-            <a:stCxn id="104" idx="4"/>
-            <a:endCxn id="106" idx="1"/>
-          </p:cNvCxnSpPr>
+      <p:sp>
+        <p:nvSpPr>
+          <p:cNvPr id="50" name="Textfeld 49">
+            <a:extLst>
+              <a:ext uri="{FF2B5EF4-FFF2-40B4-BE49-F238E27FC236}">
+                <a16:creationId xmlns:a16="http://schemas.microsoft.com/office/drawing/2014/main" id="{09A837F5-0793-4843-8A1F-76C70FB1EB79}"/>
+              </a:ext>
+            </a:extLst>
+          </p:cNvPr>
+          <p:cNvSpPr txBox="1"/>
           <p:nvPr/>
-        </p:nvCxnSpPr>
+        </p:nvSpPr>
         <p:spPr>
           <a:xfrm>
-            <a:off x="4446577" y="5670751"/>
-            <a:ext cx="1315394" cy="6258"/>
+            <a:off x="7631971" y="2738726"/>
+            <a:ext cx="2067058" cy="523220"/>
           </a:xfrm>
-          <a:prstGeom prst="straightConnector1">
+          <a:prstGeom prst="rect">
             <a:avLst/>
           </a:prstGeom>
-          <a:ln>
-            <a:tailEnd type="triangle"/>
-          </a:ln>
+          <a:solidFill>
+            <a:schemeClr val="bg2">
+              <a:lumMod val="50000"/>
+            </a:schemeClr>
+          </a:solidFill>
         </p:spPr>
-        <p:style>
-          <a:lnRef idx="1">
-            <a:schemeClr val="accent1"/>
-          </a:lnRef>
-          <a:fillRef idx="0">
-            <a:schemeClr val="accent1"/>
-          </a:fillRef>
-          <a:effectRef idx="0">
-            <a:schemeClr val="accent1"/>
-          </a:effectRef>
-          <a:fontRef idx="minor">
-            <a:schemeClr val="tx1"/>
-          </a:fontRef>
-        </p:style>
-      </p:cxnSp>
-      <p:grpSp>
-        <p:nvGrpSpPr>
-          <p:cNvPr id="115" name="Gruppieren 114"/>
-          <p:cNvGrpSpPr/>
-          <p:nvPr/>
-        </p:nvGrpSpPr>
-        <p:grpSpPr>
-          <a:xfrm>
-            <a:off x="5046668" y="4991374"/>
-            <a:ext cx="5729185" cy="1268753"/>
-            <a:chOff x="5046668" y="4991374"/>
-            <a:chExt cx="5729185" cy="1268753"/>
-          </a:xfrm>
-          <a:effectLst/>
-        </p:grpSpPr>
-        <p:sp>
-          <p:nvSpPr>
-            <p:cNvPr id="105" name="Zylinder 104"/>
-            <p:cNvSpPr/>
-            <p:nvPr/>
-          </p:nvSpPr>
-          <p:spPr>
-            <a:xfrm>
-              <a:off x="8845683" y="5182258"/>
-              <a:ext cx="1163985" cy="1007529"/>
-            </a:xfrm>
-            <a:prstGeom prst="can">
-              <a:avLst/>
-            </a:prstGeom>
-            <a:solidFill>
-              <a:schemeClr val="accent1">
-                <a:alpha val="52000"/>
-              </a:schemeClr>
-            </a:solidFill>
-            <a:ln>
-              <a:solidFill>
-                <a:schemeClr val="accent1">
-                  <a:alpha val="60000"/>
-                </a:schemeClr>
-              </a:solidFill>
-            </a:ln>
-          </p:spPr>
-          <p:style>
-            <a:lnRef idx="2">
-              <a:schemeClr val="accent1">
-                <a:shade val="50000"/>
-              </a:schemeClr>
-            </a:lnRef>
-            <a:fillRef idx="1">
-              <a:schemeClr val="accent1"/>
-            </a:fillRef>
-            <a:effectRef idx="0">
-              <a:schemeClr val="accent1"/>
-            </a:effectRef>
-            <a:fontRef idx="minor">
-              <a:schemeClr val="lt1"/>
-            </a:fontRef>
-          </p:style>
-          <p:txBody>
-            <a:bodyPr rtlCol="0" anchor="ctr"/>
-            <a:lstStyle/>
-            <a:p>
-              <a:pPr algn="ctr"/>
-              <a:r>
-                <a:rPr lang="en-US" dirty="0"/>
-                <a:t>Final dataset</a:t>
-              </a:r>
-            </a:p>
-          </p:txBody>
-        </p:sp>
-        <p:sp>
-          <p:nvSpPr>
-            <p:cNvPr id="106" name="Rechteck 105"/>
-            <p:cNvSpPr/>
-            <p:nvPr/>
-          </p:nvSpPr>
-          <p:spPr>
-            <a:xfrm>
-              <a:off x="5761971" y="5304912"/>
-              <a:ext cx="2363281" cy="744194"/>
-            </a:xfrm>
-            <a:prstGeom prst="rect">
-              <a:avLst/>
-            </a:prstGeom>
-            <a:solidFill>
-              <a:schemeClr val="accent1">
-                <a:alpha val="50000"/>
-              </a:schemeClr>
-            </a:solidFill>
-            <a:ln>
-              <a:solidFill>
-                <a:schemeClr val="accent1">
-                  <a:alpha val="60000"/>
-                </a:schemeClr>
-              </a:solidFill>
-            </a:ln>
-          </p:spPr>
-          <p:style>
-            <a:lnRef idx="2">
-              <a:schemeClr val="accent1">
-                <a:shade val="50000"/>
-              </a:schemeClr>
-            </a:lnRef>
-            <a:fillRef idx="1">
-              <a:schemeClr val="accent1"/>
-            </a:fillRef>
-            <a:effectRef idx="0">
-              <a:schemeClr val="accent1"/>
-            </a:effectRef>
-            <a:fontRef idx="minor">
-              <a:schemeClr val="lt1"/>
-            </a:fontRef>
-          </p:style>
-          <p:txBody>
-            <a:bodyPr rtlCol="0" anchor="ctr"/>
-            <a:lstStyle/>
-            <a:p>
-              <a:pPr algn="ctr"/>
-              <a:r>
-                <a:rPr lang="en-US" sz="1600" dirty="0"/>
-                <a:t>Filling missing value based on size of polygons</a:t>
-              </a:r>
-            </a:p>
-          </p:txBody>
-        </p:sp>
-        <p:cxnSp>
-          <p:nvCxnSpPr>
-            <p:cNvPr id="110" name="Gerade Verbindung mit Pfeil 109"/>
-            <p:cNvCxnSpPr>
-              <a:stCxn id="106" idx="3"/>
-              <a:endCxn id="105" idx="2"/>
-            </p:cNvCxnSpPr>
-            <p:nvPr/>
-          </p:nvCxnSpPr>
-          <p:spPr>
-            <a:xfrm>
-              <a:off x="8125252" y="5677009"/>
-              <a:ext cx="720431" cy="9014"/>
-            </a:xfrm>
-            <a:prstGeom prst="straightConnector1">
-              <a:avLst/>
-            </a:prstGeom>
-            <a:ln>
-              <a:solidFill>
-                <a:schemeClr val="accent1">
-                  <a:alpha val="60000"/>
-                </a:schemeClr>
-              </a:solidFill>
-              <a:tailEnd type="triangle"/>
-            </a:ln>
-          </p:spPr>
-          <p:style>
-            <a:lnRef idx="1">
-              <a:schemeClr val="accent1"/>
-            </a:lnRef>
-            <a:fillRef idx="0">
-              <a:schemeClr val="accent1"/>
-            </a:fillRef>
-            <a:effectRef idx="0">
-              <a:schemeClr val="accent1"/>
-            </a:effectRef>
-            <a:fontRef idx="minor">
-              <a:schemeClr val="tx1"/>
-            </a:fontRef>
-          </p:style>
-        </p:cxnSp>
-        <p:sp>
-          <p:nvSpPr>
-            <p:cNvPr id="113" name="Rechteck 112"/>
-            <p:cNvSpPr/>
-            <p:nvPr/>
-          </p:nvSpPr>
-          <p:spPr>
-            <a:xfrm>
-              <a:off x="5046668" y="4991374"/>
-              <a:ext cx="5729185" cy="1268753"/>
-            </a:xfrm>
-            <a:prstGeom prst="rect">
-              <a:avLst/>
-            </a:prstGeom>
-            <a:noFill/>
-            <a:ln>
-              <a:solidFill>
-                <a:schemeClr val="accent1">
-                  <a:alpha val="60000"/>
-                </a:schemeClr>
-              </a:solidFill>
-              <a:prstDash val="dash"/>
-            </a:ln>
-          </p:spPr>
-          <p:style>
-            <a:lnRef idx="2">
-              <a:schemeClr val="accent1">
-                <a:shade val="50000"/>
-              </a:schemeClr>
-            </a:lnRef>
-            <a:fillRef idx="1">
-              <a:schemeClr val="accent1"/>
-            </a:fillRef>
-            <a:effectRef idx="0">
-              <a:schemeClr val="accent1"/>
-            </a:effectRef>
-            <a:fontRef idx="minor">
-              <a:schemeClr val="lt1"/>
-            </a:fontRef>
-          </p:style>
-          <p:txBody>
-            <a:bodyPr rtlCol="0" anchor="ctr"/>
-            <a:lstStyle/>
-            <a:p>
-              <a:pPr algn="ctr"/>
-              <a:endParaRPr lang="en-US"/>
-            </a:p>
-          </p:txBody>
-        </p:sp>
-      </p:grpSp>
+        <p:txBody>
+          <a:bodyPr wrap="square" rtlCol="0">
+            <a:spAutoFit/>
+          </a:bodyPr>
+          <a:lstStyle/>
+          <a:p>
+            <a:r>
+              <a:rPr lang="en-US" sz="1400" dirty="0">
+                <a:solidFill>
+                  <a:schemeClr val="bg1"/>
+                </a:solidFill>
+              </a:rPr>
+              <a:t>Remove unprecise polygons </a:t>
+            </a:r>
+          </a:p>
+        </p:txBody>
+      </p:sp>
     </p:spTree>
   </p:cSld>
   <p:clrMapOvr>

--- a/CO2Storage.pptx
+++ b/CO2Storage.pptx
@@ -5,17 +5,18 @@
     <p:sldMasterId id="2147483648" r:id="rId1"/>
   </p:sldMasterIdLst>
   <p:notesMasterIdLst>
-    <p:notesMasterId r:id="rId10"/>
+    <p:notesMasterId r:id="rId11"/>
   </p:notesMasterIdLst>
   <p:sldIdLst>
     <p:sldId id="256" r:id="rId2"/>
-    <p:sldId id="257" r:id="rId3"/>
-    <p:sldId id="258" r:id="rId4"/>
-    <p:sldId id="264" r:id="rId5"/>
-    <p:sldId id="266" r:id="rId6"/>
+    <p:sldId id="269" r:id="rId3"/>
+    <p:sldId id="257" r:id="rId4"/>
+    <p:sldId id="258" r:id="rId5"/>
+    <p:sldId id="264" r:id="rId6"/>
     <p:sldId id="260" r:id="rId7"/>
-    <p:sldId id="261" r:id="rId8"/>
-    <p:sldId id="268" r:id="rId9"/>
+    <p:sldId id="266" r:id="rId8"/>
+    <p:sldId id="261" r:id="rId9"/>
+    <p:sldId id="268" r:id="rId10"/>
   </p:sldIdLst>
   <p:sldSz cx="12192000" cy="6858000"/>
   <p:notesSz cx="6858000" cy="9144000"/>
@@ -541,7 +542,7 @@
           <a:p>
             <a:fld id="{E13F729A-0AF0-4995-B32B-9504BC68960C}" type="slidenum">
               <a:rPr lang="de-DE" smtClean="0"/>
-              <a:t>2</a:t>
+              <a:t>3</a:t>
             </a:fld>
             <a:endParaRPr lang="de-DE"/>
           </a:p>
@@ -3356,135 +3357,6 @@
               <a:t>‹Nr.›</a:t>
             </a:fld>
             <a:endParaRPr lang="en-US" noProof="0"/>
-          </a:p>
-        </p:txBody>
-      </p:sp>
-      <p:sp>
-        <p:nvSpPr>
-          <p:cNvPr id="16" name="Fußzeilenplatzhalter 4"/>
-          <p:cNvSpPr txBox="1"/>
-          <p:nvPr userDrawn="1"/>
-        </p:nvSpPr>
-        <p:spPr>
-          <a:xfrm>
-            <a:off x="7908324" y="6452596"/>
-            <a:ext cx="3759012" cy="365125"/>
-          </a:xfrm>
-          <a:prstGeom prst="rect">
-            <a:avLst/>
-          </a:prstGeom>
-        </p:spPr>
-        <p:txBody>
-          <a:bodyPr vert="horz" lIns="0" tIns="0" rIns="0" bIns="0" rtlCol="0" anchor="t"/>
-          <a:lstStyle>
-            <a:defPPr>
-              <a:defRPr lang="de-DE"/>
-            </a:defPPr>
-            <a:lvl1pPr marL="0" algn="l" defTabSz="914400" rtl="0" eaLnBrk="1" latinLnBrk="0" hangingPunct="1">
-              <a:defRPr sz="1100" kern="1200">
-                <a:solidFill>
-                  <a:schemeClr val="tx1"/>
-                </a:solidFill>
-                <a:latin typeface="+mn-lt"/>
-                <a:ea typeface="+mn-ea"/>
-                <a:cs typeface="+mn-cs"/>
-              </a:defRPr>
-            </a:lvl1pPr>
-            <a:lvl2pPr marL="457200" algn="l" defTabSz="914400" rtl="0" eaLnBrk="1" latinLnBrk="0" hangingPunct="1">
-              <a:defRPr sz="1800" kern="1200">
-                <a:solidFill>
-                  <a:schemeClr val="tx1"/>
-                </a:solidFill>
-                <a:latin typeface="+mn-lt"/>
-                <a:ea typeface="+mn-ea"/>
-                <a:cs typeface="+mn-cs"/>
-              </a:defRPr>
-            </a:lvl2pPr>
-            <a:lvl3pPr marL="914400" algn="l" defTabSz="914400" rtl="0" eaLnBrk="1" latinLnBrk="0" hangingPunct="1">
-              <a:defRPr sz="1800" kern="1200">
-                <a:solidFill>
-                  <a:schemeClr val="tx1"/>
-                </a:solidFill>
-                <a:latin typeface="+mn-lt"/>
-                <a:ea typeface="+mn-ea"/>
-                <a:cs typeface="+mn-cs"/>
-              </a:defRPr>
-            </a:lvl3pPr>
-            <a:lvl4pPr marL="1371600" algn="l" defTabSz="914400" rtl="0" eaLnBrk="1" latinLnBrk="0" hangingPunct="1">
-              <a:defRPr sz="1800" kern="1200">
-                <a:solidFill>
-                  <a:schemeClr val="tx1"/>
-                </a:solidFill>
-                <a:latin typeface="+mn-lt"/>
-                <a:ea typeface="+mn-ea"/>
-                <a:cs typeface="+mn-cs"/>
-              </a:defRPr>
-            </a:lvl4pPr>
-            <a:lvl5pPr marL="1828800" algn="l" defTabSz="914400" rtl="0" eaLnBrk="1" latinLnBrk="0" hangingPunct="1">
-              <a:defRPr sz="1800" kern="1200">
-                <a:solidFill>
-                  <a:schemeClr val="tx1"/>
-                </a:solidFill>
-                <a:latin typeface="+mn-lt"/>
-                <a:ea typeface="+mn-ea"/>
-                <a:cs typeface="+mn-cs"/>
-              </a:defRPr>
-            </a:lvl5pPr>
-            <a:lvl6pPr marL="2286000" algn="l" defTabSz="914400" rtl="0" eaLnBrk="1" latinLnBrk="0" hangingPunct="1">
-              <a:defRPr sz="1800" kern="1200">
-                <a:solidFill>
-                  <a:schemeClr val="tx1"/>
-                </a:solidFill>
-                <a:latin typeface="+mn-lt"/>
-                <a:ea typeface="+mn-ea"/>
-                <a:cs typeface="+mn-cs"/>
-              </a:defRPr>
-            </a:lvl6pPr>
-            <a:lvl7pPr marL="2743200" algn="l" defTabSz="914400" rtl="0" eaLnBrk="1" latinLnBrk="0" hangingPunct="1">
-              <a:defRPr sz="1800" kern="1200">
-                <a:solidFill>
-                  <a:schemeClr val="tx1"/>
-                </a:solidFill>
-                <a:latin typeface="+mn-lt"/>
-                <a:ea typeface="+mn-ea"/>
-                <a:cs typeface="+mn-cs"/>
-              </a:defRPr>
-            </a:lvl7pPr>
-            <a:lvl8pPr marL="3200400" algn="l" defTabSz="914400" rtl="0" eaLnBrk="1" latinLnBrk="0" hangingPunct="1">
-              <a:defRPr sz="1800" kern="1200">
-                <a:solidFill>
-                  <a:schemeClr val="tx1"/>
-                </a:solidFill>
-                <a:latin typeface="+mn-lt"/>
-                <a:ea typeface="+mn-ea"/>
-                <a:cs typeface="+mn-cs"/>
-              </a:defRPr>
-            </a:lvl8pPr>
-            <a:lvl9pPr marL="3657600" algn="l" defTabSz="914400" rtl="0" eaLnBrk="1" latinLnBrk="0" hangingPunct="1">
-              <a:defRPr sz="1800" kern="1200">
-                <a:solidFill>
-                  <a:schemeClr val="tx1"/>
-                </a:solidFill>
-                <a:latin typeface="+mn-lt"/>
-                <a:ea typeface="+mn-ea"/>
-                <a:cs typeface="+mn-cs"/>
-              </a:defRPr>
-            </a:lvl9pPr>
-          </a:lstStyle>
-          <a:p>
-            <a:pPr algn="r">
-              <a:spcBef>
-                <a:spcPct val="50000"/>
-              </a:spcBef>
-              <a:defRPr/>
-            </a:pPr>
-            <a:br>
-              <a:rPr lang="en-US" sz="1200" noProof="0" dirty="0"/>
-            </a:br>
-            <a:r>
-              <a:rPr lang="en-US" sz="1200" noProof="0" dirty="0"/>
-              <a:t>Institute for Program Structures and Data Organization</a:t>
-            </a:r>
           </a:p>
         </p:txBody>
       </p:sp>
@@ -3883,7 +3755,54 @@
             </a:pPr>
             <a:r>
               <a:rPr lang="en-US" altLang="de-DE" sz="3000" b="1" dirty="0"/>
-              <a:t>CO2Stoage</a:t>
+              <a:t>CO2 Storage Potential Europe</a:t>
+            </a:r>
+          </a:p>
+        </p:txBody>
+      </p:sp>
+      <p:sp>
+        <p:nvSpPr>
+          <p:cNvPr id="2" name="Textfeld 1">
+            <a:extLst>
+              <a:ext uri="{FF2B5EF4-FFF2-40B4-BE49-F238E27FC236}">
+                <a16:creationId xmlns:a16="http://schemas.microsoft.com/office/drawing/2014/main" id="{86D97F85-01C6-DA45-AD1D-28237BB61537}"/>
+              </a:ext>
+            </a:extLst>
+          </p:cNvPr>
+          <p:cNvSpPr txBox="1"/>
+          <p:nvPr/>
+        </p:nvSpPr>
+        <p:spPr>
+          <a:xfrm>
+            <a:off x="682580" y="3284113"/>
+            <a:ext cx="2691685" cy="369332"/>
+          </a:xfrm>
+          <a:prstGeom prst="rect">
+            <a:avLst/>
+          </a:prstGeom>
+          <a:noFill/>
+        </p:spPr>
+        <p:txBody>
+          <a:bodyPr wrap="square" rtlCol="0">
+            <a:spAutoFit/>
+          </a:bodyPr>
+          <a:lstStyle/>
+          <a:p>
+            <a:r>
+              <a:rPr lang="en-US" dirty="0" err="1">
+                <a:solidFill>
+                  <a:schemeClr val="bg1"/>
+                </a:solidFill>
+              </a:rPr>
+              <a:t>Wenrui</a:t>
+            </a:r>
+            <a:r>
+              <a:rPr lang="en-US" dirty="0">
+                <a:solidFill>
+                  <a:schemeClr val="bg1"/>
+                </a:solidFill>
+              </a:rPr>
+              <a:t> Zhou</a:t>
             </a:r>
           </a:p>
         </p:txBody>
@@ -3915,6 +3834,467 @@
       </p:grpSpPr>
       <p:sp>
         <p:nvSpPr>
+          <p:cNvPr id="2" name="Titel 1">
+            <a:extLst>
+              <a:ext uri="{FF2B5EF4-FFF2-40B4-BE49-F238E27FC236}">
+                <a16:creationId xmlns:a16="http://schemas.microsoft.com/office/drawing/2014/main" id="{2769574D-C2BC-0445-88A7-90F4C339AA4E}"/>
+              </a:ext>
+            </a:extLst>
+          </p:cNvPr>
+          <p:cNvSpPr>
+            <a:spLocks noGrp="1"/>
+          </p:cNvSpPr>
+          <p:nvPr>
+            <p:ph type="title"/>
+          </p:nvPr>
+        </p:nvSpPr>
+        <p:spPr/>
+        <p:txBody>
+          <a:bodyPr/>
+          <a:lstStyle/>
+          <a:p>
+            <a:r>
+              <a:rPr lang="en-US" dirty="0"/>
+              <a:t>Abstract</a:t>
+            </a:r>
+          </a:p>
+        </p:txBody>
+      </p:sp>
+      <p:sp>
+        <p:nvSpPr>
+          <p:cNvPr id="3" name="Inhaltsplatzhalter 2">
+            <a:extLst>
+              <a:ext uri="{FF2B5EF4-FFF2-40B4-BE49-F238E27FC236}">
+                <a16:creationId xmlns:a16="http://schemas.microsoft.com/office/drawing/2014/main" id="{33A69851-0FBF-D24D-AE08-64FCBE8853FD}"/>
+              </a:ext>
+            </a:extLst>
+          </p:cNvPr>
+          <p:cNvSpPr>
+            <a:spLocks noGrp="1"/>
+          </p:cNvSpPr>
+          <p:nvPr>
+            <p:ph idx="1"/>
+          </p:nvPr>
+        </p:nvSpPr>
+        <p:spPr/>
+        <p:txBody>
+          <a:bodyPr>
+            <a:normAutofit fontScale="85000" lnSpcReduction="20000"/>
+          </a:bodyPr>
+          <a:lstStyle/>
+          <a:p>
+            <a:r>
+              <a:rPr lang="en-US" dirty="0"/>
+              <a:t>Considered dataset: </a:t>
+            </a:r>
+            <a:r>
+              <a:rPr lang="en-US" u="sng" dirty="0"/>
+              <a:t>EU CO2Stop </a:t>
+            </a:r>
+            <a:r>
+              <a:rPr lang="en-US" dirty="0"/>
+              <a:t>[1], which includes:</a:t>
+            </a:r>
+          </a:p>
+          <a:p>
+            <a:pPr lvl="1">
+              <a:buFont typeface="Wingdings" pitchFamily="2" charset="2"/>
+              <a:buChar char="Ø"/>
+            </a:pPr>
+            <a:r>
+              <a:rPr lang="en-US" sz="2000" dirty="0"/>
+              <a:t>3 different CO2 storage potential estimations ((</a:t>
+            </a:r>
+            <a:r>
+              <a:rPr lang="en-US" sz="2000" dirty="0" err="1"/>
+              <a:t>i</a:t>
+            </a:r>
+            <a:r>
+              <a:rPr lang="en-US" sz="2000" dirty="0"/>
+              <a:t>) conservative, (ii) neutral, (iii) optimistic)</a:t>
+            </a:r>
+          </a:p>
+          <a:p>
+            <a:pPr lvl="1">
+              <a:buFont typeface="Wingdings" pitchFamily="2" charset="2"/>
+              <a:buChar char="Ø"/>
+            </a:pPr>
+            <a:r>
+              <a:rPr lang="en-US" sz="2000" dirty="0"/>
+              <a:t>different storage types (geological formation, Aquifer, Gas, Oil, HC field)</a:t>
+            </a:r>
+          </a:p>
+          <a:p>
+            <a:pPr lvl="1">
+              <a:buFont typeface="Wingdings" pitchFamily="2" charset="2"/>
+              <a:buChar char="Ø"/>
+            </a:pPr>
+            <a:r>
+              <a:rPr lang="en-US" sz="2000" dirty="0"/>
+              <a:t>This dataset is a collection of the CO2 storage data entered by each country</a:t>
+            </a:r>
+          </a:p>
+          <a:p>
+            <a:pPr lvl="2">
+              <a:buFont typeface="Wingdings" pitchFamily="2" charset="2"/>
+              <a:buChar char="§"/>
+            </a:pPr>
+            <a:r>
+              <a:rPr lang="en-US" dirty="0"/>
+              <a:t>Some countries entered their own capacity estimation (original capacity)</a:t>
+            </a:r>
+          </a:p>
+          <a:p>
+            <a:pPr lvl="2">
+              <a:buFont typeface="Wingdings" pitchFamily="2" charset="2"/>
+              <a:buChar char="§"/>
+            </a:pPr>
+            <a:r>
+              <a:rPr lang="en-US" dirty="0"/>
+              <a:t>Authors of this dataset also provide their estimation (Institute estimation capacity)</a:t>
+            </a:r>
+            <a:br>
+              <a:rPr lang="en-US" dirty="0"/>
+            </a:br>
+            <a:endParaRPr lang="en-US" dirty="0"/>
+          </a:p>
+          <a:p>
+            <a:r>
+              <a:rPr lang="en-US" dirty="0"/>
+              <a:t>Validate </a:t>
+            </a:r>
+            <a:r>
+              <a:rPr lang="en-US" u="sng" dirty="0"/>
+              <a:t>EU CO2Stop </a:t>
+            </a:r>
+            <a:r>
+              <a:rPr lang="en-US" dirty="0"/>
+              <a:t>[1] with </a:t>
+            </a:r>
+            <a:r>
+              <a:rPr lang="en-US" u="sng" dirty="0"/>
+              <a:t>CO2Stored </a:t>
+            </a:r>
+            <a:r>
+              <a:rPr lang="en-US" dirty="0"/>
+              <a:t>[2] </a:t>
+            </a:r>
+          </a:p>
+          <a:p>
+            <a:pPr lvl="1">
+              <a:buFont typeface="Wingdings" pitchFamily="2" charset="2"/>
+              <a:buChar char="Ø"/>
+            </a:pPr>
+            <a:r>
+              <a:rPr lang="en-US" sz="2000" dirty="0"/>
+              <a:t>CO2Stored is</a:t>
+            </a:r>
+            <a:r>
+              <a:rPr lang="en-US" altLang="zh-CN" sz="2000" dirty="0"/>
+              <a:t> a </a:t>
+            </a:r>
+            <a:r>
+              <a:rPr lang="en-US" sz="2000" dirty="0"/>
+              <a:t>dataset </a:t>
+            </a:r>
+            <a:r>
+              <a:rPr lang="en-US" sz="2000" dirty="0">
+                <a:solidFill>
+                  <a:srgbClr val="FF0000"/>
+                </a:solidFill>
+              </a:rPr>
+              <a:t>only</a:t>
+            </a:r>
+            <a:r>
+              <a:rPr lang="en-US" sz="2000" dirty="0"/>
+              <a:t> have CO2 data (capacity, location) in </a:t>
+            </a:r>
+            <a:r>
+              <a:rPr lang="en-US" sz="2000" dirty="0">
+                <a:solidFill>
+                  <a:srgbClr val="FF0000"/>
+                </a:solidFill>
+              </a:rPr>
+              <a:t>United Kingdom</a:t>
+            </a:r>
+          </a:p>
+          <a:p>
+            <a:pPr lvl="1">
+              <a:buFont typeface="Wingdings" pitchFamily="2" charset="2"/>
+              <a:buChar char="Ø"/>
+            </a:pPr>
+            <a:endParaRPr lang="en-US" sz="2000" dirty="0">
+              <a:solidFill>
+                <a:srgbClr val="FF0000"/>
+              </a:solidFill>
+            </a:endParaRPr>
+          </a:p>
+          <a:p>
+            <a:r>
+              <a:rPr lang="en-US" dirty="0"/>
+              <a:t>Following slides :</a:t>
+            </a:r>
+          </a:p>
+          <a:p>
+            <a:pPr lvl="1">
+              <a:buFont typeface="Wingdings" pitchFamily="2" charset="2"/>
+              <a:buChar char="Ø"/>
+            </a:pPr>
+            <a:r>
+              <a:rPr lang="en-US" sz="2200" dirty="0"/>
+              <a:t>The structure of the dataset (3 - 6)</a:t>
+            </a:r>
+          </a:p>
+          <a:p>
+            <a:pPr marL="447675" lvl="1" indent="0">
+              <a:buNone/>
+            </a:pPr>
+            <a:r>
+              <a:rPr lang="en-US" sz="2200" dirty="0"/>
+              <a:t>	storage structure, capacity tables, maps, relationship between capacity tables and maps</a:t>
+            </a:r>
+          </a:p>
+          <a:p>
+            <a:pPr lvl="1">
+              <a:buFont typeface="Wingdings" pitchFamily="2" charset="2"/>
+              <a:buChar char="Ø"/>
+            </a:pPr>
+            <a:r>
+              <a:rPr lang="en-US" sz="2200" dirty="0"/>
+              <a:t>Data quality check and the comparison with the British dataset (7)</a:t>
+            </a:r>
+          </a:p>
+          <a:p>
+            <a:pPr lvl="1">
+              <a:buFont typeface="Wingdings" pitchFamily="2" charset="2"/>
+              <a:buChar char="Ø"/>
+            </a:pPr>
+            <a:r>
+              <a:rPr lang="en-US" sz="2200" dirty="0"/>
+              <a:t>the methodology for dealing with missing values (8-9)</a:t>
+            </a:r>
+          </a:p>
+          <a:p>
+            <a:pPr marL="447675" lvl="1" indent="0">
+              <a:buNone/>
+            </a:pPr>
+            <a:endParaRPr lang="en-US" sz="2200" dirty="0"/>
+          </a:p>
+          <a:p>
+            <a:r>
+              <a:rPr lang="en-US" dirty="0"/>
+              <a:t>Results can be found in the html visualization </a:t>
+            </a:r>
+          </a:p>
+        </p:txBody>
+      </p:sp>
+      <p:sp>
+        <p:nvSpPr>
+          <p:cNvPr id="4" name="Datumsplatzhalter 3">
+            <a:extLst>
+              <a:ext uri="{FF2B5EF4-FFF2-40B4-BE49-F238E27FC236}">
+                <a16:creationId xmlns:a16="http://schemas.microsoft.com/office/drawing/2014/main" id="{048C84D2-445D-DD4E-9539-5633EE7C4E48}"/>
+              </a:ext>
+            </a:extLst>
+          </p:cNvPr>
+          <p:cNvSpPr>
+            <a:spLocks noGrp="1"/>
+          </p:cNvSpPr>
+          <p:nvPr>
+            <p:ph type="dt" sz="half" idx="10"/>
+          </p:nvPr>
+        </p:nvSpPr>
+        <p:spPr/>
+        <p:txBody>
+          <a:bodyPr/>
+          <a:lstStyle/>
+          <a:p>
+            <a:fld id="{7C6BFBC4-F565-4C2D-A740-CCD0BFEDCA36}" type="datetime3">
+              <a:rPr lang="en-US" noProof="0" smtClean="0"/>
+              <a:t>30 June 2021</a:t>
+            </a:fld>
+            <a:endParaRPr lang="en-US" noProof="0"/>
+          </a:p>
+        </p:txBody>
+      </p:sp>
+      <p:sp>
+        <p:nvSpPr>
+          <p:cNvPr id="5" name="Foliennummernplatzhalter 4">
+            <a:extLst>
+              <a:ext uri="{FF2B5EF4-FFF2-40B4-BE49-F238E27FC236}">
+                <a16:creationId xmlns:a16="http://schemas.microsoft.com/office/drawing/2014/main" id="{0F4684E5-AAC7-A149-A914-142E9F144AB4}"/>
+              </a:ext>
+            </a:extLst>
+          </p:cNvPr>
+          <p:cNvSpPr>
+            <a:spLocks noGrp="1"/>
+          </p:cNvSpPr>
+          <p:nvPr>
+            <p:ph type="sldNum" sz="quarter" idx="12"/>
+          </p:nvPr>
+        </p:nvSpPr>
+        <p:spPr/>
+        <p:txBody>
+          <a:bodyPr/>
+          <a:lstStyle/>
+          <a:p>
+            <a:fld id="{61696EC4-B4CF-4701-AD06-A8439D6D8E12}" type="slidenum">
+              <a:rPr lang="en-US" noProof="0" smtClean="0"/>
+              <a:t>2</a:t>
+            </a:fld>
+            <a:endParaRPr lang="en-US" noProof="0"/>
+          </a:p>
+        </p:txBody>
+      </p:sp>
+      <p:sp>
+        <p:nvSpPr>
+          <p:cNvPr id="6" name="Textfeld 5">
+            <a:extLst>
+              <a:ext uri="{FF2B5EF4-FFF2-40B4-BE49-F238E27FC236}">
+                <a16:creationId xmlns:a16="http://schemas.microsoft.com/office/drawing/2014/main" id="{17FD224C-6C82-DF4E-96B5-DA831F258FFE}"/>
+              </a:ext>
+            </a:extLst>
+          </p:cNvPr>
+          <p:cNvSpPr txBox="1"/>
+          <p:nvPr/>
+        </p:nvSpPr>
+        <p:spPr>
+          <a:xfrm>
+            <a:off x="5113668" y="6073220"/>
+            <a:ext cx="7358130" cy="369332"/>
+          </a:xfrm>
+          <a:prstGeom prst="rect">
+            <a:avLst/>
+          </a:prstGeom>
+          <a:noFill/>
+        </p:spPr>
+        <p:txBody>
+          <a:bodyPr wrap="square" rtlCol="0">
+            <a:spAutoFit/>
+          </a:bodyPr>
+          <a:lstStyle/>
+          <a:p>
+            <a:r>
+              <a:rPr lang="en-US" dirty="0">
+                <a:hlinkClick r:id="rId2">
+                  <a:extLst>
+                    <a:ext uri="{A12FA001-AC4F-418D-AE19-62706E023703}">
+                      <ahyp:hlinkClr xmlns:ahyp="http://schemas.microsoft.com/office/drawing/2018/hyperlinkcolor" val="tx"/>
+                    </a:ext>
+                  </a:extLst>
+                </a:hlinkClick>
+              </a:rPr>
+              <a:t>[1]  </a:t>
+            </a:r>
+            <a:r>
+              <a:rPr lang="en-US" dirty="0">
+                <a:solidFill>
+                  <a:srgbClr val="0000FF"/>
+                </a:solidFill>
+                <a:hlinkClick r:id="rId2">
+                  <a:extLst>
+                    <a:ext uri="{A12FA001-AC4F-418D-AE19-62706E023703}">
+                      <ahyp:hlinkClr xmlns:ahyp="http://schemas.microsoft.com/office/drawing/2018/hyperlinkcolor" val="tx"/>
+                    </a:ext>
+                  </a:extLst>
+                </a:hlinkClick>
+              </a:rPr>
+              <a:t>https://setis.ec.europa.eu/european-co2-storage-database_en</a:t>
+            </a:r>
+            <a:endParaRPr lang="en-US" dirty="0"/>
+          </a:p>
+        </p:txBody>
+      </p:sp>
+      <p:sp>
+        <p:nvSpPr>
+          <p:cNvPr id="7" name="Rechteck 6">
+            <a:extLst>
+              <a:ext uri="{FF2B5EF4-FFF2-40B4-BE49-F238E27FC236}">
+                <a16:creationId xmlns:a16="http://schemas.microsoft.com/office/drawing/2014/main" id="{5CB5B731-69B3-024E-AC2D-C10CB703443A}"/>
+              </a:ext>
+            </a:extLst>
+          </p:cNvPr>
+          <p:cNvSpPr/>
+          <p:nvPr/>
+        </p:nvSpPr>
+        <p:spPr>
+          <a:xfrm>
+            <a:off x="5113668" y="6396324"/>
+            <a:ext cx="4583371" cy="369332"/>
+          </a:xfrm>
+          <a:prstGeom prst="rect">
+            <a:avLst/>
+          </a:prstGeom>
+        </p:spPr>
+        <p:txBody>
+          <a:bodyPr wrap="none">
+            <a:spAutoFit/>
+          </a:bodyPr>
+          <a:lstStyle/>
+          <a:p>
+            <a:r>
+              <a:rPr lang="en-US" dirty="0">
+                <a:hlinkClick r:id="rId3">
+                  <a:extLst>
+                    <a:ext uri="{A12FA001-AC4F-418D-AE19-62706E023703}">
+                      <ahyp:hlinkClr xmlns:ahyp="http://schemas.microsoft.com/office/drawing/2018/hyperlinkcolor" val="tx"/>
+                    </a:ext>
+                  </a:extLst>
+                </a:hlinkClick>
+              </a:rPr>
+              <a:t>[2]  </a:t>
+            </a:r>
+            <a:r>
+              <a:rPr lang="en-US" dirty="0">
+                <a:solidFill>
+                  <a:srgbClr val="0000FF"/>
+                </a:solidFill>
+                <a:hlinkClick r:id="rId3">
+                  <a:extLst>
+                    <a:ext uri="{A12FA001-AC4F-418D-AE19-62706E023703}">
+                      <ahyp:hlinkClr xmlns:ahyp="http://schemas.microsoft.com/office/drawing/2018/hyperlinkcolor" val="tx"/>
+                    </a:ext>
+                  </a:extLst>
+                </a:hlinkClick>
+              </a:rPr>
+              <a:t>http://www.co2stored.co.uk/home/index</a:t>
+            </a:r>
+            <a:endParaRPr lang="en-US" dirty="0"/>
+          </a:p>
+        </p:txBody>
+      </p:sp>
+    </p:spTree>
+    <p:extLst>
+      <p:ext uri="{BB962C8B-B14F-4D97-AF65-F5344CB8AC3E}">
+        <p14:creationId xmlns:p14="http://schemas.microsoft.com/office/powerpoint/2010/main" val="1866040830"/>
+      </p:ext>
+    </p:extLst>
+  </p:cSld>
+  <p:clrMapOvr>
+    <a:masterClrMapping/>
+  </p:clrMapOvr>
+</p:sld>
+</file>
+
+<file path=ppt/slides/slide3.xml><?xml version="1.0" encoding="utf-8"?>
+<p:sld xmlns:a="http://schemas.openxmlformats.org/drawingml/2006/main" xmlns:r="http://schemas.openxmlformats.org/officeDocument/2006/relationships" xmlns:p="http://schemas.openxmlformats.org/presentationml/2006/main">
+  <p:cSld>
+    <p:spTree>
+      <p:nvGrpSpPr>
+        <p:cNvPr id="1" name=""/>
+        <p:cNvGrpSpPr/>
+        <p:nvPr/>
+      </p:nvGrpSpPr>
+      <p:grpSpPr>
+        <a:xfrm>
+          <a:off x="0" y="0"/>
+          <a:ext cx="0" cy="0"/>
+          <a:chOff x="0" y="0"/>
+          <a:chExt cx="0" cy="0"/>
+        </a:xfrm>
+      </p:grpSpPr>
+      <p:sp>
+        <p:nvSpPr>
           <p:cNvPr id="2" name="Titel 1"/>
           <p:cNvSpPr>
             <a:spLocks noGrp="1"/>
@@ -3930,7 +4310,17 @@
           <a:p>
             <a:r>
               <a:rPr lang="en-US" dirty="0"/>
-              <a:t>Structure of EU CO2StoP dataset</a:t>
+              <a:t>Structure of </a:t>
+            </a:r>
+            <a:r>
+              <a:rPr lang="en-US" dirty="0">
+                <a:hlinkClick r:id="rId3"/>
+              </a:rPr>
+              <a:t>EU CO2StoP dataset</a:t>
+            </a:r>
+            <a:r>
+              <a:rPr lang="en-US" dirty="0"/>
+              <a:t>[1]</a:t>
             </a:r>
           </a:p>
         </p:txBody>
@@ -4004,7 +4394,7 @@
             </a:r>
             <a:r>
               <a:rPr lang="en-US" sz="2000" b="1" dirty="0"/>
-              <a:t>Hydrocarbon fields </a:t>
+              <a:t>Hydrocarbon(HC) fields </a:t>
             </a:r>
             <a:r>
               <a:rPr lang="en-US" sz="2000" dirty="0"/>
@@ -4101,7 +4491,7 @@
           <a:p>
             <a:fld id="{61696EC4-B4CF-4701-AD06-A8439D6D8E12}" type="slidenum">
               <a:rPr lang="en-US" noProof="0" smtClean="0"/>
-              <a:t>2</a:t>
+              <a:t>3</a:t>
             </a:fld>
             <a:endParaRPr lang="en-US" noProof="0"/>
           </a:p>
@@ -4121,7 +4511,7 @@
         </p:nvGrpSpPr>
         <p:grpSpPr>
           <a:xfrm>
-            <a:off x="4116945" y="4288665"/>
+            <a:off x="4116945" y="4108359"/>
             <a:ext cx="5280339" cy="1830782"/>
             <a:chOff x="3425779" y="4288665"/>
             <a:chExt cx="5280339" cy="1830782"/>
@@ -4353,6 +4743,44 @@
           </p:txBody>
         </p:sp>
       </p:grpSp>
+      <p:sp>
+        <p:nvSpPr>
+          <p:cNvPr id="6" name="Textfeld 5">
+            <a:extLst>
+              <a:ext uri="{FF2B5EF4-FFF2-40B4-BE49-F238E27FC236}">
+                <a16:creationId xmlns:a16="http://schemas.microsoft.com/office/drawing/2014/main" id="{8E838E2D-A6AF-7A41-9425-4F602E491DA8}"/>
+              </a:ext>
+            </a:extLst>
+          </p:cNvPr>
+          <p:cNvSpPr txBox="1"/>
+          <p:nvPr/>
+        </p:nvSpPr>
+        <p:spPr>
+          <a:xfrm>
+            <a:off x="5113668" y="6024934"/>
+            <a:ext cx="7358130" cy="369332"/>
+          </a:xfrm>
+          <a:prstGeom prst="rect">
+            <a:avLst/>
+          </a:prstGeom>
+          <a:noFill/>
+        </p:spPr>
+        <p:txBody>
+          <a:bodyPr wrap="square" rtlCol="0">
+            <a:spAutoFit/>
+          </a:bodyPr>
+          <a:lstStyle/>
+          <a:p>
+            <a:r>
+              <a:rPr lang="en-US" dirty="0">
+                <a:hlinkClick r:id="rId3"/>
+              </a:rPr>
+              <a:t>[1] https://setis.ec.europa.eu/european-co2-storage-database_en</a:t>
+            </a:r>
+            <a:endParaRPr lang="en-US" dirty="0"/>
+          </a:p>
+        </p:txBody>
+      </p:sp>
     </p:spTree>
   </p:cSld>
   <p:clrMapOvr>
@@ -4361,7 +4789,7 @@
 </p:sld>
 </file>
 
-<file path=ppt/slides/slide3.xml><?xml version="1.0" encoding="utf-8"?>
+<file path=ppt/slides/slide4.xml><?xml version="1.0" encoding="utf-8"?>
 <p:sld xmlns:a="http://schemas.openxmlformats.org/drawingml/2006/main" xmlns:r="http://schemas.openxmlformats.org/officeDocument/2006/relationships" xmlns:p="http://schemas.openxmlformats.org/presentationml/2006/main">
   <p:cSld>
     <p:spTree>
@@ -4634,7 +5062,7 @@
           <a:p>
             <a:fld id="{61696EC4-B4CF-4701-AD06-A8439D6D8E12}" type="slidenum">
               <a:rPr lang="en-US" noProof="0" smtClean="0"/>
-              <a:t>3</a:t>
+              <a:t>4</a:t>
             </a:fld>
             <a:endParaRPr lang="en-US" noProof="0"/>
           </a:p>
@@ -4735,7 +5163,7 @@
               <a:pPr algn="ctr"/>
               <a:r>
                 <a:rPr lang="en-US" sz="1600" dirty="0"/>
-                <a:t>Estimation value</a:t>
+                <a:t>Original capacity</a:t>
               </a:r>
             </a:p>
           </p:txBody>
@@ -4777,8 +5205,8 @@
             <a:p>
               <a:pPr algn="ctr"/>
               <a:r>
-                <a:rPr lang="en-US" sz="1600" dirty="0"/>
-                <a:t>Original data </a:t>
+                <a:rPr lang="en-US" sz="1050" dirty="0"/>
+                <a:t>Institute estimation capacity</a:t>
               </a:r>
             </a:p>
           </p:txBody>
@@ -5395,7 +5823,7 @@
 </p:sld>
 </file>
 
-<file path=ppt/slides/slide4.xml><?xml version="1.0" encoding="utf-8"?>
+<file path=ppt/slides/slide5.xml><?xml version="1.0" encoding="utf-8"?>
 <p:sld xmlns:a="http://schemas.openxmlformats.org/drawingml/2006/main" xmlns:r="http://schemas.openxmlformats.org/officeDocument/2006/relationships" xmlns:p="http://schemas.openxmlformats.org/presentationml/2006/main">
   <p:cSld>
     <p:spTree>
@@ -5493,7 +5921,7 @@
             <a:pPr lvl="2"/>
             <a:r>
               <a:rPr lang="en-US" dirty="0"/>
-              <a:t>ID (correspond to ID in each capacity table)</a:t>
+              <a:t>ID (correspond to ID in each capacity table, like primary key)</a:t>
             </a:r>
           </a:p>
           <a:p>
@@ -5507,7 +5935,37 @@
             <a:pPr lvl="2"/>
             <a:r>
               <a:rPr lang="en-US" dirty="0"/>
-              <a:t>Arbitrary (Mostly None)</a:t>
+              <a:t>Arbitrary (Have three possible values)</a:t>
+            </a:r>
+          </a:p>
+          <a:p>
+            <a:pPr lvl="3">
+              <a:buFont typeface="Wingdings" pitchFamily="2" charset="2"/>
+              <a:buChar char="Ø"/>
+            </a:pPr>
+            <a:r>
+              <a:rPr lang="en-US" sz="1800" dirty="0"/>
+              <a:t>No: means location of polygon is unprecise,</a:t>
+            </a:r>
+          </a:p>
+          <a:p>
+            <a:pPr lvl="3">
+              <a:buFont typeface="Wingdings" pitchFamily="2" charset="2"/>
+              <a:buChar char="Ø"/>
+            </a:pPr>
+            <a:r>
+              <a:rPr lang="en-US" sz="1800" dirty="0"/>
+              <a:t>Yes: precise,</a:t>
+            </a:r>
+          </a:p>
+          <a:p>
+            <a:pPr lvl="3">
+              <a:buFont typeface="Wingdings" pitchFamily="2" charset="2"/>
+              <a:buChar char="Ø"/>
+            </a:pPr>
+            <a:r>
+              <a:rPr lang="en-US" sz="1800" dirty="0"/>
+              <a:t>None: also precise, validated with CO2Stored (UK dataset)</a:t>
             </a:r>
           </a:p>
           <a:p>
@@ -5580,7 +6038,7 @@
           <a:p>
             <a:fld id="{61696EC4-B4CF-4701-AD06-A8439D6D8E12}" type="slidenum">
               <a:rPr lang="en-US" noProof="0" smtClean="0"/>
-              <a:t>4</a:t>
+              <a:t>5</a:t>
             </a:fld>
             <a:endParaRPr lang="en-US" noProof="0"/>
           </a:p>
@@ -5738,294 +6196,6 @@
 </p:sld>
 </file>
 
-<file path=ppt/slides/slide5.xml><?xml version="1.0" encoding="utf-8"?>
-<p:sld xmlns:a="http://schemas.openxmlformats.org/drawingml/2006/main" xmlns:r="http://schemas.openxmlformats.org/officeDocument/2006/relationships" xmlns:p="http://schemas.openxmlformats.org/presentationml/2006/main">
-  <p:cSld>
-    <p:spTree>
-      <p:nvGrpSpPr>
-        <p:cNvPr id="1" name=""/>
-        <p:cNvGrpSpPr/>
-        <p:nvPr/>
-      </p:nvGrpSpPr>
-      <p:grpSpPr>
-        <a:xfrm>
-          <a:off x="0" y="0"/>
-          <a:ext cx="0" cy="0"/>
-          <a:chOff x="0" y="0"/>
-          <a:chExt cx="0" cy="0"/>
-        </a:xfrm>
-      </p:grpSpPr>
-      <p:sp>
-        <p:nvSpPr>
-          <p:cNvPr id="2" name="Titel 1"/>
-          <p:cNvSpPr>
-            <a:spLocks noGrp="1"/>
-          </p:cNvSpPr>
-          <p:nvPr>
-            <p:ph type="title"/>
-          </p:nvPr>
-        </p:nvSpPr>
-        <p:spPr/>
-        <p:txBody>
-          <a:bodyPr/>
-          <a:lstStyle/>
-          <a:p>
-            <a:r>
-              <a:rPr lang="en-US" dirty="0"/>
-              <a:t>Data Quality Check</a:t>
-            </a:r>
-          </a:p>
-        </p:txBody>
-      </p:sp>
-      <p:sp>
-        <p:nvSpPr>
-          <p:cNvPr id="3" name="Inhaltsplatzhalter 2"/>
-          <p:cNvSpPr>
-            <a:spLocks noGrp="1"/>
-          </p:cNvSpPr>
-          <p:nvPr>
-            <p:ph idx="1"/>
-          </p:nvPr>
-        </p:nvSpPr>
-        <p:spPr>
-          <a:xfrm>
-            <a:off x="524664" y="1071721"/>
-            <a:ext cx="11142672" cy="4850241"/>
-          </a:xfrm>
-        </p:spPr>
-        <p:txBody>
-          <a:bodyPr/>
-          <a:lstStyle/>
-          <a:p>
-            <a:pPr marL="0" indent="0">
-              <a:buNone/>
-            </a:pPr>
-            <a:endParaRPr lang="en-US" dirty="0"/>
-          </a:p>
-          <a:p>
-            <a:pPr lvl="1">
-              <a:buFont typeface="Wingdings" panose="05000000000000000000" pitchFamily="2" charset="2"/>
-              <a:buChar char="Ø"/>
-            </a:pPr>
-            <a:r>
-              <a:rPr lang="en-US" dirty="0"/>
-              <a:t>Which capacity attribute have least missing value?</a:t>
-            </a:r>
-          </a:p>
-          <a:p>
-            <a:pPr marL="1352550" lvl="2" indent="-457200">
-              <a:buAutoNum type="arabicPeriod"/>
-            </a:pPr>
-            <a:r>
-              <a:rPr lang="en-US" dirty="0"/>
-              <a:t>Institute estimation capacity Mean in both capacity tables has least missing value</a:t>
-            </a:r>
-          </a:p>
-          <a:p>
-            <a:pPr marL="1352550" lvl="2" indent="-457200">
-              <a:buAutoNum type="arabicPeriod"/>
-            </a:pPr>
-            <a:r>
-              <a:rPr lang="en-US" dirty="0"/>
-              <a:t>Institute estimation capacities have less missing value than original data from countries</a:t>
-            </a:r>
-          </a:p>
-          <a:p>
-            <a:pPr marL="895350" lvl="2" indent="0">
-              <a:buNone/>
-            </a:pPr>
-            <a:r>
-              <a:rPr lang="en-US" dirty="0">
-                <a:solidFill>
-                  <a:schemeClr val="accent1"/>
-                </a:solidFill>
-              </a:rPr>
-              <a:t>Decision: Use </a:t>
-            </a:r>
-            <a:r>
-              <a:rPr lang="en-US" u="sng" dirty="0">
-                <a:solidFill>
-                  <a:schemeClr val="accent1"/>
-                </a:solidFill>
-              </a:rPr>
-              <a:t>institute estimation capacity </a:t>
-            </a:r>
-            <a:r>
-              <a:rPr lang="en-US" dirty="0">
-                <a:solidFill>
-                  <a:schemeClr val="accent1"/>
-                </a:solidFill>
-              </a:rPr>
-              <a:t>as base capacity in each table</a:t>
-            </a:r>
-          </a:p>
-          <a:p>
-            <a:pPr marL="895350" lvl="2" indent="0">
-              <a:buNone/>
-            </a:pPr>
-            <a:endParaRPr lang="en-US" dirty="0">
-              <a:solidFill>
-                <a:schemeClr val="accent1"/>
-              </a:solidFill>
-            </a:endParaRPr>
-          </a:p>
-          <a:p>
-            <a:pPr lvl="1">
-              <a:buFont typeface="Wingdings" panose="05000000000000000000" pitchFamily="2" charset="2"/>
-              <a:buChar char="Ø"/>
-            </a:pPr>
-            <a:r>
-              <a:rPr lang="en-US" dirty="0"/>
-              <a:t>Which capacity attribute is am closest to already knows value ? (EU: 126 Gt)</a:t>
-            </a:r>
-          </a:p>
-          <a:p>
-            <a:pPr marL="1352550" lvl="2" indent="-457200">
-              <a:buAutoNum type="arabicPeriod"/>
-            </a:pPr>
-            <a:r>
-              <a:rPr lang="en-US" dirty="0"/>
-              <a:t>MIN Original most close to 126 Gt</a:t>
-            </a:r>
-          </a:p>
-          <a:p>
-            <a:pPr marL="1352550" lvl="2" indent="-457200">
-              <a:buAutoNum type="arabicPeriod"/>
-            </a:pPr>
-            <a:r>
-              <a:rPr lang="en-US" dirty="0"/>
-              <a:t>MEAN and MAX  several times lager than 126Gt</a:t>
-            </a:r>
-          </a:p>
-          <a:p>
-            <a:pPr marL="895350" lvl="2" indent="0">
-              <a:buNone/>
-            </a:pPr>
-            <a:r>
-              <a:rPr lang="en-US" dirty="0">
-                <a:solidFill>
-                  <a:schemeClr val="accent1"/>
-                </a:solidFill>
-              </a:rPr>
-              <a:t>Decision: Separately treat  MIN, MEAN, MAX ; Finally create </a:t>
-            </a:r>
-            <a:r>
-              <a:rPr lang="en-US" u="sng" dirty="0">
-                <a:solidFill>
-                  <a:schemeClr val="accent1"/>
-                </a:solidFill>
-              </a:rPr>
-              <a:t>three</a:t>
-            </a:r>
-            <a:r>
-              <a:rPr lang="en-US" dirty="0">
-                <a:solidFill>
-                  <a:schemeClr val="accent1"/>
-                </a:solidFill>
-              </a:rPr>
-              <a:t> different capacities</a:t>
-            </a:r>
-          </a:p>
-          <a:p>
-            <a:pPr marL="895350" lvl="2" indent="0">
-              <a:buNone/>
-            </a:pPr>
-            <a:r>
-              <a:rPr lang="en-US" dirty="0">
-                <a:solidFill>
-                  <a:schemeClr val="accent1"/>
-                </a:solidFill>
-              </a:rPr>
-              <a:t> </a:t>
-            </a:r>
-          </a:p>
-          <a:p>
-            <a:pPr lvl="1">
-              <a:buFont typeface="Wingdings" panose="05000000000000000000" pitchFamily="2" charset="2"/>
-              <a:buChar char="Ø"/>
-            </a:pPr>
-            <a:r>
-              <a:rPr lang="en-US" dirty="0"/>
-              <a:t>Is Map in CO2Stop dataset close to CO2stored (UK) dataset?</a:t>
-            </a:r>
-          </a:p>
-          <a:p>
-            <a:pPr marL="447675" lvl="1" indent="0">
-              <a:buNone/>
-            </a:pPr>
-            <a:r>
-              <a:rPr lang="en-US" dirty="0"/>
-              <a:t>	</a:t>
-            </a:r>
-            <a:r>
-              <a:rPr lang="en-US" sz="2000" dirty="0">
-                <a:solidFill>
-                  <a:schemeClr val="accent1"/>
-                </a:solidFill>
-              </a:rPr>
-              <a:t>Yes, </a:t>
-            </a:r>
-            <a:r>
-              <a:rPr lang="en-US" sz="2000" dirty="0"/>
-              <a:t>Daughter Map + Storage Unit Map  close to capacity in CO2stored UK dataset </a:t>
-            </a:r>
-          </a:p>
-        </p:txBody>
-      </p:sp>
-      <p:sp>
-        <p:nvSpPr>
-          <p:cNvPr id="4" name="Datumsplatzhalter 3"/>
-          <p:cNvSpPr>
-            <a:spLocks noGrp="1"/>
-          </p:cNvSpPr>
-          <p:nvPr>
-            <p:ph type="dt" sz="half" idx="10"/>
-          </p:nvPr>
-        </p:nvSpPr>
-        <p:spPr/>
-        <p:txBody>
-          <a:bodyPr/>
-          <a:lstStyle/>
-          <a:p>
-            <a:fld id="{7C6BFBC4-F565-4C2D-A740-CCD0BFEDCA36}" type="datetime3">
-              <a:rPr lang="en-US" noProof="0" smtClean="0"/>
-              <a:t>30 June 2021</a:t>
-            </a:fld>
-            <a:endParaRPr lang="en-US" noProof="0"/>
-          </a:p>
-        </p:txBody>
-      </p:sp>
-      <p:sp>
-        <p:nvSpPr>
-          <p:cNvPr id="5" name="Foliennummernplatzhalter 4"/>
-          <p:cNvSpPr>
-            <a:spLocks noGrp="1"/>
-          </p:cNvSpPr>
-          <p:nvPr>
-            <p:ph type="sldNum" sz="quarter" idx="12"/>
-          </p:nvPr>
-        </p:nvSpPr>
-        <p:spPr/>
-        <p:txBody>
-          <a:bodyPr/>
-          <a:lstStyle/>
-          <a:p>
-            <a:fld id="{61696EC4-B4CF-4701-AD06-A8439D6D8E12}" type="slidenum">
-              <a:rPr lang="en-US" noProof="0" smtClean="0"/>
-              <a:t>5</a:t>
-            </a:fld>
-            <a:endParaRPr lang="en-US" noProof="0"/>
-          </a:p>
-        </p:txBody>
-      </p:sp>
-    </p:spTree>
-  </p:cSld>
-  <p:clrMapOvr>
-    <a:masterClrMapping/>
-  </p:clrMapOvr>
-</p:sld>
-</file>
-
 <file path=ppt/slides/slide6.xml><?xml version="1.0" encoding="utf-8"?>
 <p:sld xmlns:a="http://schemas.openxmlformats.org/drawingml/2006/main" xmlns:r="http://schemas.openxmlformats.org/officeDocument/2006/relationships" xmlns:p="http://schemas.openxmlformats.org/presentationml/2006/main">
   <p:cSld>
@@ -6060,7 +6230,11 @@
           <a:p>
             <a:r>
               <a:rPr lang="en-US" dirty="0"/>
-              <a:t>Daughter Unit Map and capacity table</a:t>
+              <a:t>Daughter Unit </a:t>
+            </a:r>
+            <a:r>
+              <a:rPr lang="en-US" b="0" dirty="0"/>
+              <a:t>Map and capacity table</a:t>
             </a:r>
           </a:p>
         </p:txBody>
@@ -6207,7 +6381,7 @@
               <a:pPr algn="ctr"/>
               <a:r>
                 <a:rPr lang="en-US" dirty="0"/>
-                <a:t>Map id</a:t>
+                <a:t>ID in Map </a:t>
               </a:r>
             </a:p>
           </p:txBody>
@@ -6220,8 +6394,8 @@
           </p:nvSpPr>
           <p:spPr>
             <a:xfrm>
-              <a:off x="2415841" y="2886945"/>
-              <a:ext cx="1390919" cy="369332"/>
+              <a:off x="2112135" y="2833818"/>
+              <a:ext cx="1968988" cy="475584"/>
             </a:xfrm>
             <a:prstGeom prst="rect">
               <a:avLst/>
@@ -6236,7 +6410,7 @@
             <a:p>
               <a:r>
                 <a:rPr lang="en-US" dirty="0"/>
-                <a:t>Table id</a:t>
+                <a:t>ID in Table </a:t>
               </a:r>
             </a:p>
           </p:txBody>
@@ -6283,7 +6457,11 @@
           <a:p>
             <a:r>
               <a:rPr lang="en-US" dirty="0"/>
-              <a:t>Storage Unit Map and capacity table</a:t>
+              <a:t>Storage Unit </a:t>
+            </a:r>
+            <a:r>
+              <a:rPr lang="en-US" b="0" dirty="0"/>
+              <a:t>Map and capacity table</a:t>
             </a:r>
           </a:p>
         </p:txBody>
@@ -6384,7 +6562,7 @@
               <a:pPr algn="ctr"/>
               <a:r>
                 <a:rPr lang="en-US" dirty="0"/>
-                <a:t>Map id</a:t>
+                <a:t>ID in Map</a:t>
               </a:r>
             </a:p>
           </p:txBody>
@@ -6397,8 +6575,8 @@
           </p:nvSpPr>
           <p:spPr>
             <a:xfrm>
-              <a:off x="2610960" y="6094927"/>
-              <a:ext cx="1390919" cy="369332"/>
+              <a:off x="2504150" y="5997759"/>
+              <a:ext cx="1996554" cy="523943"/>
             </a:xfrm>
             <a:prstGeom prst="rect">
               <a:avLst/>
@@ -6413,7 +6591,7 @@
             <a:p>
               <a:r>
                 <a:rPr lang="en-US" dirty="0"/>
-                <a:t>Table id</a:t>
+                <a:t>ID in Table</a:t>
               </a:r>
             </a:p>
           </p:txBody>
@@ -6596,7 +6774,7 @@
           <a:p>
             <a:r>
               <a:rPr lang="en-US" dirty="0"/>
-              <a:t>Missing value filling</a:t>
+              <a:t>Data Quality Check</a:t>
             </a:r>
           </a:p>
         </p:txBody>
@@ -6611,58 +6789,198 @@
             <p:ph idx="1"/>
           </p:nvPr>
         </p:nvSpPr>
-        <p:spPr/>
+        <p:spPr>
+          <a:xfrm>
+            <a:off x="524664" y="1071721"/>
+            <a:ext cx="11142672" cy="4850241"/>
+          </a:xfrm>
+        </p:spPr>
         <p:txBody>
           <a:bodyPr/>
           <a:lstStyle/>
           <a:p>
-            <a:r>
-              <a:rPr lang="en-US" dirty="0"/>
-              <a:t>Before merge capacity table with polygon map</a:t>
-            </a:r>
-          </a:p>
-          <a:p>
-            <a:pPr lvl="1"/>
-            <a:r>
-              <a:rPr lang="en-US" dirty="0"/>
-              <a:t>Storage Unit and Trap </a:t>
-            </a:r>
-          </a:p>
-          <a:p>
-            <a:pPr lvl="2">
+            <a:pPr marL="0" indent="0">
+              <a:buNone/>
+            </a:pPr>
+            <a:endParaRPr lang="en-US" dirty="0"/>
+          </a:p>
+          <a:p>
+            <a:pPr lvl="1">
               <a:buFont typeface="Wingdings" panose="05000000000000000000" pitchFamily="2" charset="2"/>
               <a:buChar char="Ø"/>
             </a:pPr>
             <a:r>
               <a:rPr lang="en-US" dirty="0"/>
-              <a:t>Fill missing value in base capacity with original data </a:t>
-            </a:r>
-          </a:p>
-          <a:p>
-            <a:pPr lvl="2">
+              <a:t>Which capacity attribute have least missing value?</a:t>
+            </a:r>
+          </a:p>
+          <a:p>
+            <a:pPr marL="1352550" lvl="2" indent="-457200">
+              <a:buAutoNum type="arabicPeriod"/>
+            </a:pPr>
+            <a:r>
+              <a:rPr lang="en-US" dirty="0"/>
+              <a:t>Institute estimation capacity Mean in both capacity tables has least missing value</a:t>
+            </a:r>
+          </a:p>
+          <a:p>
+            <a:pPr marL="1352550" lvl="2" indent="-457200">
+              <a:buAutoNum type="arabicPeriod"/>
+            </a:pPr>
+            <a:r>
+              <a:rPr lang="en-US" dirty="0"/>
+              <a:t>Institute estimation capacities have less missing value than original data from countries</a:t>
+            </a:r>
+          </a:p>
+          <a:p>
+            <a:pPr marL="895350" lvl="2" indent="0">
+              <a:buNone/>
+            </a:pPr>
+            <a:r>
+              <a:rPr lang="en-US" dirty="0">
+                <a:solidFill>
+                  <a:schemeClr val="accent1"/>
+                </a:solidFill>
+              </a:rPr>
+              <a:t>Decision: Use </a:t>
+            </a:r>
+            <a:r>
+              <a:rPr lang="en-US" u="sng" dirty="0">
+                <a:solidFill>
+                  <a:schemeClr val="accent1"/>
+                </a:solidFill>
+              </a:rPr>
+              <a:t>institute estimation capacity </a:t>
+            </a:r>
+            <a:r>
+              <a:rPr lang="en-US" dirty="0">
+                <a:solidFill>
+                  <a:schemeClr val="accent1"/>
+                </a:solidFill>
+              </a:rPr>
+              <a:t>as base capacity in each table</a:t>
+            </a:r>
+          </a:p>
+          <a:p>
+            <a:pPr marL="895350" lvl="2" indent="0">
+              <a:buNone/>
+            </a:pPr>
+            <a:endParaRPr lang="en-US" dirty="0">
+              <a:solidFill>
+                <a:schemeClr val="accent1"/>
+              </a:solidFill>
+            </a:endParaRPr>
+          </a:p>
+          <a:p>
+            <a:pPr lvl="1">
               <a:buFont typeface="Wingdings" panose="05000000000000000000" pitchFamily="2" charset="2"/>
               <a:buChar char="Ø"/>
             </a:pPr>
             <a:r>
               <a:rPr lang="en-US" dirty="0"/>
-              <a:t>Fill missing value in neutral estimation with conservative estimation</a:t>
-            </a:r>
-          </a:p>
-          <a:p>
-            <a:pPr lvl="2">
+              <a:t>Which capacity attribute is am closest to already knows value ? (EU: 126 Gt)</a:t>
+            </a:r>
+          </a:p>
+          <a:p>
+            <a:pPr marL="1352550" lvl="2" indent="-457200">
+              <a:buAutoNum type="arabicPeriod"/>
+            </a:pPr>
+            <a:r>
+              <a:rPr lang="en-US" dirty="0"/>
+              <a:t>MIN Original most close to 126 Gt</a:t>
+            </a:r>
+          </a:p>
+          <a:p>
+            <a:pPr marL="1352550" lvl="2" indent="-457200">
+              <a:buAutoNum type="arabicPeriod"/>
+            </a:pPr>
+            <a:r>
+              <a:rPr lang="en-US" dirty="0"/>
+              <a:t>MEAN and MAX  several times lager than 126Gt</a:t>
+            </a:r>
+          </a:p>
+          <a:p>
+            <a:pPr marL="895350" lvl="2" indent="0">
+              <a:buNone/>
+            </a:pPr>
+            <a:r>
+              <a:rPr lang="en-US" dirty="0">
+                <a:solidFill>
+                  <a:schemeClr val="accent1"/>
+                </a:solidFill>
+              </a:rPr>
+              <a:t>Decision: Separately treat  MIN, MEAN, MAX ; Finally create </a:t>
+            </a:r>
+            <a:r>
+              <a:rPr lang="en-US" u="sng" dirty="0">
+                <a:solidFill>
+                  <a:schemeClr val="accent1"/>
+                </a:solidFill>
+              </a:rPr>
+              <a:t>three</a:t>
+            </a:r>
+            <a:r>
+              <a:rPr lang="en-US" dirty="0">
+                <a:solidFill>
+                  <a:schemeClr val="accent1"/>
+                </a:solidFill>
+              </a:rPr>
+              <a:t> different capacities</a:t>
+            </a:r>
+          </a:p>
+          <a:p>
+            <a:pPr marL="895350" lvl="2" indent="0">
+              <a:buNone/>
+            </a:pPr>
+            <a:r>
+              <a:rPr lang="en-US" dirty="0">
+                <a:solidFill>
+                  <a:schemeClr val="accent1"/>
+                </a:solidFill>
+              </a:rPr>
+              <a:t> </a:t>
+            </a:r>
+          </a:p>
+          <a:p>
+            <a:pPr lvl="1">
               <a:buFont typeface="Wingdings" panose="05000000000000000000" pitchFamily="2" charset="2"/>
               <a:buChar char="Ø"/>
             </a:pPr>
             <a:r>
               <a:rPr lang="en-US" dirty="0"/>
-              <a:t>Fill missing value in optimistic estimation with conservative estimation	</a:t>
-            </a:r>
-          </a:p>
-          <a:p>
-            <a:pPr marL="895350" lvl="2" indent="0">
+              <a:t>Is Map in CO2Stop dataset close to </a:t>
+            </a:r>
+            <a:r>
+              <a:rPr lang="en-US" dirty="0">
+                <a:hlinkClick r:id="rId2"/>
+              </a:rPr>
+              <a:t>CO2stored (UK) dataset</a:t>
+            </a:r>
+            <a:r>
+              <a:rPr lang="en-US" dirty="0"/>
+              <a:t>?</a:t>
+            </a:r>
+          </a:p>
+          <a:p>
+            <a:pPr marL="447675" lvl="1" indent="0">
               <a:buNone/>
             </a:pPr>
-            <a:endParaRPr lang="en-US" dirty="0"/>
+            <a:r>
+              <a:rPr lang="en-US" dirty="0"/>
+              <a:t>	</a:t>
+            </a:r>
+            <a:r>
+              <a:rPr lang="en-US" sz="2000" dirty="0">
+                <a:solidFill>
+                  <a:schemeClr val="accent1"/>
+                </a:solidFill>
+              </a:rPr>
+              <a:t>Yes, </a:t>
+            </a:r>
+            <a:r>
+              <a:rPr lang="en-US" sz="2000" dirty="0"/>
+              <a:t>Daughter Map + Storage Unit Map  close to capacity in CO2stored UK dataset </a:t>
+            </a:r>
           </a:p>
         </p:txBody>
       </p:sp>
@@ -6709,6 +7027,79 @@
               <a:t>7</a:t>
             </a:fld>
             <a:endParaRPr lang="en-US" noProof="0"/>
+          </a:p>
+        </p:txBody>
+      </p:sp>
+      <p:sp>
+        <p:nvSpPr>
+          <p:cNvPr id="6" name="Textfeld 5">
+            <a:extLst>
+              <a:ext uri="{FF2B5EF4-FFF2-40B4-BE49-F238E27FC236}">
+                <a16:creationId xmlns:a16="http://schemas.microsoft.com/office/drawing/2014/main" id="{164D58B6-D1C9-9F4A-8D99-E5547B077396}"/>
+              </a:ext>
+            </a:extLst>
+          </p:cNvPr>
+          <p:cNvSpPr txBox="1"/>
+          <p:nvPr/>
+        </p:nvSpPr>
+        <p:spPr>
+          <a:xfrm>
+            <a:off x="4558900" y="5988827"/>
+            <a:ext cx="7543821" cy="646331"/>
+          </a:xfrm>
+          <a:prstGeom prst="rect">
+            <a:avLst/>
+          </a:prstGeom>
+          <a:noFill/>
+        </p:spPr>
+        <p:txBody>
+          <a:bodyPr wrap="square" rtlCol="0">
+            <a:spAutoFit/>
+          </a:bodyPr>
+          <a:lstStyle/>
+          <a:p>
+            <a:r>
+              <a:rPr lang="en-US" dirty="0">
+                <a:hlinkClick r:id="rId2"/>
+              </a:rPr>
+              <a:t>CO2stored (UK) dataset </a:t>
+            </a:r>
+            <a:r>
+              <a:rPr lang="en-US" dirty="0"/>
+              <a:t> </a:t>
+            </a:r>
+            <a:r>
+              <a:rPr lang="de-DE" dirty="0" err="1"/>
+              <a:t>login</a:t>
+            </a:r>
+            <a:r>
+              <a:rPr lang="de-DE" dirty="0"/>
+              <a:t> </a:t>
+            </a:r>
+            <a:r>
+              <a:rPr lang="de-DE" dirty="0" err="1"/>
+              <a:t>details</a:t>
+            </a:r>
+            <a:r>
+              <a:rPr lang="de-DE" dirty="0"/>
+              <a:t>:</a:t>
+            </a:r>
+            <a:br>
+              <a:rPr lang="de-DE" dirty="0"/>
+            </a:br>
+            <a:r>
+              <a:rPr lang="de-DE" dirty="0"/>
+              <a:t>Username:  </a:t>
+            </a:r>
+            <a:r>
+              <a:rPr lang="de-DE" dirty="0" err="1"/>
+              <a:t>elisabeth.zeyen@kit.edu</a:t>
+            </a:r>
+            <a:r>
+              <a:rPr lang="de-DE" dirty="0"/>
+              <a:t>  Password:   CO2Stored20:  </a:t>
+            </a:r>
+            <a:endParaRPr lang="en-US" dirty="0"/>
           </a:p>
         </p:txBody>
       </p:sp>
@@ -6747,20 +7138,80 @@
             <p:ph type="title"/>
           </p:nvPr>
         </p:nvSpPr>
-        <p:spPr>
-          <a:xfrm>
-            <a:off x="402314" y="247559"/>
-            <a:ext cx="9178008" cy="627829"/>
-          </a:xfrm>
-        </p:spPr>
+        <p:spPr/>
         <p:txBody>
           <a:bodyPr/>
           <a:lstStyle/>
           <a:p>
             <a:r>
               <a:rPr lang="en-US" dirty="0"/>
-              <a:t>Combine Map and Capacity Table</a:t>
-            </a:r>
+              <a:t>Missing value filling</a:t>
+            </a:r>
+          </a:p>
+        </p:txBody>
+      </p:sp>
+      <p:sp>
+        <p:nvSpPr>
+          <p:cNvPr id="3" name="Inhaltsplatzhalter 2"/>
+          <p:cNvSpPr>
+            <a:spLocks noGrp="1"/>
+          </p:cNvSpPr>
+          <p:nvPr>
+            <p:ph idx="1"/>
+          </p:nvPr>
+        </p:nvSpPr>
+        <p:spPr/>
+        <p:txBody>
+          <a:bodyPr/>
+          <a:lstStyle/>
+          <a:p>
+            <a:r>
+              <a:rPr lang="en-US" dirty="0"/>
+              <a:t>Before merge capacity table with polygon map</a:t>
+            </a:r>
+          </a:p>
+          <a:p>
+            <a:pPr lvl="1"/>
+            <a:r>
+              <a:rPr lang="en-US" dirty="0"/>
+              <a:t>Storage Unit and Trap </a:t>
+            </a:r>
+          </a:p>
+          <a:p>
+            <a:pPr lvl="2">
+              <a:buFont typeface="Wingdings" panose="05000000000000000000" pitchFamily="2" charset="2"/>
+              <a:buChar char="Ø"/>
+            </a:pPr>
+            <a:r>
+              <a:rPr lang="en-US" dirty="0"/>
+              <a:t>Fill missing value in base capacity with original data </a:t>
+            </a:r>
+          </a:p>
+          <a:p>
+            <a:pPr lvl="2">
+              <a:buFont typeface="Wingdings" panose="05000000000000000000" pitchFamily="2" charset="2"/>
+              <a:buChar char="Ø"/>
+            </a:pPr>
+            <a:r>
+              <a:rPr lang="en-US" dirty="0"/>
+              <a:t>Fill missing value in neutral estimation with conservative estimation</a:t>
+            </a:r>
+          </a:p>
+          <a:p>
+            <a:pPr lvl="2">
+              <a:buFont typeface="Wingdings" panose="05000000000000000000" pitchFamily="2" charset="2"/>
+              <a:buChar char="Ø"/>
+            </a:pPr>
+            <a:r>
+              <a:rPr lang="en-US" dirty="0"/>
+              <a:t>Fill missing value in optimistic estimation with conservative estimation	</a:t>
+            </a:r>
+          </a:p>
+          <a:p>
+            <a:pPr marL="895350" lvl="2" indent="0">
+              <a:buNone/>
+            </a:pPr>
+            <a:endParaRPr lang="en-US" dirty="0"/>
           </a:p>
         </p:txBody>
       </p:sp>
@@ -6805,6 +7256,104 @@
             <a:fld id="{61696EC4-B4CF-4701-AD06-A8439D6D8E12}" type="slidenum">
               <a:rPr lang="en-US" noProof="0" smtClean="0"/>
               <a:t>8</a:t>
+            </a:fld>
+            <a:endParaRPr lang="en-US" noProof="0"/>
+          </a:p>
+        </p:txBody>
+      </p:sp>
+    </p:spTree>
+  </p:cSld>
+  <p:clrMapOvr>
+    <a:masterClrMapping/>
+  </p:clrMapOvr>
+</p:sld>
+</file>
+
+<file path=ppt/slides/slide9.xml><?xml version="1.0" encoding="utf-8"?>
+<p:sld xmlns:a="http://schemas.openxmlformats.org/drawingml/2006/main" xmlns:r="http://schemas.openxmlformats.org/officeDocument/2006/relationships" xmlns:p="http://schemas.openxmlformats.org/presentationml/2006/main">
+  <p:cSld>
+    <p:spTree>
+      <p:nvGrpSpPr>
+        <p:cNvPr id="1" name=""/>
+        <p:cNvGrpSpPr/>
+        <p:nvPr/>
+      </p:nvGrpSpPr>
+      <p:grpSpPr>
+        <a:xfrm>
+          <a:off x="0" y="0"/>
+          <a:ext cx="0" cy="0"/>
+          <a:chOff x="0" y="0"/>
+          <a:chExt cx="0" cy="0"/>
+        </a:xfrm>
+      </p:grpSpPr>
+      <p:sp>
+        <p:nvSpPr>
+          <p:cNvPr id="2" name="Titel 1"/>
+          <p:cNvSpPr>
+            <a:spLocks noGrp="1"/>
+          </p:cNvSpPr>
+          <p:nvPr>
+            <p:ph type="title"/>
+          </p:nvPr>
+        </p:nvSpPr>
+        <p:spPr>
+          <a:xfrm>
+            <a:off x="402314" y="247559"/>
+            <a:ext cx="9178008" cy="627829"/>
+          </a:xfrm>
+        </p:spPr>
+        <p:txBody>
+          <a:bodyPr/>
+          <a:lstStyle/>
+          <a:p>
+            <a:r>
+              <a:rPr lang="en-US" dirty="0"/>
+              <a:t>Combine Map and Capacity Table</a:t>
+            </a:r>
+          </a:p>
+        </p:txBody>
+      </p:sp>
+      <p:sp>
+        <p:nvSpPr>
+          <p:cNvPr id="4" name="Datumsplatzhalter 3"/>
+          <p:cNvSpPr>
+            <a:spLocks noGrp="1"/>
+          </p:cNvSpPr>
+          <p:nvPr>
+            <p:ph type="dt" sz="half" idx="10"/>
+          </p:nvPr>
+        </p:nvSpPr>
+        <p:spPr/>
+        <p:txBody>
+          <a:bodyPr/>
+          <a:lstStyle/>
+          <a:p>
+            <a:fld id="{7C6BFBC4-F565-4C2D-A740-CCD0BFEDCA36}" type="datetime3">
+              <a:rPr lang="en-US" noProof="0" smtClean="0"/>
+              <a:t>30 June 2021</a:t>
+            </a:fld>
+            <a:endParaRPr lang="en-US" noProof="0"/>
+          </a:p>
+        </p:txBody>
+      </p:sp>
+      <p:sp>
+        <p:nvSpPr>
+          <p:cNvPr id="5" name="Foliennummernplatzhalter 4"/>
+          <p:cNvSpPr>
+            <a:spLocks noGrp="1"/>
+          </p:cNvSpPr>
+          <p:nvPr>
+            <p:ph type="sldNum" sz="quarter" idx="12"/>
+          </p:nvPr>
+        </p:nvSpPr>
+        <p:spPr/>
+        <p:txBody>
+          <a:bodyPr/>
+          <a:lstStyle/>
+          <a:p>
+            <a:fld id="{61696EC4-B4CF-4701-AD06-A8439D6D8E12}" type="slidenum">
+              <a:rPr lang="en-US" noProof="0" smtClean="0"/>
+              <a:t>9</a:t>
             </a:fld>
             <a:endParaRPr lang="en-US" noProof="0"/>
           </a:p>
